--- a/Apresentação/TCC.pptx
+++ b/Apresentação/TCC.pptx
@@ -5,7 +5,7 @@
     <p:sldMasterId id="2147484101" r:id="rId1"/>
   </p:sldMasterIdLst>
   <p:notesMasterIdLst>
-    <p:notesMasterId r:id="rId32"/>
+    <p:notesMasterId r:id="rId36"/>
   </p:notesMasterIdLst>
   <p:sldIdLst>
     <p:sldId id="517" r:id="rId2"/>
@@ -19,25 +19,29 @@
     <p:sldId id="559" r:id="rId10"/>
     <p:sldId id="561" r:id="rId11"/>
     <p:sldId id="560" r:id="rId12"/>
-    <p:sldId id="562" r:id="rId13"/>
-    <p:sldId id="563" r:id="rId14"/>
-    <p:sldId id="564" r:id="rId15"/>
-    <p:sldId id="565" r:id="rId16"/>
-    <p:sldId id="566" r:id="rId17"/>
-    <p:sldId id="570" r:id="rId18"/>
-    <p:sldId id="571" r:id="rId19"/>
-    <p:sldId id="572" r:id="rId20"/>
-    <p:sldId id="573" r:id="rId21"/>
-    <p:sldId id="574" r:id="rId22"/>
-    <p:sldId id="575" r:id="rId23"/>
-    <p:sldId id="576" r:id="rId24"/>
-    <p:sldId id="578" r:id="rId25"/>
-    <p:sldId id="577" r:id="rId26"/>
-    <p:sldId id="579" r:id="rId27"/>
-    <p:sldId id="567" r:id="rId28"/>
-    <p:sldId id="568" r:id="rId29"/>
-    <p:sldId id="569" r:id="rId30"/>
-    <p:sldId id="546" r:id="rId31"/>
+    <p:sldId id="579" r:id="rId13"/>
+    <p:sldId id="580" r:id="rId14"/>
+    <p:sldId id="581" r:id="rId15"/>
+    <p:sldId id="562" r:id="rId16"/>
+    <p:sldId id="563" r:id="rId17"/>
+    <p:sldId id="564" r:id="rId18"/>
+    <p:sldId id="565" r:id="rId19"/>
+    <p:sldId id="566" r:id="rId20"/>
+    <p:sldId id="570" r:id="rId21"/>
+    <p:sldId id="571" r:id="rId22"/>
+    <p:sldId id="572" r:id="rId23"/>
+    <p:sldId id="573" r:id="rId24"/>
+    <p:sldId id="574" r:id="rId25"/>
+    <p:sldId id="575" r:id="rId26"/>
+    <p:sldId id="576" r:id="rId27"/>
+    <p:sldId id="578" r:id="rId28"/>
+    <p:sldId id="577" r:id="rId29"/>
+    <p:sldId id="582" r:id="rId30"/>
+    <p:sldId id="583" r:id="rId31"/>
+    <p:sldId id="567" r:id="rId32"/>
+    <p:sldId id="568" r:id="rId33"/>
+    <p:sldId id="569" r:id="rId34"/>
+    <p:sldId id="546" r:id="rId35"/>
   </p:sldIdLst>
   <p:sldSz cx="9144000" cy="6858000" type="screen4x3"/>
   <p:notesSz cx="6858000" cy="9144000"/>
@@ -163,7 +167,7 @@
 <file path=ppt/revisionInfo.xml><?xml version="1.0" encoding="utf-8"?>
 <p1510:revInfo xmlns:a="http://schemas.openxmlformats.org/drawingml/2006/main" xmlns:r="http://schemas.openxmlformats.org/officeDocument/2006/relationships" xmlns:p1510="http://schemas.microsoft.com/office/powerpoint/2015/10/main">
   <p1510:revLst>
-    <p1510:client id="{4617EFB1-FD4B-4777-BEAF-2C28463F5118}" v="309" dt="2019-12-02T16:20:40.516"/>
+    <p1510:client id="{4617EFB1-FD4B-4777-BEAF-2C28463F5118}" v="351" dt="2019-12-03T18:02:32.983"/>
   </p1510:revLst>
 </p1510:revInfo>
 </file>
@@ -173,7 +177,7 @@
   <pc:docChgLst>
     <pc:chgData name="Fabricio Kassardjian" userId="912a6e5d1950f402" providerId="LiveId" clId="{4617EFB1-FD4B-4777-BEAF-2C28463F5118}"/>
     <pc:docChg chg="undo custSel addSld delSld modSld modMainMaster">
-      <pc:chgData name="Fabricio Kassardjian" userId="912a6e5d1950f402" providerId="LiveId" clId="{4617EFB1-FD4B-4777-BEAF-2C28463F5118}" dt="2019-12-02T16:20:51.326" v="8170" actId="20577"/>
+      <pc:chgData name="Fabricio Kassardjian" userId="912a6e5d1950f402" providerId="LiveId" clId="{4617EFB1-FD4B-4777-BEAF-2C28463F5118}" dt="2019-12-03T18:03:32.106" v="10164" actId="20577"/>
       <pc:docMkLst>
         <pc:docMk/>
       </pc:docMkLst>
@@ -1465,13 +1469,13 @@
         </pc:picChg>
       </pc:sldChg>
       <pc:sldChg chg="addSp modSp add">
-        <pc:chgData name="Fabricio Kassardjian" userId="912a6e5d1950f402" providerId="LiveId" clId="{4617EFB1-FD4B-4777-BEAF-2C28463F5118}" dt="2019-12-02T14:32:39.247" v="7548" actId="1076"/>
+        <pc:chgData name="Fabricio Kassardjian" userId="912a6e5d1950f402" providerId="LiveId" clId="{4617EFB1-FD4B-4777-BEAF-2C28463F5118}" dt="2019-12-02T19:45:34.572" v="8254" actId="1076"/>
         <pc:sldMkLst>
           <pc:docMk/>
           <pc:sldMk cId="1090584521" sldId="574"/>
         </pc:sldMkLst>
         <pc:spChg chg="mod">
-          <ac:chgData name="Fabricio Kassardjian" userId="912a6e5d1950f402" providerId="LiveId" clId="{4617EFB1-FD4B-4777-BEAF-2C28463F5118}" dt="2019-12-02T14:27:24.017" v="7414" actId="20577"/>
+          <ac:chgData name="Fabricio Kassardjian" userId="912a6e5d1950f402" providerId="LiveId" clId="{4617EFB1-FD4B-4777-BEAF-2C28463F5118}" dt="2019-12-02T19:45:27.654" v="8250" actId="20577"/>
           <ac:spMkLst>
             <pc:docMk/>
             <pc:sldMk cId="1090584521" sldId="574"/>
@@ -1494,12 +1498,20 @@
             <ac:spMk id="4" creationId="{22D6A2FF-4F4E-41CF-8554-95020088677E}"/>
           </ac:spMkLst>
         </pc:spChg>
-        <pc:picChg chg="add mod">
-          <ac:chgData name="Fabricio Kassardjian" userId="912a6e5d1950f402" providerId="LiveId" clId="{4617EFB1-FD4B-4777-BEAF-2C28463F5118}" dt="2019-12-02T14:32:39.247" v="7548" actId="1076"/>
+        <pc:picChg chg="add mod ord">
+          <ac:chgData name="Fabricio Kassardjian" userId="912a6e5d1950f402" providerId="LiveId" clId="{4617EFB1-FD4B-4777-BEAF-2C28463F5118}" dt="2019-12-02T19:45:24.201" v="8247" actId="1035"/>
           <ac:picMkLst>
             <pc:docMk/>
             <pc:sldMk cId="1090584521" sldId="574"/>
             <ac:picMk id="5" creationId="{B40BED43-3AC0-4B07-B1A2-5BD66F34B057}"/>
+          </ac:picMkLst>
+        </pc:picChg>
+        <pc:picChg chg="add mod">
+          <ac:chgData name="Fabricio Kassardjian" userId="912a6e5d1950f402" providerId="LiveId" clId="{4617EFB1-FD4B-4777-BEAF-2C28463F5118}" dt="2019-12-02T19:45:34.572" v="8254" actId="1076"/>
+          <ac:picMkLst>
+            <pc:docMk/>
+            <pc:sldMk cId="1090584521" sldId="574"/>
+            <ac:picMk id="6" creationId="{60E96637-92EC-4EA6-AFEF-63DB2D28C45C}"/>
           </ac:picMkLst>
         </pc:picChg>
       </pc:sldChg>
@@ -1581,8 +1593,8 @@
           </ac:picMkLst>
         </pc:picChg>
       </pc:sldChg>
-      <pc:sldChg chg="addSp modSp add">
-        <pc:chgData name="Fabricio Kassardjian" userId="912a6e5d1950f402" providerId="LiveId" clId="{4617EFB1-FD4B-4777-BEAF-2C28463F5118}" dt="2019-12-02T16:19:04.171" v="8140" actId="20577"/>
+      <pc:sldChg chg="addSp modSp add modNotesTx">
+        <pc:chgData name="Fabricio Kassardjian" userId="912a6e5d1950f402" providerId="LiveId" clId="{4617EFB1-FD4B-4777-BEAF-2C28463F5118}" dt="2019-12-02T20:00:04.463" v="8352" actId="20577"/>
         <pc:sldMkLst>
           <pc:docMk/>
           <pc:sldMk cId="2520959204" sldId="577"/>
@@ -1659,8 +1671,8 @@
           </ac:picMkLst>
         </pc:picChg>
       </pc:sldChg>
-      <pc:sldChg chg="addSp modSp add">
-        <pc:chgData name="Fabricio Kassardjian" userId="912a6e5d1950f402" providerId="LiveId" clId="{4617EFB1-FD4B-4777-BEAF-2C28463F5118}" dt="2019-12-02T16:20:51.326" v="8170" actId="20577"/>
+      <pc:sldChg chg="addSp modSp add del">
+        <pc:chgData name="Fabricio Kassardjian" userId="912a6e5d1950f402" providerId="LiveId" clId="{4617EFB1-FD4B-4777-BEAF-2C28463F5118}" dt="2019-12-02T19:59:40.018" v="8255" actId="2696"/>
         <pc:sldMkLst>
           <pc:docMk/>
           <pc:sldMk cId="625872353" sldId="579"/>
@@ -1689,6 +1701,401 @@
             <ac:spMk id="4" creationId="{3AEAA763-9E89-4F38-8DCF-6A842BAEF0E7}"/>
           </ac:spMkLst>
         </pc:spChg>
+      </pc:sldChg>
+      <pc:sldChg chg="addSp modSp add">
+        <pc:chgData name="Fabricio Kassardjian" userId="912a6e5d1950f402" providerId="LiveId" clId="{4617EFB1-FD4B-4777-BEAF-2C28463F5118}" dt="2019-12-03T15:44:16.107" v="9319" actId="5793"/>
+        <pc:sldMkLst>
+          <pc:docMk/>
+          <pc:sldMk cId="2525902382" sldId="579"/>
+        </pc:sldMkLst>
+        <pc:spChg chg="mod">
+          <ac:chgData name="Fabricio Kassardjian" userId="912a6e5d1950f402" providerId="LiveId" clId="{4617EFB1-FD4B-4777-BEAF-2C28463F5118}" dt="2019-12-03T15:43:35.972" v="9316" actId="114"/>
+          <ac:spMkLst>
+            <pc:docMk/>
+            <pc:sldMk cId="2525902382" sldId="579"/>
+            <ac:spMk id="2" creationId="{D7848530-8231-4211-9062-DDAC808DD876}"/>
+          </ac:spMkLst>
+        </pc:spChg>
+        <pc:spChg chg="mod">
+          <ac:chgData name="Fabricio Kassardjian" userId="912a6e5d1950f402" providerId="LiveId" clId="{4617EFB1-FD4B-4777-BEAF-2C28463F5118}" dt="2019-12-03T15:24:25.783" v="8395" actId="20577"/>
+          <ac:spMkLst>
+            <pc:docMk/>
+            <pc:sldMk cId="2525902382" sldId="579"/>
+            <ac:spMk id="3" creationId="{98DFF0D4-D6C0-4575-B1E4-1546F635ED93}"/>
+          </ac:spMkLst>
+        </pc:spChg>
+        <pc:spChg chg="add mod">
+          <ac:chgData name="Fabricio Kassardjian" userId="912a6e5d1950f402" providerId="LiveId" clId="{4617EFB1-FD4B-4777-BEAF-2C28463F5118}" dt="2019-12-03T15:44:16.107" v="9319" actId="5793"/>
+          <ac:spMkLst>
+            <pc:docMk/>
+            <pc:sldMk cId="2525902382" sldId="579"/>
+            <ac:spMk id="4" creationId="{0BCD09C6-5038-466D-8C18-B534F4ADB8D1}"/>
+          </ac:spMkLst>
+        </pc:spChg>
+        <pc:picChg chg="add mod">
+          <ac:chgData name="Fabricio Kassardjian" userId="912a6e5d1950f402" providerId="LiveId" clId="{4617EFB1-FD4B-4777-BEAF-2C28463F5118}" dt="2019-12-03T15:41:18.058" v="9232" actId="1076"/>
+          <ac:picMkLst>
+            <pc:docMk/>
+            <pc:sldMk cId="2525902382" sldId="579"/>
+            <ac:picMk id="5" creationId="{E8A81452-ED85-4AD8-A640-E91A8C71DCC9}"/>
+          </ac:picMkLst>
+        </pc:picChg>
+        <pc:picChg chg="add mod">
+          <ac:chgData name="Fabricio Kassardjian" userId="912a6e5d1950f402" providerId="LiveId" clId="{4617EFB1-FD4B-4777-BEAF-2C28463F5118}" dt="2019-12-03T15:41:51.072" v="9280" actId="1076"/>
+          <ac:picMkLst>
+            <pc:docMk/>
+            <pc:sldMk cId="2525902382" sldId="579"/>
+            <ac:picMk id="6" creationId="{BE0A97EF-465A-4770-A507-A0504D4F34F9}"/>
+          </ac:picMkLst>
+        </pc:picChg>
+        <pc:picChg chg="add mod">
+          <ac:chgData name="Fabricio Kassardjian" userId="912a6e5d1950f402" providerId="LiveId" clId="{4617EFB1-FD4B-4777-BEAF-2C28463F5118}" dt="2019-12-03T15:40:16.938" v="9169" actId="1076"/>
+          <ac:picMkLst>
+            <pc:docMk/>
+            <pc:sldMk cId="2525902382" sldId="579"/>
+            <ac:picMk id="7" creationId="{1D081071-CB74-4985-A10A-63F84EE12166}"/>
+          </ac:picMkLst>
+        </pc:picChg>
+        <pc:picChg chg="add mod">
+          <ac:chgData name="Fabricio Kassardjian" userId="912a6e5d1950f402" providerId="LiveId" clId="{4617EFB1-FD4B-4777-BEAF-2C28463F5118}" dt="2019-12-03T15:41:10.889" v="9231" actId="1076"/>
+          <ac:picMkLst>
+            <pc:docMk/>
+            <pc:sldMk cId="2525902382" sldId="579"/>
+            <ac:picMk id="8" creationId="{18F3B17B-7CC1-441C-87BB-97255ED4B0E4}"/>
+          </ac:picMkLst>
+        </pc:picChg>
+      </pc:sldChg>
+      <pc:sldChg chg="addSp modSp add">
+        <pc:chgData name="Fabricio Kassardjian" userId="912a6e5d1950f402" providerId="LiveId" clId="{4617EFB1-FD4B-4777-BEAF-2C28463F5118}" dt="2019-12-03T15:44:22.568" v="9322" actId="5793"/>
+        <pc:sldMkLst>
+          <pc:docMk/>
+          <pc:sldMk cId="580199768" sldId="580"/>
+        </pc:sldMkLst>
+        <pc:spChg chg="mod">
+          <ac:chgData name="Fabricio Kassardjian" userId="912a6e5d1950f402" providerId="LiveId" clId="{4617EFB1-FD4B-4777-BEAF-2C28463F5118}" dt="2019-12-03T15:35:38.141" v="9042" actId="20577"/>
+          <ac:spMkLst>
+            <pc:docMk/>
+            <pc:sldMk cId="580199768" sldId="580"/>
+            <ac:spMk id="2" creationId="{B1656208-444E-430F-A604-728C9D0CE3AD}"/>
+          </ac:spMkLst>
+        </pc:spChg>
+        <pc:spChg chg="mod">
+          <ac:chgData name="Fabricio Kassardjian" userId="912a6e5d1950f402" providerId="LiveId" clId="{4617EFB1-FD4B-4777-BEAF-2C28463F5118}" dt="2019-12-03T15:32:07.518" v="8775" actId="20577"/>
+          <ac:spMkLst>
+            <pc:docMk/>
+            <pc:sldMk cId="580199768" sldId="580"/>
+            <ac:spMk id="3" creationId="{DADAC03E-EA6B-45FB-8127-254F7D8BC9A7}"/>
+          </ac:spMkLst>
+        </pc:spChg>
+        <pc:spChg chg="add mod">
+          <ac:chgData name="Fabricio Kassardjian" userId="912a6e5d1950f402" providerId="LiveId" clId="{4617EFB1-FD4B-4777-BEAF-2C28463F5118}" dt="2019-12-03T15:44:22.568" v="9322" actId="5793"/>
+          <ac:spMkLst>
+            <pc:docMk/>
+            <pc:sldMk cId="580199768" sldId="580"/>
+            <ac:spMk id="4" creationId="{5ECCCCB2-F973-4882-9098-AB4CBE440962}"/>
+          </ac:spMkLst>
+        </pc:spChg>
+        <pc:picChg chg="add mod">
+          <ac:chgData name="Fabricio Kassardjian" userId="912a6e5d1950f402" providerId="LiveId" clId="{4617EFB1-FD4B-4777-BEAF-2C28463F5118}" dt="2019-12-03T15:33:39.206" v="8875" actId="1076"/>
+          <ac:picMkLst>
+            <pc:docMk/>
+            <pc:sldMk cId="580199768" sldId="580"/>
+            <ac:picMk id="5" creationId="{6F01E6BF-4C07-4447-9E45-F618AB5E6095}"/>
+          </ac:picMkLst>
+        </pc:picChg>
+        <pc:picChg chg="add mod">
+          <ac:chgData name="Fabricio Kassardjian" userId="912a6e5d1950f402" providerId="LiveId" clId="{4617EFB1-FD4B-4777-BEAF-2C28463F5118}" dt="2019-12-03T15:34:28.797" v="8932" actId="1076"/>
+          <ac:picMkLst>
+            <pc:docMk/>
+            <pc:sldMk cId="580199768" sldId="580"/>
+            <ac:picMk id="6" creationId="{0B813432-47F9-46BF-B9A5-97799B67C1CD}"/>
+          </ac:picMkLst>
+        </pc:picChg>
+        <pc:picChg chg="add mod">
+          <ac:chgData name="Fabricio Kassardjian" userId="912a6e5d1950f402" providerId="LiveId" clId="{4617EFB1-FD4B-4777-BEAF-2C28463F5118}" dt="2019-12-03T15:35:47.708" v="9064" actId="1036"/>
+          <ac:picMkLst>
+            <pc:docMk/>
+            <pc:sldMk cId="580199768" sldId="580"/>
+            <ac:picMk id="7" creationId="{13F115FB-D88A-4D24-8B59-FC4686CA93FE}"/>
+          </ac:picMkLst>
+        </pc:picChg>
+        <pc:picChg chg="add mod modCrop">
+          <ac:chgData name="Fabricio Kassardjian" userId="912a6e5d1950f402" providerId="LiveId" clId="{4617EFB1-FD4B-4777-BEAF-2C28463F5118}" dt="2019-12-03T15:36:29.611" v="9070" actId="14100"/>
+          <ac:picMkLst>
+            <pc:docMk/>
+            <pc:sldMk cId="580199768" sldId="580"/>
+            <ac:picMk id="8" creationId="{F442AF54-03F9-4177-8682-93E34865D987}"/>
+          </ac:picMkLst>
+        </pc:picChg>
+      </pc:sldChg>
+      <pc:sldChg chg="addSp modSp add">
+        <pc:chgData name="Fabricio Kassardjian" userId="912a6e5d1950f402" providerId="LiveId" clId="{4617EFB1-FD4B-4777-BEAF-2C28463F5118}" dt="2019-12-03T15:44:32.854" v="9325" actId="5793"/>
+        <pc:sldMkLst>
+          <pc:docMk/>
+          <pc:sldMk cId="1620664738" sldId="581"/>
+        </pc:sldMkLst>
+        <pc:spChg chg="mod">
+          <ac:chgData name="Fabricio Kassardjian" userId="912a6e5d1950f402" providerId="LiveId" clId="{4617EFB1-FD4B-4777-BEAF-2C28463F5118}" dt="2019-12-03T15:37:32.284" v="9146" actId="20577"/>
+          <ac:spMkLst>
+            <pc:docMk/>
+            <pc:sldMk cId="1620664738" sldId="581"/>
+            <ac:spMk id="2" creationId="{F54F2896-A2A3-4A81-8453-215919341564}"/>
+          </ac:spMkLst>
+        </pc:spChg>
+        <pc:spChg chg="mod">
+          <ac:chgData name="Fabricio Kassardjian" userId="912a6e5d1950f402" providerId="LiveId" clId="{4617EFB1-FD4B-4777-BEAF-2C28463F5118}" dt="2019-12-03T15:36:59.433" v="9084" actId="20577"/>
+          <ac:spMkLst>
+            <pc:docMk/>
+            <pc:sldMk cId="1620664738" sldId="581"/>
+            <ac:spMk id="3" creationId="{270C8F9D-7C61-488F-ACF9-8926CD57A171}"/>
+          </ac:spMkLst>
+        </pc:spChg>
+        <pc:spChg chg="add mod">
+          <ac:chgData name="Fabricio Kassardjian" userId="912a6e5d1950f402" providerId="LiveId" clId="{4617EFB1-FD4B-4777-BEAF-2C28463F5118}" dt="2019-12-03T15:44:32.854" v="9325" actId="5793"/>
+          <ac:spMkLst>
+            <pc:docMk/>
+            <pc:sldMk cId="1620664738" sldId="581"/>
+            <ac:spMk id="4" creationId="{40241A21-E78A-49E2-96FD-9A9E235088A1}"/>
+          </ac:spMkLst>
+        </pc:spChg>
+        <pc:spChg chg="add mod">
+          <ac:chgData name="Fabricio Kassardjian" userId="912a6e5d1950f402" providerId="LiveId" clId="{4617EFB1-FD4B-4777-BEAF-2C28463F5118}" dt="2019-12-03T15:38:30.522" v="9166" actId="14100"/>
+          <ac:spMkLst>
+            <pc:docMk/>
+            <pc:sldMk cId="1620664738" sldId="581"/>
+            <ac:spMk id="6" creationId="{B7FEEC66-CA39-42DF-A2A4-39E82AD1E9FA}"/>
+          </ac:spMkLst>
+        </pc:spChg>
+        <pc:picChg chg="add mod">
+          <ac:chgData name="Fabricio Kassardjian" userId="912a6e5d1950f402" providerId="LiveId" clId="{4617EFB1-FD4B-4777-BEAF-2C28463F5118}" dt="2019-12-03T15:37:53.933" v="9150" actId="1076"/>
+          <ac:picMkLst>
+            <pc:docMk/>
+            <pc:sldMk cId="1620664738" sldId="581"/>
+            <ac:picMk id="5" creationId="{61930815-4972-440E-BE61-430E2866B7BC}"/>
+          </ac:picMkLst>
+        </pc:picChg>
+      </pc:sldChg>
+      <pc:sldChg chg="addSp delSp modSp add">
+        <pc:chgData name="Fabricio Kassardjian" userId="912a6e5d1950f402" providerId="LiveId" clId="{4617EFB1-FD4B-4777-BEAF-2C28463F5118}" dt="2019-12-03T18:03:32.106" v="10164" actId="20577"/>
+        <pc:sldMkLst>
+          <pc:docMk/>
+          <pc:sldMk cId="1695096114" sldId="582"/>
+        </pc:sldMkLst>
+        <pc:spChg chg="del">
+          <ac:chgData name="Fabricio Kassardjian" userId="912a6e5d1950f402" providerId="LiveId" clId="{4617EFB1-FD4B-4777-BEAF-2C28463F5118}" dt="2019-12-03T15:45:38.135" v="9366"/>
+          <ac:spMkLst>
+            <pc:docMk/>
+            <pc:sldMk cId="1695096114" sldId="582"/>
+            <ac:spMk id="2" creationId="{DAD2C79C-A487-4ED2-AC2B-2C9B4C8F3D33}"/>
+          </ac:spMkLst>
+        </pc:spChg>
+        <pc:spChg chg="mod">
+          <ac:chgData name="Fabricio Kassardjian" userId="912a6e5d1950f402" providerId="LiveId" clId="{4617EFB1-FD4B-4777-BEAF-2C28463F5118}" dt="2019-12-03T15:45:14.395" v="9365" actId="20577"/>
+          <ac:spMkLst>
+            <pc:docMk/>
+            <pc:sldMk cId="1695096114" sldId="582"/>
+            <ac:spMk id="3" creationId="{2919A467-F908-437D-A6A4-8D3167C25ED9}"/>
+          </ac:spMkLst>
+        </pc:spChg>
+        <pc:spChg chg="add mod">
+          <ac:chgData name="Fabricio Kassardjian" userId="912a6e5d1950f402" providerId="LiveId" clId="{4617EFB1-FD4B-4777-BEAF-2C28463F5118}" dt="2019-12-03T16:05:05.339" v="9417" actId="20577"/>
+          <ac:spMkLst>
+            <pc:docMk/>
+            <pc:sldMk cId="1695096114" sldId="582"/>
+            <ac:spMk id="4" creationId="{4C08F6C4-358D-48FE-8D4F-A04A9CEB94EF}"/>
+          </ac:spMkLst>
+        </pc:spChg>
+        <pc:spChg chg="add mod">
+          <ac:chgData name="Fabricio Kassardjian" userId="912a6e5d1950f402" providerId="LiveId" clId="{4617EFB1-FD4B-4777-BEAF-2C28463F5118}" dt="2019-12-03T18:03:27.288" v="10150" actId="1076"/>
+          <ac:spMkLst>
+            <pc:docMk/>
+            <pc:sldMk cId="1695096114" sldId="582"/>
+            <ac:spMk id="7" creationId="{A2AADA4A-F5B2-497D-8366-03358A711D8A}"/>
+          </ac:spMkLst>
+        </pc:spChg>
+        <pc:spChg chg="add del mod">
+          <ac:chgData name="Fabricio Kassardjian" userId="912a6e5d1950f402" providerId="LiveId" clId="{4617EFB1-FD4B-4777-BEAF-2C28463F5118}" dt="2019-12-03T16:03:02.120" v="9385" actId="478"/>
+          <ac:spMkLst>
+            <pc:docMk/>
+            <pc:sldMk cId="1695096114" sldId="582"/>
+            <ac:spMk id="9" creationId="{E206A2BC-9AB8-4F6F-9BEB-6C6D8E81A243}"/>
+          </ac:spMkLst>
+        </pc:spChg>
+        <pc:spChg chg="add mod">
+          <ac:chgData name="Fabricio Kassardjian" userId="912a6e5d1950f402" providerId="LiveId" clId="{4617EFB1-FD4B-4777-BEAF-2C28463F5118}" dt="2019-12-03T18:03:32.106" v="10164" actId="20577"/>
+          <ac:spMkLst>
+            <pc:docMk/>
+            <pc:sldMk cId="1695096114" sldId="582"/>
+            <ac:spMk id="12" creationId="{C724135D-7B1E-4A28-8C93-61EB4FC8F381}"/>
+          </ac:spMkLst>
+        </pc:spChg>
+        <pc:spChg chg="add mod">
+          <ac:chgData name="Fabricio Kassardjian" userId="912a6e5d1950f402" providerId="LiveId" clId="{4617EFB1-FD4B-4777-BEAF-2C28463F5118}" dt="2019-12-03T18:00:53.465" v="10070" actId="14100"/>
+          <ac:spMkLst>
+            <pc:docMk/>
+            <pc:sldMk cId="1695096114" sldId="582"/>
+            <ac:spMk id="13" creationId="{5B5C84CA-B36E-465E-BD12-ED17E5099E5A}"/>
+          </ac:spMkLst>
+        </pc:spChg>
+        <pc:spChg chg="add mod">
+          <ac:chgData name="Fabricio Kassardjian" userId="912a6e5d1950f402" providerId="LiveId" clId="{4617EFB1-FD4B-4777-BEAF-2C28463F5118}" dt="2019-12-03T18:01:03.198" v="10073" actId="1036"/>
+          <ac:spMkLst>
+            <pc:docMk/>
+            <pc:sldMk cId="1695096114" sldId="582"/>
+            <ac:spMk id="14" creationId="{2FFF2A74-84CC-4481-A48B-F866D2F0B953}"/>
+          </ac:spMkLst>
+        </pc:spChg>
+        <pc:spChg chg="add mod">
+          <ac:chgData name="Fabricio Kassardjian" userId="912a6e5d1950f402" providerId="LiveId" clId="{4617EFB1-FD4B-4777-BEAF-2C28463F5118}" dt="2019-12-03T18:01:14.612" v="10076" actId="14100"/>
+          <ac:spMkLst>
+            <pc:docMk/>
+            <pc:sldMk cId="1695096114" sldId="582"/>
+            <ac:spMk id="15" creationId="{EF2E0F38-FD78-4BA6-B473-A6AE092E4739}"/>
+          </ac:spMkLst>
+        </pc:spChg>
+        <pc:spChg chg="add mod">
+          <ac:chgData name="Fabricio Kassardjian" userId="912a6e5d1950f402" providerId="LiveId" clId="{4617EFB1-FD4B-4777-BEAF-2C28463F5118}" dt="2019-12-03T18:01:35.898" v="10085" actId="1076"/>
+          <ac:spMkLst>
+            <pc:docMk/>
+            <pc:sldMk cId="1695096114" sldId="582"/>
+            <ac:spMk id="16" creationId="{41991BD3-1C95-4A91-BC07-FEC5337EB669}"/>
+          </ac:spMkLst>
+        </pc:spChg>
+        <pc:spChg chg="add mod">
+          <ac:chgData name="Fabricio Kassardjian" userId="912a6e5d1950f402" providerId="LiveId" clId="{4617EFB1-FD4B-4777-BEAF-2C28463F5118}" dt="2019-12-03T18:02:28.991" v="10132" actId="1076"/>
+          <ac:spMkLst>
+            <pc:docMk/>
+            <pc:sldMk cId="1695096114" sldId="582"/>
+            <ac:spMk id="17" creationId="{1400B074-6F67-41F4-A133-CE0CED7E9529}"/>
+          </ac:spMkLst>
+        </pc:spChg>
+        <pc:spChg chg="add mod">
+          <ac:chgData name="Fabricio Kassardjian" userId="912a6e5d1950f402" providerId="LiveId" clId="{4617EFB1-FD4B-4777-BEAF-2C28463F5118}" dt="2019-12-03T18:02:38.680" v="10149" actId="20577"/>
+          <ac:spMkLst>
+            <pc:docMk/>
+            <pc:sldMk cId="1695096114" sldId="582"/>
+            <ac:spMk id="18" creationId="{A8D5ED12-FA45-4863-8846-C6ECEDF229E4}"/>
+          </ac:spMkLst>
+        </pc:spChg>
+        <pc:picChg chg="add mod">
+          <ac:chgData name="Fabricio Kassardjian" userId="912a6e5d1950f402" providerId="LiveId" clId="{4617EFB1-FD4B-4777-BEAF-2C28463F5118}" dt="2019-12-03T17:59:32.544" v="10066" actId="1076"/>
+          <ac:picMkLst>
+            <pc:docMk/>
+            <pc:sldMk cId="1695096114" sldId="582"/>
+            <ac:picMk id="2" creationId="{A2982D41-14D6-4499-92AB-5E873E11D5FD}"/>
+          </ac:picMkLst>
+        </pc:picChg>
+        <pc:picChg chg="add del mod">
+          <ac:chgData name="Fabricio Kassardjian" userId="912a6e5d1950f402" providerId="LiveId" clId="{4617EFB1-FD4B-4777-BEAF-2C28463F5118}" dt="2019-12-03T16:01:28.555" v="9377" actId="478"/>
+          <ac:picMkLst>
+            <pc:docMk/>
+            <pc:sldMk cId="1695096114" sldId="582"/>
+            <ac:picMk id="5" creationId="{45668522-267A-4A2D-93DE-230272D9F5AB}"/>
+          </ac:picMkLst>
+        </pc:picChg>
+        <pc:picChg chg="add mod">
+          <ac:chgData name="Fabricio Kassardjian" userId="912a6e5d1950f402" providerId="LiveId" clId="{4617EFB1-FD4B-4777-BEAF-2C28463F5118}" dt="2019-12-03T18:03:27.288" v="10150" actId="1076"/>
+          <ac:picMkLst>
+            <pc:docMk/>
+            <pc:sldMk cId="1695096114" sldId="582"/>
+            <ac:picMk id="5" creationId="{E82D2330-6952-4331-A786-B54A4E124961}"/>
+          </ac:picMkLst>
+        </pc:picChg>
+        <pc:picChg chg="add mod">
+          <ac:chgData name="Fabricio Kassardjian" userId="912a6e5d1950f402" providerId="LiveId" clId="{4617EFB1-FD4B-4777-BEAF-2C28463F5118}" dt="2019-12-03T18:03:27.288" v="10150" actId="1076"/>
+          <ac:picMkLst>
+            <pc:docMk/>
+            <pc:sldMk cId="1695096114" sldId="582"/>
+            <ac:picMk id="6" creationId="{E3D16327-3790-47F0-AAA7-80900CCBD27A}"/>
+          </ac:picMkLst>
+        </pc:picChg>
+        <pc:picChg chg="add del mod">
+          <ac:chgData name="Fabricio Kassardjian" userId="912a6e5d1950f402" providerId="LiveId" clId="{4617EFB1-FD4B-4777-BEAF-2C28463F5118}" dt="2019-12-03T16:01:37.151" v="9379" actId="478"/>
+          <ac:picMkLst>
+            <pc:docMk/>
+            <pc:sldMk cId="1695096114" sldId="582"/>
+            <ac:picMk id="7" creationId="{77CE8272-3BD4-4561-9CBF-C8E408EF1F6F}"/>
+          </ac:picMkLst>
+        </pc:picChg>
+        <pc:picChg chg="add del mod">
+          <ac:chgData name="Fabricio Kassardjian" userId="912a6e5d1950f402" providerId="LiveId" clId="{4617EFB1-FD4B-4777-BEAF-2C28463F5118}" dt="2019-12-03T17:53:13.859" v="10005" actId="478"/>
+          <ac:picMkLst>
+            <pc:docMk/>
+            <pc:sldMk cId="1695096114" sldId="582"/>
+            <ac:picMk id="10" creationId="{6D03B83E-6F15-4CEC-A757-5ECF7B103125}"/>
+          </ac:picMkLst>
+        </pc:picChg>
+        <pc:picChg chg="add del mod">
+          <ac:chgData name="Fabricio Kassardjian" userId="912a6e5d1950f402" providerId="LiveId" clId="{4617EFB1-FD4B-4777-BEAF-2C28463F5118}" dt="2019-12-03T17:53:16.849" v="10006" actId="478"/>
+          <ac:picMkLst>
+            <pc:docMk/>
+            <pc:sldMk cId="1695096114" sldId="582"/>
+            <ac:picMk id="11" creationId="{C3517484-3716-4043-B34A-4F9AB2B39786}"/>
+          </ac:picMkLst>
+        </pc:picChg>
+      </pc:sldChg>
+      <pc:sldChg chg="addSp modSp add">
+        <pc:chgData name="Fabricio Kassardjian" userId="912a6e5d1950f402" providerId="LiveId" clId="{4617EFB1-FD4B-4777-BEAF-2C28463F5118}" dt="2019-12-03T16:10:50.686" v="10004" actId="1076"/>
+        <pc:sldMkLst>
+          <pc:docMk/>
+          <pc:sldMk cId="2109175348" sldId="583"/>
+        </pc:sldMkLst>
+        <pc:spChg chg="mod ord">
+          <ac:chgData name="Fabricio Kassardjian" userId="912a6e5d1950f402" providerId="LiveId" clId="{4617EFB1-FD4B-4777-BEAF-2C28463F5118}" dt="2019-12-03T16:10:09.004" v="9850" actId="167"/>
+          <ac:spMkLst>
+            <pc:docMk/>
+            <pc:sldMk cId="2109175348" sldId="583"/>
+            <ac:spMk id="2" creationId="{FAC09F7B-97C5-4444-92CB-DC0F2DB157B2}"/>
+          </ac:spMkLst>
+        </pc:spChg>
+        <pc:spChg chg="mod">
+          <ac:chgData name="Fabricio Kassardjian" userId="912a6e5d1950f402" providerId="LiveId" clId="{4617EFB1-FD4B-4777-BEAF-2C28463F5118}" dt="2019-12-03T16:05:17.890" v="9441" actId="20577"/>
+          <ac:spMkLst>
+            <pc:docMk/>
+            <pc:sldMk cId="2109175348" sldId="583"/>
+            <ac:spMk id="3" creationId="{863E807C-7CF3-49A1-92EC-4BEDA4309D77}"/>
+          </ac:spMkLst>
+        </pc:spChg>
+        <pc:spChg chg="add">
+          <ac:chgData name="Fabricio Kassardjian" userId="912a6e5d1950f402" providerId="LiveId" clId="{4617EFB1-FD4B-4777-BEAF-2C28463F5118}" dt="2019-12-03T16:05:10.259" v="9418"/>
+          <ac:spMkLst>
+            <pc:docMk/>
+            <pc:sldMk cId="2109175348" sldId="583"/>
+            <ac:spMk id="4" creationId="{17CE73E6-6FFB-491D-8002-C25681A8C008}"/>
+          </ac:spMkLst>
+        </pc:spChg>
+        <pc:grpChg chg="add mod">
+          <ac:chgData name="Fabricio Kassardjian" userId="912a6e5d1950f402" providerId="LiveId" clId="{4617EFB1-FD4B-4777-BEAF-2C28463F5118}" dt="2019-12-03T16:10:50.686" v="10004" actId="1076"/>
+          <ac:grpSpMkLst>
+            <pc:docMk/>
+            <pc:sldMk cId="2109175348" sldId="583"/>
+            <ac:grpSpMk id="8" creationId="{0284728D-7CD8-4A3B-9D02-52416761695B}"/>
+          </ac:grpSpMkLst>
+        </pc:grpChg>
+        <pc:picChg chg="add mod">
+          <ac:chgData name="Fabricio Kassardjian" userId="912a6e5d1950f402" providerId="LiveId" clId="{4617EFB1-FD4B-4777-BEAF-2C28463F5118}" dt="2019-12-03T16:07:17.125" v="9647" actId="1076"/>
+          <ac:picMkLst>
+            <pc:docMk/>
+            <pc:sldMk cId="2109175348" sldId="583"/>
+            <ac:picMk id="5" creationId="{46487578-A255-4714-B119-351E0FDB5BE0}"/>
+          </ac:picMkLst>
+        </pc:picChg>
+        <pc:picChg chg="add mod">
+          <ac:chgData name="Fabricio Kassardjian" userId="912a6e5d1950f402" providerId="LiveId" clId="{4617EFB1-FD4B-4777-BEAF-2C28463F5118}" dt="2019-12-03T16:10:47.732" v="10003" actId="164"/>
+          <ac:picMkLst>
+            <pc:docMk/>
+            <pc:sldMk cId="2109175348" sldId="583"/>
+            <ac:picMk id="6" creationId="{62B90371-7A78-4306-9578-5F730669F530}"/>
+          </ac:picMkLst>
+        </pc:picChg>
+        <pc:picChg chg="add mod ord">
+          <ac:chgData name="Fabricio Kassardjian" userId="912a6e5d1950f402" providerId="LiveId" clId="{4617EFB1-FD4B-4777-BEAF-2C28463F5118}" dt="2019-12-03T16:10:47.732" v="10003" actId="164"/>
+          <ac:picMkLst>
+            <pc:docMk/>
+            <pc:sldMk cId="2109175348" sldId="583"/>
+            <ac:picMk id="7" creationId="{DF754586-85C3-4B27-85AA-FB7103C13B48}"/>
+          </ac:picMkLst>
+        </pc:picChg>
       </pc:sldChg>
       <pc:sldMasterChg chg="addSp delSp modSp modSldLayout">
         <pc:chgData name="Fabricio Kassardjian" userId="912a6e5d1950f402" providerId="LiveId" clId="{4617EFB1-FD4B-4777-BEAF-2C28463F5118}" dt="2019-12-02T01:57:13.351" v="692" actId="404"/>
@@ -2308,7 +2715,7 @@
           <a:p>
             <a:fld id="{298B9ABA-C426-45F4-9883-1885184301E8}" type="datetimeFigureOut">
               <a:rPr lang="pt-BR" smtClean="0"/>
-              <a:t>30/11/2019</a:t>
+              <a:t>03/12/2019</a:t>
             </a:fld>
             <a:endParaRPr lang="pt-BR"/>
           </a:p>
@@ -2790,7 +3197,7 @@
           <a:p>
             <a:fld id="{977A75FF-2340-4E7B-BCCB-4FA6BE567DBF}" type="slidenum">
               <a:rPr lang="pt-BR" smtClean="0"/>
-              <a:t>14</a:t>
+              <a:t>17</a:t>
             </a:fld>
             <a:endParaRPr lang="pt-BR"/>
           </a:p>
@@ -2877,7 +3284,7 @@
           <a:p>
             <a:fld id="{977A75FF-2340-4E7B-BCCB-4FA6BE567DBF}" type="slidenum">
               <a:rPr lang="pt-BR" smtClean="0"/>
-              <a:t>17</a:t>
+              <a:t>20</a:t>
             </a:fld>
             <a:endParaRPr lang="pt-BR"/>
           </a:p>
@@ -2964,7 +3371,7 @@
           <a:p>
             <a:fld id="{977A75FF-2340-4E7B-BCCB-4FA6BE567DBF}" type="slidenum">
               <a:rPr lang="pt-BR" smtClean="0"/>
-              <a:t>20</a:t>
+              <a:t>23</a:t>
             </a:fld>
             <a:endParaRPr lang="pt-BR"/>
           </a:p>
@@ -3051,7 +3458,7 @@
           <a:p>
             <a:fld id="{977A75FF-2340-4E7B-BCCB-4FA6BE567DBF}" type="slidenum">
               <a:rPr lang="pt-BR" smtClean="0"/>
-              <a:t>23</a:t>
+              <a:t>26</a:t>
             </a:fld>
             <a:endParaRPr lang="pt-BR"/>
           </a:p>
@@ -3114,6 +3521,14 @@
           <a:bodyPr/>
           <a:lstStyle/>
           <a:p>
+            <a:r>
+              <a:rPr lang="pt-BR" dirty="0"/>
+              <a:t>Comentar sobre mutação para valores reais, ordem. Falar sobre outros operadores </a:t>
+            </a:r>
+            <a:r>
+              <a:rPr lang="pt-BR"/>
+              <a:t>como inversão</a:t>
+            </a:r>
             <a:endParaRPr lang="pt-BR" dirty="0"/>
           </a:p>
         </p:txBody>
@@ -3135,7 +3550,7 @@
           <a:p>
             <a:fld id="{977A75FF-2340-4E7B-BCCB-4FA6BE567DBF}" type="slidenum">
               <a:rPr lang="pt-BR" smtClean="0"/>
-              <a:t>25</a:t>
+              <a:t>28</a:t>
             </a:fld>
             <a:endParaRPr lang="pt-BR"/>
           </a:p>
@@ -3268,7 +3683,7 @@
                 <a:tabLst/>
                 <a:defRPr/>
               </a:pPr>
-              <a:t>27</a:t>
+              <a:t>31</a:t>
             </a:fld>
             <a:endParaRPr kumimoji="0" lang="en-US" sz="1200" b="0" i="0" u="none" strike="noStrike" kern="1200" cap="none" spc="0" normalizeH="0" baseline="0" noProof="0" dirty="0">
               <a:ln>
@@ -3414,7 +3829,7 @@
                 <a:tabLst/>
                 <a:defRPr/>
               </a:pPr>
-              <a:t>29</a:t>
+              <a:t>33</a:t>
             </a:fld>
             <a:endParaRPr kumimoji="0" lang="en-US" sz="1200" b="0" i="0" u="none" strike="noStrike" kern="1200" cap="none" spc="0" normalizeH="0" baseline="0" noProof="0" dirty="0">
               <a:ln>
@@ -3560,7 +3975,7 @@
                 <a:tabLst/>
                 <a:defRPr/>
               </a:pPr>
-              <a:t>30</a:t>
+              <a:t>34</a:t>
             </a:fld>
             <a:endParaRPr kumimoji="0" lang="en-US" sz="1200" b="0" i="0" u="none" strike="noStrike" kern="1200" cap="none" spc="0" normalizeH="0" baseline="0" noProof="0" dirty="0">
               <a:ln>
@@ -4382,7 +4797,7 @@
           <a:p>
             <a:fld id="{977A75FF-2340-4E7B-BCCB-4FA6BE567DBF}" type="slidenum">
               <a:rPr lang="pt-BR" smtClean="0"/>
-              <a:t>12</a:t>
+              <a:t>15</a:t>
             </a:fld>
             <a:endParaRPr lang="pt-BR"/>
           </a:p>
@@ -4469,7 +4884,7 @@
           <a:p>
             <a:fld id="{977A75FF-2340-4E7B-BCCB-4FA6BE567DBF}" type="slidenum">
               <a:rPr lang="pt-BR" smtClean="0"/>
-              <a:t>13</a:t>
+              <a:t>16</a:t>
             </a:fld>
             <a:endParaRPr lang="pt-BR"/>
           </a:p>
@@ -4710,7 +5125,7 @@
           <a:p>
             <a:fld id="{B588E480-0D7B-442D-8151-3297F7F093BE}" type="datetimeFigureOut">
               <a:rPr lang="pt-BR" smtClean="0"/>
-              <a:t>30/11/2019</a:t>
+              <a:t>03/12/2019</a:t>
             </a:fld>
             <a:endParaRPr lang="pt-BR"/>
           </a:p>
@@ -4918,7 +5333,7 @@
           <a:p>
             <a:fld id="{B588E480-0D7B-442D-8151-3297F7F093BE}" type="datetimeFigureOut">
               <a:rPr lang="pt-BR" smtClean="0"/>
-              <a:t>30/11/2019</a:t>
+              <a:t>03/12/2019</a:t>
             </a:fld>
             <a:endParaRPr lang="pt-BR"/>
           </a:p>
@@ -5174,7 +5589,7 @@
           <a:p>
             <a:fld id="{B588E480-0D7B-442D-8151-3297F7F093BE}" type="datetimeFigureOut">
               <a:rPr lang="pt-BR" smtClean="0"/>
-              <a:t>30/11/2019</a:t>
+              <a:t>03/12/2019</a:t>
             </a:fld>
             <a:endParaRPr lang="pt-BR"/>
           </a:p>
@@ -5358,7 +5773,7 @@
           <a:p>
             <a:fld id="{B588E480-0D7B-442D-8151-3297F7F093BE}" type="datetimeFigureOut">
               <a:rPr lang="pt-BR" smtClean="0"/>
-              <a:t>01/12/2019</a:t>
+              <a:t>03/12/2019</a:t>
             </a:fld>
             <a:endParaRPr lang="pt-BR"/>
           </a:p>
@@ -5727,7 +6142,7 @@
           <a:p>
             <a:fld id="{B588E480-0D7B-442D-8151-3297F7F093BE}" type="datetimeFigureOut">
               <a:rPr lang="pt-BR" smtClean="0"/>
-              <a:t>30/11/2019</a:t>
+              <a:t>03/12/2019</a:t>
             </a:fld>
             <a:endParaRPr lang="pt-BR"/>
           </a:p>
@@ -6000,7 +6415,7 @@
           <a:p>
             <a:fld id="{B588E480-0D7B-442D-8151-3297F7F093BE}" type="datetimeFigureOut">
               <a:rPr lang="pt-BR" smtClean="0"/>
-              <a:t>30/11/2019</a:t>
+              <a:t>03/12/2019</a:t>
             </a:fld>
             <a:endParaRPr lang="pt-BR"/>
           </a:p>
@@ -6382,7 +6797,7 @@
           <a:p>
             <a:fld id="{B588E480-0D7B-442D-8151-3297F7F093BE}" type="datetimeFigureOut">
               <a:rPr lang="pt-BR" smtClean="0"/>
-              <a:t>30/11/2019</a:t>
+              <a:t>03/12/2019</a:t>
             </a:fld>
             <a:endParaRPr lang="pt-BR"/>
           </a:p>
@@ -6508,7 +6923,7 @@
           <a:p>
             <a:fld id="{B588E480-0D7B-442D-8151-3297F7F093BE}" type="datetimeFigureOut">
               <a:rPr lang="pt-BR" smtClean="0"/>
-              <a:t>30/11/2019</a:t>
+              <a:t>03/12/2019</a:t>
             </a:fld>
             <a:endParaRPr lang="pt-BR"/>
           </a:p>
@@ -6679,7 +7094,7 @@
           <a:p>
             <a:fld id="{B588E480-0D7B-442D-8151-3297F7F093BE}" type="datetimeFigureOut">
               <a:rPr lang="pt-BR" smtClean="0"/>
-              <a:t>01/12/2019</a:t>
+              <a:t>03/12/2019</a:t>
             </a:fld>
             <a:endParaRPr lang="pt-BR"/>
           </a:p>
@@ -7070,7 +7485,7 @@
           <a:p>
             <a:fld id="{B588E480-0D7B-442D-8151-3297F7F093BE}" type="datetimeFigureOut">
               <a:rPr lang="pt-BR" smtClean="0"/>
-              <a:t>30/11/2019</a:t>
+              <a:t>03/12/2019</a:t>
             </a:fld>
             <a:endParaRPr lang="pt-BR"/>
           </a:p>
@@ -7457,7 +7872,7 @@
           <a:p>
             <a:fld id="{B588E480-0D7B-442D-8151-3297F7F093BE}" type="datetimeFigureOut">
               <a:rPr lang="pt-BR" smtClean="0"/>
-              <a:t>30/11/2019</a:t>
+              <a:t>03/12/2019</a:t>
             </a:fld>
             <a:endParaRPr lang="pt-BR"/>
           </a:p>
@@ -7742,7 +8157,7 @@
           <a:p>
             <a:fld id="{B588E480-0D7B-442D-8151-3297F7F093BE}" type="datetimeFigureOut">
               <a:rPr lang="pt-BR" smtClean="0"/>
-              <a:t>01/12/2019</a:t>
+              <a:t>03/12/2019</a:t>
             </a:fld>
             <a:endParaRPr lang="pt-BR"/>
           </a:p>
@@ -9840,6 +10255,980 @@
           <p:cNvPr id="2" name="Espaço Reservado para Conteúdo 1">
             <a:extLst>
               <a:ext uri="{FF2B5EF4-FFF2-40B4-BE49-F238E27FC236}">
+                <a16:creationId xmlns:a16="http://schemas.microsoft.com/office/drawing/2014/main" id="{D7848530-8231-4211-9062-DDAC808DD876}"/>
+              </a:ext>
+            </a:extLst>
+          </p:cNvPr>
+          <p:cNvSpPr>
+            <a:spLocks noGrp="1"/>
+          </p:cNvSpPr>
+          <p:nvPr>
+            <p:ph idx="1"/>
+          </p:nvPr>
+        </p:nvSpPr>
+        <p:spPr/>
+        <p:txBody>
+          <a:bodyPr/>
+          <a:lstStyle/>
+          <a:p>
+            <a:r>
+              <a:rPr lang="pt-BR" dirty="0"/>
+              <a:t>Usando o cromossomo com comprimento </a:t>
+            </a:r>
+            <a:r>
+              <a:rPr lang="pt-BR" i="1" dirty="0"/>
+              <a:t>l</a:t>
+            </a:r>
+            <a:r>
+              <a:rPr lang="pt-BR" dirty="0"/>
+              <a:t> e composto apenas por valores binários </a:t>
+            </a:r>
+          </a:p>
+          <a:p>
+            <a:r>
+              <a:rPr lang="pt-BR" dirty="0"/>
+              <a:t>Define-se esquema </a:t>
+            </a:r>
+            <a:r>
+              <a:rPr lang="pt-BR" i="1" dirty="0"/>
+              <a:t>H</a:t>
+            </a:r>
+            <a:r>
+              <a:rPr lang="pt-BR" dirty="0"/>
+              <a:t> como uma máscara ou </a:t>
+            </a:r>
+            <a:r>
+              <a:rPr lang="pt-BR" i="1" dirty="0" err="1"/>
+              <a:t>template</a:t>
+            </a:r>
+            <a:r>
+              <a:rPr lang="pt-BR" i="1" dirty="0"/>
+              <a:t> </a:t>
+            </a:r>
+            <a:r>
+              <a:rPr lang="pt-BR" dirty="0"/>
+              <a:t>com comprimento </a:t>
+            </a:r>
+            <a:r>
+              <a:rPr lang="pt-BR" i="1" dirty="0"/>
+              <a:t>l</a:t>
+            </a:r>
+            <a:r>
+              <a:rPr lang="pt-BR" dirty="0"/>
+              <a:t> e valores possíveis no conjunto </a:t>
+            </a:r>
+          </a:p>
+          <a:p>
+            <a:r>
+              <a:rPr lang="pt-BR" dirty="0"/>
+              <a:t>Exemplo com </a:t>
+            </a:r>
+            <a:r>
+              <a:rPr lang="pt-BR" i="1" dirty="0"/>
+              <a:t>l</a:t>
+            </a:r>
+            <a:r>
+              <a:rPr lang="pt-BR" dirty="0"/>
+              <a:t> = 8: </a:t>
+            </a:r>
+          </a:p>
+          <a:p>
+            <a:endParaRPr lang="pt-BR" dirty="0"/>
+          </a:p>
+          <a:p>
+            <a:r>
+              <a:rPr lang="pt-BR" dirty="0"/>
+              <a:t>Instâncias são cromossomos que se encaixam no esquema e formam o conjunto definido por </a:t>
+            </a:r>
+            <a:r>
+              <a:rPr lang="pt-BR" i="1" dirty="0"/>
+              <a:t>M(H)</a:t>
+            </a:r>
+          </a:p>
+          <a:p>
+            <a:r>
+              <a:rPr lang="pt-BR" dirty="0"/>
+              <a:t>Exemplos de instâncias para </a:t>
+            </a:r>
+            <a:r>
+              <a:rPr lang="pt-BR" i="1" dirty="0"/>
+              <a:t>H</a:t>
+            </a:r>
+            <a:r>
+              <a:rPr lang="pt-BR" dirty="0"/>
+              <a:t> acima: </a:t>
+            </a:r>
+          </a:p>
+        </p:txBody>
+      </p:sp>
+      <p:sp>
+        <p:nvSpPr>
+          <p:cNvPr id="3" name="Título 2">
+            <a:extLst>
+              <a:ext uri="{FF2B5EF4-FFF2-40B4-BE49-F238E27FC236}">
+                <a16:creationId xmlns:a16="http://schemas.microsoft.com/office/drawing/2014/main" id="{98DFF0D4-D6C0-4575-B1E4-1546F635ED93}"/>
+              </a:ext>
+            </a:extLst>
+          </p:cNvPr>
+          <p:cNvSpPr>
+            <a:spLocks noGrp="1"/>
+          </p:cNvSpPr>
+          <p:nvPr>
+            <p:ph type="title"/>
+          </p:nvPr>
+        </p:nvSpPr>
+        <p:spPr/>
+        <p:txBody>
+          <a:bodyPr/>
+          <a:lstStyle/>
+          <a:p>
+            <a:r>
+              <a:rPr lang="pt-BR" dirty="0"/>
+              <a:t>Esquemas</a:t>
+            </a:r>
+          </a:p>
+        </p:txBody>
+      </p:sp>
+      <p:sp>
+        <p:nvSpPr>
+          <p:cNvPr id="4" name="CaixaDeTexto 10">
+            <a:extLst>
+              <a:ext uri="{FF2B5EF4-FFF2-40B4-BE49-F238E27FC236}">
+                <a16:creationId xmlns:a16="http://schemas.microsoft.com/office/drawing/2014/main" id="{0BCD09C6-5038-466D-8C18-B534F4ADB8D1}"/>
+              </a:ext>
+            </a:extLst>
+          </p:cNvPr>
+          <p:cNvSpPr txBox="1"/>
+          <p:nvPr/>
+        </p:nvSpPr>
+        <p:spPr>
+          <a:xfrm>
+            <a:off x="692728" y="12620"/>
+            <a:ext cx="2137721" cy="511818"/>
+          </a:xfrm>
+          <a:prstGeom prst="rect">
+            <a:avLst/>
+          </a:prstGeom>
+          <a:noFill/>
+        </p:spPr>
+        <p:txBody>
+          <a:bodyPr wrap="none" lIns="80147" tIns="40074" rIns="80147" bIns="40074">
+            <a:spAutoFit/>
+          </a:bodyPr>
+          <a:lstStyle/>
+          <a:p>
+            <a:pPr algn="l" defTabSz="914239" fontAlgn="auto">
+              <a:spcBef>
+                <a:spcPts val="0"/>
+              </a:spcBef>
+              <a:spcAft>
+                <a:spcPts val="0"/>
+              </a:spcAft>
+              <a:defRPr/>
+            </a:pPr>
+            <a:r>
+              <a:rPr lang="pt-BR" sz="1400" b="1" cap="small" dirty="0">
+                <a:solidFill>
+                  <a:srgbClr val="002060"/>
+                </a:solidFill>
+              </a:rPr>
+              <a:t>2</a:t>
+            </a:r>
+            <a:r>
+              <a:rPr lang="pt-BR" sz="1400" b="1" cap="small" dirty="0">
+                <a:solidFill>
+                  <a:srgbClr val="002060"/>
+                </a:solidFill>
+                <a:latin typeface="+mn-lt"/>
+              </a:rPr>
+              <a:t>. </a:t>
+            </a:r>
+            <a:r>
+              <a:rPr lang="pt-BR" sz="1400" b="1" cap="small" dirty="0">
+                <a:solidFill>
+                  <a:srgbClr val="002060"/>
+                </a:solidFill>
+              </a:rPr>
+              <a:t>Algoritmo Genético - GA</a:t>
+            </a:r>
+            <a:endParaRPr lang="pt-BR" sz="1400" b="1" cap="small" dirty="0">
+              <a:solidFill>
+                <a:srgbClr val="002060"/>
+              </a:solidFill>
+              <a:latin typeface="+mn-lt"/>
+            </a:endParaRPr>
+          </a:p>
+          <a:p>
+            <a:pPr defTabSz="914239">
+              <a:defRPr/>
+            </a:pPr>
+            <a:r>
+              <a:rPr lang="pt-BR" sz="1400" b="1" cap="small" dirty="0">
+                <a:solidFill>
+                  <a:srgbClr val="002060"/>
+                </a:solidFill>
+              </a:rPr>
+              <a:t>2a1. Definição de Esquemas</a:t>
+            </a:r>
+          </a:p>
+        </p:txBody>
+      </p:sp>
+      <p:pic>
+        <p:nvPicPr>
+          <p:cNvPr id="5" name="Imagem 4">
+            <a:extLst>
+              <a:ext uri="{FF2B5EF4-FFF2-40B4-BE49-F238E27FC236}">
+                <a16:creationId xmlns:a16="http://schemas.microsoft.com/office/drawing/2014/main" id="{E8A81452-ED85-4AD8-A640-E91A8C71DCC9}"/>
+              </a:ext>
+            </a:extLst>
+          </p:cNvPr>
+          <p:cNvPicPr>
+            <a:picLocks noChangeAspect="1"/>
+          </p:cNvPicPr>
+          <p:nvPr/>
+        </p:nvPicPr>
+        <p:blipFill>
+          <a:blip r:embed="rId2"/>
+          <a:stretch>
+            <a:fillRect/>
+          </a:stretch>
+        </p:blipFill>
+        <p:spPr>
+          <a:xfrm>
+            <a:off x="2975627" y="2897774"/>
+            <a:ext cx="3192743" cy="680623"/>
+          </a:xfrm>
+          <a:prstGeom prst="rect">
+            <a:avLst/>
+          </a:prstGeom>
+        </p:spPr>
+      </p:pic>
+      <p:pic>
+        <p:nvPicPr>
+          <p:cNvPr id="6" name="Imagem 5">
+            <a:extLst>
+              <a:ext uri="{FF2B5EF4-FFF2-40B4-BE49-F238E27FC236}">
+                <a16:creationId xmlns:a16="http://schemas.microsoft.com/office/drawing/2014/main" id="{BE0A97EF-465A-4770-A507-A0504D4F34F9}"/>
+              </a:ext>
+            </a:extLst>
+          </p:cNvPr>
+          <p:cNvPicPr>
+            <a:picLocks noChangeAspect="1"/>
+          </p:cNvPicPr>
+          <p:nvPr/>
+        </p:nvPicPr>
+        <p:blipFill>
+          <a:blip r:embed="rId3"/>
+          <a:stretch>
+            <a:fillRect/>
+          </a:stretch>
+        </p:blipFill>
+        <p:spPr>
+          <a:xfrm>
+            <a:off x="1715406" y="4866736"/>
+            <a:ext cx="6002672" cy="578708"/>
+          </a:xfrm>
+          <a:prstGeom prst="rect">
+            <a:avLst/>
+          </a:prstGeom>
+        </p:spPr>
+      </p:pic>
+      <p:pic>
+        <p:nvPicPr>
+          <p:cNvPr id="7" name="Imagem 6">
+            <a:extLst>
+              <a:ext uri="{FF2B5EF4-FFF2-40B4-BE49-F238E27FC236}">
+                <a16:creationId xmlns:a16="http://schemas.microsoft.com/office/drawing/2014/main" id="{1D081071-CB74-4985-A10A-63F84EE12166}"/>
+              </a:ext>
+            </a:extLst>
+          </p:cNvPr>
+          <p:cNvPicPr>
+            <a:picLocks noChangeAspect="1"/>
+          </p:cNvPicPr>
+          <p:nvPr/>
+        </p:nvPicPr>
+        <p:blipFill>
+          <a:blip r:embed="rId4"/>
+          <a:stretch>
+            <a:fillRect/>
+          </a:stretch>
+        </p:blipFill>
+        <p:spPr>
+          <a:xfrm>
+            <a:off x="2619264" y="1612037"/>
+            <a:ext cx="1226926" cy="411516"/>
+          </a:xfrm>
+          <a:prstGeom prst="rect">
+            <a:avLst/>
+          </a:prstGeom>
+        </p:spPr>
+      </p:pic>
+      <p:pic>
+        <p:nvPicPr>
+          <p:cNvPr id="8" name="Imagem 7">
+            <a:extLst>
+              <a:ext uri="{FF2B5EF4-FFF2-40B4-BE49-F238E27FC236}">
+                <a16:creationId xmlns:a16="http://schemas.microsoft.com/office/drawing/2014/main" id="{18F3B17B-7CC1-441C-87BB-97255ED4B0E4}"/>
+              </a:ext>
+            </a:extLst>
+          </p:cNvPr>
+          <p:cNvPicPr>
+            <a:picLocks noChangeAspect="1"/>
+          </p:cNvPicPr>
+          <p:nvPr/>
+        </p:nvPicPr>
+        <p:blipFill>
+          <a:blip r:embed="rId5"/>
+          <a:stretch>
+            <a:fillRect/>
+          </a:stretch>
+        </p:blipFill>
+        <p:spPr>
+          <a:xfrm>
+            <a:off x="5788010" y="2363618"/>
+            <a:ext cx="1668925" cy="419136"/>
+          </a:xfrm>
+          <a:prstGeom prst="rect">
+            <a:avLst/>
+          </a:prstGeom>
+        </p:spPr>
+      </p:pic>
+    </p:spTree>
+    <p:extLst>
+      <p:ext uri="{BB962C8B-B14F-4D97-AF65-F5344CB8AC3E}">
+        <p14:creationId xmlns:p14="http://schemas.microsoft.com/office/powerpoint/2010/main" val="2525902382"/>
+      </p:ext>
+    </p:extLst>
+  </p:cSld>
+  <p:clrMapOvr>
+    <a:masterClrMapping/>
+  </p:clrMapOvr>
+</p:sld>
+</file>
+
+<file path=ppt/slides/slide13.xml><?xml version="1.0" encoding="utf-8"?>
+<p:sld xmlns:a="http://schemas.openxmlformats.org/drawingml/2006/main" xmlns:r="http://schemas.openxmlformats.org/officeDocument/2006/relationships" xmlns:p="http://schemas.openxmlformats.org/presentationml/2006/main">
+  <p:cSld>
+    <p:spTree>
+      <p:nvGrpSpPr>
+        <p:cNvPr id="1" name=""/>
+        <p:cNvGrpSpPr/>
+        <p:nvPr/>
+      </p:nvGrpSpPr>
+      <p:grpSpPr>
+        <a:xfrm>
+          <a:off x="0" y="0"/>
+          <a:ext cx="0" cy="0"/>
+          <a:chOff x="0" y="0"/>
+          <a:chExt cx="0" cy="0"/>
+        </a:xfrm>
+      </p:grpSpPr>
+      <p:sp>
+        <p:nvSpPr>
+          <p:cNvPr id="2" name="Espaço Reservado para Conteúdo 1">
+            <a:extLst>
+              <a:ext uri="{FF2B5EF4-FFF2-40B4-BE49-F238E27FC236}">
+                <a16:creationId xmlns:a16="http://schemas.microsoft.com/office/drawing/2014/main" id="{B1656208-444E-430F-A604-728C9D0CE3AD}"/>
+              </a:ext>
+            </a:extLst>
+          </p:cNvPr>
+          <p:cNvSpPr>
+            <a:spLocks noGrp="1"/>
+          </p:cNvSpPr>
+          <p:nvPr>
+            <p:ph idx="1"/>
+          </p:nvPr>
+        </p:nvSpPr>
+        <p:spPr/>
+        <p:txBody>
+          <a:bodyPr/>
+          <a:lstStyle/>
+          <a:p>
+            <a:r>
+              <a:rPr lang="pt-BR" b="1" dirty="0">
+                <a:solidFill>
+                  <a:srgbClr val="7030A0"/>
+                </a:solidFill>
+              </a:rPr>
+              <a:t>Ordem -           </a:t>
+            </a:r>
+            <a:r>
+              <a:rPr lang="pt-BR" dirty="0"/>
+              <a:t>: definido pelo quantidade de posições com valores definidos</a:t>
+            </a:r>
+          </a:p>
+          <a:p>
+            <a:endParaRPr lang="pt-BR" dirty="0"/>
+          </a:p>
+          <a:p>
+            <a:endParaRPr lang="pt-BR" dirty="0"/>
+          </a:p>
+          <a:p>
+            <a:endParaRPr lang="pt-BR" dirty="0"/>
+          </a:p>
+          <a:p>
+            <a:r>
+              <a:rPr lang="pt-BR" dirty="0"/>
+              <a:t>Tamanho -            : definido pelo valor da ultima posição com valor definido menos a primeira com valor definido</a:t>
+            </a:r>
+          </a:p>
+          <a:p>
+            <a:endParaRPr lang="pt-BR" dirty="0"/>
+          </a:p>
+          <a:p>
+            <a:endParaRPr lang="pt-BR" dirty="0"/>
+          </a:p>
+        </p:txBody>
+      </p:sp>
+      <p:sp>
+        <p:nvSpPr>
+          <p:cNvPr id="3" name="Título 2">
+            <a:extLst>
+              <a:ext uri="{FF2B5EF4-FFF2-40B4-BE49-F238E27FC236}">
+                <a16:creationId xmlns:a16="http://schemas.microsoft.com/office/drawing/2014/main" id="{DADAC03E-EA6B-45FB-8127-254F7D8BC9A7}"/>
+              </a:ext>
+            </a:extLst>
+          </p:cNvPr>
+          <p:cNvSpPr>
+            <a:spLocks noGrp="1"/>
+          </p:cNvSpPr>
+          <p:nvPr>
+            <p:ph type="title"/>
+          </p:nvPr>
+        </p:nvSpPr>
+        <p:spPr/>
+        <p:txBody>
+          <a:bodyPr/>
+          <a:lstStyle/>
+          <a:p>
+            <a:r>
+              <a:rPr lang="pt-BR" dirty="0"/>
+              <a:t>Esquemas</a:t>
+            </a:r>
+          </a:p>
+        </p:txBody>
+      </p:sp>
+      <p:sp>
+        <p:nvSpPr>
+          <p:cNvPr id="4" name="CaixaDeTexto 10">
+            <a:extLst>
+              <a:ext uri="{FF2B5EF4-FFF2-40B4-BE49-F238E27FC236}">
+                <a16:creationId xmlns:a16="http://schemas.microsoft.com/office/drawing/2014/main" id="{5ECCCCB2-F973-4882-9098-AB4CBE440962}"/>
+              </a:ext>
+            </a:extLst>
+          </p:cNvPr>
+          <p:cNvSpPr txBox="1"/>
+          <p:nvPr/>
+        </p:nvSpPr>
+        <p:spPr>
+          <a:xfrm>
+            <a:off x="692728" y="12620"/>
+            <a:ext cx="2137721" cy="511818"/>
+          </a:xfrm>
+          <a:prstGeom prst="rect">
+            <a:avLst/>
+          </a:prstGeom>
+          <a:noFill/>
+        </p:spPr>
+        <p:txBody>
+          <a:bodyPr wrap="none" lIns="80147" tIns="40074" rIns="80147" bIns="40074">
+            <a:spAutoFit/>
+          </a:bodyPr>
+          <a:lstStyle/>
+          <a:p>
+            <a:pPr algn="l" defTabSz="914239" fontAlgn="auto">
+              <a:spcBef>
+                <a:spcPts val="0"/>
+              </a:spcBef>
+              <a:spcAft>
+                <a:spcPts val="0"/>
+              </a:spcAft>
+              <a:defRPr/>
+            </a:pPr>
+            <a:r>
+              <a:rPr lang="pt-BR" sz="1400" b="1" cap="small" dirty="0">
+                <a:solidFill>
+                  <a:srgbClr val="002060"/>
+                </a:solidFill>
+              </a:rPr>
+              <a:t>2</a:t>
+            </a:r>
+            <a:r>
+              <a:rPr lang="pt-BR" sz="1400" b="1" cap="small" dirty="0">
+                <a:solidFill>
+                  <a:srgbClr val="002060"/>
+                </a:solidFill>
+                <a:latin typeface="+mn-lt"/>
+              </a:rPr>
+              <a:t>. </a:t>
+            </a:r>
+            <a:r>
+              <a:rPr lang="pt-BR" sz="1400" b="1" cap="small" dirty="0">
+                <a:solidFill>
+                  <a:srgbClr val="002060"/>
+                </a:solidFill>
+              </a:rPr>
+              <a:t>Algoritmo Genético - GA</a:t>
+            </a:r>
+            <a:endParaRPr lang="pt-BR" sz="1400" b="1" cap="small" dirty="0">
+              <a:solidFill>
+                <a:srgbClr val="002060"/>
+              </a:solidFill>
+              <a:latin typeface="+mn-lt"/>
+            </a:endParaRPr>
+          </a:p>
+          <a:p>
+            <a:pPr defTabSz="914239">
+              <a:defRPr/>
+            </a:pPr>
+            <a:r>
+              <a:rPr lang="pt-BR" sz="1400" b="1" cap="small" dirty="0">
+                <a:solidFill>
+                  <a:srgbClr val="002060"/>
+                </a:solidFill>
+              </a:rPr>
+              <a:t>2a1. Definição de Esquemas</a:t>
+            </a:r>
+          </a:p>
+        </p:txBody>
+      </p:sp>
+      <p:pic>
+        <p:nvPicPr>
+          <p:cNvPr id="5" name="Imagem 4">
+            <a:extLst>
+              <a:ext uri="{FF2B5EF4-FFF2-40B4-BE49-F238E27FC236}">
+                <a16:creationId xmlns:a16="http://schemas.microsoft.com/office/drawing/2014/main" id="{6F01E6BF-4C07-4447-9E45-F618AB5E6095}"/>
+              </a:ext>
+            </a:extLst>
+          </p:cNvPr>
+          <p:cNvPicPr>
+            <a:picLocks noChangeAspect="1"/>
+          </p:cNvPicPr>
+          <p:nvPr/>
+        </p:nvPicPr>
+        <p:blipFill>
+          <a:blip r:embed="rId2"/>
+          <a:stretch>
+            <a:fillRect/>
+          </a:stretch>
+        </p:blipFill>
+        <p:spPr>
+          <a:xfrm>
+            <a:off x="2493345" y="2023553"/>
+            <a:ext cx="4157310" cy="652683"/>
+          </a:xfrm>
+          <a:prstGeom prst="rect">
+            <a:avLst/>
+          </a:prstGeom>
+        </p:spPr>
+      </p:pic>
+      <p:pic>
+        <p:nvPicPr>
+          <p:cNvPr id="6" name="Imagem 5">
+            <a:extLst>
+              <a:ext uri="{FF2B5EF4-FFF2-40B4-BE49-F238E27FC236}">
+                <a16:creationId xmlns:a16="http://schemas.microsoft.com/office/drawing/2014/main" id="{0B813432-47F9-46BF-B9A5-97799B67C1CD}"/>
+              </a:ext>
+            </a:extLst>
+          </p:cNvPr>
+          <p:cNvPicPr>
+            <a:picLocks noChangeAspect="1"/>
+          </p:cNvPicPr>
+          <p:nvPr/>
+        </p:nvPicPr>
+        <p:blipFill>
+          <a:blip r:embed="rId3"/>
+          <a:stretch>
+            <a:fillRect/>
+          </a:stretch>
+        </p:blipFill>
+        <p:spPr>
+          <a:xfrm>
+            <a:off x="1761588" y="1239455"/>
+            <a:ext cx="594412" cy="411516"/>
+          </a:xfrm>
+          <a:prstGeom prst="rect">
+            <a:avLst/>
+          </a:prstGeom>
+        </p:spPr>
+      </p:pic>
+      <p:pic>
+        <p:nvPicPr>
+          <p:cNvPr id="7" name="Imagem 6">
+            <a:extLst>
+              <a:ext uri="{FF2B5EF4-FFF2-40B4-BE49-F238E27FC236}">
+                <a16:creationId xmlns:a16="http://schemas.microsoft.com/office/drawing/2014/main" id="{13F115FB-D88A-4D24-8B59-FC4686CA93FE}"/>
+              </a:ext>
+            </a:extLst>
+          </p:cNvPr>
+          <p:cNvPicPr>
+            <a:picLocks noChangeAspect="1"/>
+          </p:cNvPicPr>
+          <p:nvPr/>
+        </p:nvPicPr>
+        <p:blipFill>
+          <a:blip r:embed="rId4"/>
+          <a:stretch>
+            <a:fillRect/>
+          </a:stretch>
+        </p:blipFill>
+        <p:spPr>
+          <a:xfrm>
+            <a:off x="2049085" y="3387881"/>
+            <a:ext cx="579170" cy="396274"/>
+          </a:xfrm>
+          <a:prstGeom prst="rect">
+            <a:avLst/>
+          </a:prstGeom>
+        </p:spPr>
+      </p:pic>
+      <p:pic>
+        <p:nvPicPr>
+          <p:cNvPr id="8" name="Imagem 7">
+            <a:extLst>
+              <a:ext uri="{FF2B5EF4-FFF2-40B4-BE49-F238E27FC236}">
+                <a16:creationId xmlns:a16="http://schemas.microsoft.com/office/drawing/2014/main" id="{F442AF54-03F9-4177-8682-93E34865D987}"/>
+              </a:ext>
+            </a:extLst>
+          </p:cNvPr>
+          <p:cNvPicPr>
+            <a:picLocks noChangeAspect="1"/>
+          </p:cNvPicPr>
+          <p:nvPr/>
+        </p:nvPicPr>
+        <p:blipFill rotWithShape="1">
+          <a:blip r:embed="rId5"/>
+          <a:srcRect r="1773"/>
+          <a:stretch/>
+        </p:blipFill>
+        <p:spPr>
+          <a:xfrm>
+            <a:off x="2493346" y="4523984"/>
+            <a:ext cx="4157309" cy="746041"/>
+          </a:xfrm>
+          <a:prstGeom prst="rect">
+            <a:avLst/>
+          </a:prstGeom>
+        </p:spPr>
+      </p:pic>
+    </p:spTree>
+    <p:extLst>
+      <p:ext uri="{BB962C8B-B14F-4D97-AF65-F5344CB8AC3E}">
+        <p14:creationId xmlns:p14="http://schemas.microsoft.com/office/powerpoint/2010/main" val="580199768"/>
+      </p:ext>
+    </p:extLst>
+  </p:cSld>
+  <p:clrMapOvr>
+    <a:masterClrMapping/>
+  </p:clrMapOvr>
+</p:sld>
+</file>
+
+<file path=ppt/slides/slide14.xml><?xml version="1.0" encoding="utf-8"?>
+<p:sld xmlns:a="http://schemas.openxmlformats.org/drawingml/2006/main" xmlns:r="http://schemas.openxmlformats.org/officeDocument/2006/relationships" xmlns:p="http://schemas.openxmlformats.org/presentationml/2006/main">
+  <p:cSld>
+    <p:spTree>
+      <p:nvGrpSpPr>
+        <p:cNvPr id="1" name=""/>
+        <p:cNvGrpSpPr/>
+        <p:nvPr/>
+      </p:nvGrpSpPr>
+      <p:grpSpPr>
+        <a:xfrm>
+          <a:off x="0" y="0"/>
+          <a:ext cx="0" cy="0"/>
+          <a:chOff x="0" y="0"/>
+          <a:chExt cx="0" cy="0"/>
+        </a:xfrm>
+      </p:grpSpPr>
+      <p:sp>
+        <p:nvSpPr>
+          <p:cNvPr id="2" name="Espaço Reservado para Conteúdo 1">
+            <a:extLst>
+              <a:ext uri="{FF2B5EF4-FFF2-40B4-BE49-F238E27FC236}">
+                <a16:creationId xmlns:a16="http://schemas.microsoft.com/office/drawing/2014/main" id="{F54F2896-A2A3-4A81-8453-215919341564}"/>
+              </a:ext>
+            </a:extLst>
+          </p:cNvPr>
+          <p:cNvSpPr>
+            <a:spLocks noGrp="1"/>
+          </p:cNvSpPr>
+          <p:nvPr>
+            <p:ph idx="1"/>
+          </p:nvPr>
+        </p:nvSpPr>
+        <p:spPr/>
+        <p:txBody>
+          <a:bodyPr/>
+          <a:lstStyle/>
+          <a:p>
+            <a:r>
+              <a:rPr lang="pt-BR" dirty="0"/>
+              <a:t>Representação em hiperplanos feita por Goldberg para </a:t>
+            </a:r>
+            <a:r>
+              <a:rPr lang="pt-BR" i="1" dirty="0"/>
+              <a:t>l</a:t>
+            </a:r>
+            <a:r>
+              <a:rPr lang="pt-BR" dirty="0"/>
+              <a:t> = 3</a:t>
+            </a:r>
+          </a:p>
+        </p:txBody>
+      </p:sp>
+      <p:sp>
+        <p:nvSpPr>
+          <p:cNvPr id="3" name="Título 2">
+            <a:extLst>
+              <a:ext uri="{FF2B5EF4-FFF2-40B4-BE49-F238E27FC236}">
+                <a16:creationId xmlns:a16="http://schemas.microsoft.com/office/drawing/2014/main" id="{270C8F9D-7C61-488F-ACF9-8926CD57A171}"/>
+              </a:ext>
+            </a:extLst>
+          </p:cNvPr>
+          <p:cNvSpPr>
+            <a:spLocks noGrp="1"/>
+          </p:cNvSpPr>
+          <p:nvPr>
+            <p:ph type="title"/>
+          </p:nvPr>
+        </p:nvSpPr>
+        <p:spPr/>
+        <p:txBody>
+          <a:bodyPr/>
+          <a:lstStyle/>
+          <a:p>
+            <a:r>
+              <a:rPr lang="pt-BR" dirty="0"/>
+              <a:t>Esquemas</a:t>
+            </a:r>
+          </a:p>
+        </p:txBody>
+      </p:sp>
+      <p:sp>
+        <p:nvSpPr>
+          <p:cNvPr id="4" name="CaixaDeTexto 10">
+            <a:extLst>
+              <a:ext uri="{FF2B5EF4-FFF2-40B4-BE49-F238E27FC236}">
+                <a16:creationId xmlns:a16="http://schemas.microsoft.com/office/drawing/2014/main" id="{40241A21-E78A-49E2-96FD-9A9E235088A1}"/>
+              </a:ext>
+            </a:extLst>
+          </p:cNvPr>
+          <p:cNvSpPr txBox="1"/>
+          <p:nvPr/>
+        </p:nvSpPr>
+        <p:spPr>
+          <a:xfrm>
+            <a:off x="692728" y="12620"/>
+            <a:ext cx="2137721" cy="511818"/>
+          </a:xfrm>
+          <a:prstGeom prst="rect">
+            <a:avLst/>
+          </a:prstGeom>
+          <a:noFill/>
+        </p:spPr>
+        <p:txBody>
+          <a:bodyPr wrap="none" lIns="80147" tIns="40074" rIns="80147" bIns="40074">
+            <a:spAutoFit/>
+          </a:bodyPr>
+          <a:lstStyle/>
+          <a:p>
+            <a:pPr algn="l" defTabSz="914239" fontAlgn="auto">
+              <a:spcBef>
+                <a:spcPts val="0"/>
+              </a:spcBef>
+              <a:spcAft>
+                <a:spcPts val="0"/>
+              </a:spcAft>
+              <a:defRPr/>
+            </a:pPr>
+            <a:r>
+              <a:rPr lang="pt-BR" sz="1400" b="1" cap="small" dirty="0">
+                <a:solidFill>
+                  <a:srgbClr val="002060"/>
+                </a:solidFill>
+              </a:rPr>
+              <a:t>2</a:t>
+            </a:r>
+            <a:r>
+              <a:rPr lang="pt-BR" sz="1400" b="1" cap="small" dirty="0">
+                <a:solidFill>
+                  <a:srgbClr val="002060"/>
+                </a:solidFill>
+                <a:latin typeface="+mn-lt"/>
+              </a:rPr>
+              <a:t>. </a:t>
+            </a:r>
+            <a:r>
+              <a:rPr lang="pt-BR" sz="1400" b="1" cap="small" dirty="0">
+                <a:solidFill>
+                  <a:srgbClr val="002060"/>
+                </a:solidFill>
+              </a:rPr>
+              <a:t>Algoritmo Genético - GA</a:t>
+            </a:r>
+            <a:endParaRPr lang="pt-BR" sz="1400" b="1" cap="small" dirty="0">
+              <a:solidFill>
+                <a:srgbClr val="002060"/>
+              </a:solidFill>
+              <a:latin typeface="+mn-lt"/>
+            </a:endParaRPr>
+          </a:p>
+          <a:p>
+            <a:pPr defTabSz="914239">
+              <a:defRPr/>
+            </a:pPr>
+            <a:r>
+              <a:rPr lang="pt-BR" sz="1400" b="1" cap="small" dirty="0">
+                <a:solidFill>
+                  <a:srgbClr val="002060"/>
+                </a:solidFill>
+              </a:rPr>
+              <a:t>2a1. Definição de Esquemas</a:t>
+            </a:r>
+          </a:p>
+        </p:txBody>
+      </p:sp>
+      <p:pic>
+        <p:nvPicPr>
+          <p:cNvPr id="5" name="Imagem 4">
+            <a:extLst>
+              <a:ext uri="{FF2B5EF4-FFF2-40B4-BE49-F238E27FC236}">
+                <a16:creationId xmlns:a16="http://schemas.microsoft.com/office/drawing/2014/main" id="{61930815-4972-440E-BE61-430E2866B7BC}"/>
+              </a:ext>
+            </a:extLst>
+          </p:cNvPr>
+          <p:cNvPicPr>
+            <a:picLocks noChangeAspect="1"/>
+          </p:cNvPicPr>
+          <p:nvPr/>
+        </p:nvPicPr>
+        <p:blipFill>
+          <a:blip r:embed="rId2"/>
+          <a:stretch>
+            <a:fillRect/>
+          </a:stretch>
+        </p:blipFill>
+        <p:spPr>
+          <a:xfrm>
+            <a:off x="1884221" y="1720949"/>
+            <a:ext cx="5375557" cy="4340007"/>
+          </a:xfrm>
+          <a:prstGeom prst="rect">
+            <a:avLst/>
+          </a:prstGeom>
+        </p:spPr>
+      </p:pic>
+      <p:sp>
+        <p:nvSpPr>
+          <p:cNvPr id="6" name="Retângulo 5">
+            <a:extLst>
+              <a:ext uri="{FF2B5EF4-FFF2-40B4-BE49-F238E27FC236}">
+                <a16:creationId xmlns:a16="http://schemas.microsoft.com/office/drawing/2014/main" id="{B7FEEC66-CA39-42DF-A2A4-39E82AD1E9FA}"/>
+              </a:ext>
+            </a:extLst>
+          </p:cNvPr>
+          <p:cNvSpPr/>
+          <p:nvPr/>
+        </p:nvSpPr>
+        <p:spPr>
+          <a:xfrm>
+            <a:off x="5515839" y="5922456"/>
+            <a:ext cx="2501325" cy="276999"/>
+          </a:xfrm>
+          <a:prstGeom prst="rect">
+            <a:avLst/>
+          </a:prstGeom>
+        </p:spPr>
+        <p:txBody>
+          <a:bodyPr wrap="square">
+            <a:spAutoFit/>
+          </a:bodyPr>
+          <a:lstStyle/>
+          <a:p>
+            <a:r>
+              <a:rPr lang="pt-BR" sz="1200" dirty="0">
+                <a:solidFill>
+                  <a:srgbClr val="000000"/>
+                </a:solidFill>
+                <a:latin typeface="LMRoman10-Regular"/>
+              </a:rPr>
+              <a:t>(</a:t>
+            </a:r>
+            <a:r>
+              <a:rPr lang="pt-BR" sz="1200" dirty="0">
+                <a:solidFill>
+                  <a:srgbClr val="2905C4"/>
+                </a:solidFill>
+                <a:latin typeface="LMRoman10-Regular"/>
+              </a:rPr>
+              <a:t>GOLDBERG</a:t>
+            </a:r>
+            <a:r>
+              <a:rPr lang="pt-BR" sz="1200" dirty="0">
+                <a:solidFill>
+                  <a:srgbClr val="000000"/>
+                </a:solidFill>
+                <a:latin typeface="LMRoman10-Regular"/>
+              </a:rPr>
+              <a:t>, </a:t>
+            </a:r>
+            <a:r>
+              <a:rPr lang="pt-BR" sz="1200" dirty="0">
+                <a:solidFill>
+                  <a:srgbClr val="2905C4"/>
+                </a:solidFill>
+                <a:latin typeface="LMRoman10-Regular"/>
+              </a:rPr>
+              <a:t>1989</a:t>
+            </a:r>
+            <a:r>
+              <a:rPr lang="pt-BR" sz="1200" dirty="0">
+                <a:solidFill>
+                  <a:srgbClr val="000000"/>
+                </a:solidFill>
+                <a:latin typeface="LMRoman10-Regular"/>
+              </a:rPr>
+              <a:t>)</a:t>
+            </a:r>
+          </a:p>
+        </p:txBody>
+      </p:sp>
+    </p:spTree>
+    <p:extLst>
+      <p:ext uri="{BB962C8B-B14F-4D97-AF65-F5344CB8AC3E}">
+        <p14:creationId xmlns:p14="http://schemas.microsoft.com/office/powerpoint/2010/main" val="1620664738"/>
+      </p:ext>
+    </p:extLst>
+  </p:cSld>
+  <p:clrMapOvr>
+    <a:masterClrMapping/>
+  </p:clrMapOvr>
+</p:sld>
+</file>
+
+<file path=ppt/slides/slide15.xml><?xml version="1.0" encoding="utf-8"?>
+<p:sld xmlns:a="http://schemas.openxmlformats.org/drawingml/2006/main" xmlns:r="http://schemas.openxmlformats.org/officeDocument/2006/relationships" xmlns:p="http://schemas.openxmlformats.org/presentationml/2006/main">
+  <p:cSld>
+    <p:spTree>
+      <p:nvGrpSpPr>
+        <p:cNvPr id="1" name=""/>
+        <p:cNvGrpSpPr/>
+        <p:nvPr/>
+      </p:nvGrpSpPr>
+      <p:grpSpPr>
+        <a:xfrm>
+          <a:off x="0" y="0"/>
+          <a:ext cx="0" cy="0"/>
+          <a:chOff x="0" y="0"/>
+          <a:chExt cx="0" cy="0"/>
+        </a:xfrm>
+      </p:grpSpPr>
+      <p:sp>
+        <p:nvSpPr>
+          <p:cNvPr id="2" name="Espaço Reservado para Conteúdo 1">
+            <a:extLst>
+              <a:ext uri="{FF2B5EF4-FFF2-40B4-BE49-F238E27FC236}">
                 <a16:creationId xmlns:a16="http://schemas.microsoft.com/office/drawing/2014/main" id="{14147BB6-22CF-4019-85FF-55150D60AC07}"/>
               </a:ext>
             </a:extLst>
@@ -10072,7 +11461,7 @@
 </p:sld>
 </file>
 
-<file path=ppt/slides/slide13.xml><?xml version="1.0" encoding="utf-8"?>
+<file path=ppt/slides/slide16.xml><?xml version="1.0" encoding="utf-8"?>
 <p:sld xmlns:a="http://schemas.openxmlformats.org/drawingml/2006/main" xmlns:r="http://schemas.openxmlformats.org/officeDocument/2006/relationships" xmlns:p="http://schemas.openxmlformats.org/presentationml/2006/main">
   <p:cSld>
     <p:spTree>
@@ -10301,7 +11690,7 @@
 </p:sld>
 </file>
 
-<file path=ppt/slides/slide14.xml><?xml version="1.0" encoding="utf-8"?>
+<file path=ppt/slides/slide17.xml><?xml version="1.0" encoding="utf-8"?>
 <p:sld xmlns:a="http://schemas.openxmlformats.org/drawingml/2006/main" xmlns:r="http://schemas.openxmlformats.org/officeDocument/2006/relationships" xmlns:p="http://schemas.openxmlformats.org/presentationml/2006/main">
   <p:cSld>
     <p:spTree>
@@ -10556,7 +11945,7 @@
 </p:sld>
 </file>
 
-<file path=ppt/slides/slide15.xml><?xml version="1.0" encoding="utf-8"?>
+<file path=ppt/slides/slide18.xml><?xml version="1.0" encoding="utf-8"?>
 <p:sld xmlns:a="http://schemas.openxmlformats.org/drawingml/2006/main" xmlns:r="http://schemas.openxmlformats.org/officeDocument/2006/relationships" xmlns:p="http://schemas.openxmlformats.org/presentationml/2006/main">
   <p:cSld>
     <p:spTree>
@@ -10873,7 +12262,7 @@
 </p:sld>
 </file>
 
-<file path=ppt/slides/slide16.xml><?xml version="1.0" encoding="utf-8"?>
+<file path=ppt/slides/slide19.xml><?xml version="1.0" encoding="utf-8"?>
 <p:sld xmlns:a="http://schemas.openxmlformats.org/drawingml/2006/main" xmlns:r="http://schemas.openxmlformats.org/officeDocument/2006/relationships" xmlns:p="http://schemas.openxmlformats.org/presentationml/2006/main">
   <p:cSld>
     <p:spTree>
@@ -11243,7 +12632,444 @@
 </p:sld>
 </file>
 
-<file path=ppt/slides/slide17.xml><?xml version="1.0" encoding="utf-8"?>
+<file path=ppt/slides/slide2.xml><?xml version="1.0" encoding="utf-8"?>
+<p:sld xmlns:a="http://schemas.openxmlformats.org/drawingml/2006/main" xmlns:r="http://schemas.openxmlformats.org/officeDocument/2006/relationships" xmlns:p="http://schemas.openxmlformats.org/presentationml/2006/main">
+  <p:cSld>
+    <p:spTree>
+      <p:nvGrpSpPr>
+        <p:cNvPr id="1" name=""/>
+        <p:cNvGrpSpPr/>
+        <p:nvPr/>
+      </p:nvGrpSpPr>
+      <p:grpSpPr>
+        <a:xfrm>
+          <a:off x="0" y="0"/>
+          <a:ext cx="0" cy="0"/>
+          <a:chOff x="0" y="0"/>
+          <a:chExt cx="0" cy="0"/>
+        </a:xfrm>
+      </p:grpSpPr>
+      <p:sp>
+        <p:nvSpPr>
+          <p:cNvPr id="7" name="Rectangle 6">
+            <a:extLst>
+              <a:ext uri="{FF2B5EF4-FFF2-40B4-BE49-F238E27FC236}">
+                <a16:creationId xmlns:a16="http://schemas.microsoft.com/office/drawing/2014/main" id="{F4485777-5E9F-461C-B18F-636C0C977DFD}"/>
+              </a:ext>
+            </a:extLst>
+          </p:cNvPr>
+          <p:cNvSpPr/>
+          <p:nvPr/>
+        </p:nvSpPr>
+        <p:spPr>
+          <a:xfrm>
+            <a:off x="246062" y="1406303"/>
+            <a:ext cx="8576057" cy="569887"/>
+          </a:xfrm>
+          <a:prstGeom prst="rect">
+            <a:avLst/>
+          </a:prstGeom>
+          <a:solidFill>
+            <a:schemeClr val="bg1">
+              <a:lumMod val="85000"/>
+            </a:schemeClr>
+          </a:solidFill>
+          <a:ln>
+            <a:noFill/>
+          </a:ln>
+        </p:spPr>
+        <p:style>
+          <a:lnRef idx="2">
+            <a:schemeClr val="accent1">
+              <a:shade val="50000"/>
+            </a:schemeClr>
+          </a:lnRef>
+          <a:fillRef idx="1">
+            <a:schemeClr val="accent1"/>
+          </a:fillRef>
+          <a:effectRef idx="0">
+            <a:schemeClr val="accent1"/>
+          </a:effectRef>
+          <a:fontRef idx="minor">
+            <a:schemeClr val="lt1"/>
+          </a:fontRef>
+        </p:style>
+        <p:txBody>
+          <a:bodyPr rtlCol="0" anchor="ctr"/>
+          <a:lstStyle/>
+          <a:p>
+            <a:pPr marL="0" marR="0" lvl="0" indent="0" algn="ctr" defTabSz="914400" rtl="0" eaLnBrk="1" fontAlgn="auto" latinLnBrk="0" hangingPunct="1">
+              <a:lnSpc>
+                <a:spcPct val="100000"/>
+              </a:lnSpc>
+              <a:spcBef>
+                <a:spcPts val="0"/>
+              </a:spcBef>
+              <a:spcAft>
+                <a:spcPts val="0"/>
+              </a:spcAft>
+              <a:buClrTx/>
+              <a:buSzTx/>
+              <a:buFontTx/>
+              <a:buNone/>
+              <a:tabLst/>
+              <a:defRPr/>
+            </a:pPr>
+            <a:endParaRPr kumimoji="0" lang="en-US" sz="1800" b="0" i="0" u="none" strike="noStrike" kern="1200" cap="none" spc="0" normalizeH="0" baseline="0" noProof="0">
+              <a:ln>
+                <a:noFill/>
+              </a:ln>
+              <a:solidFill>
+                <a:prstClr val="white"/>
+              </a:solidFill>
+              <a:effectLst/>
+              <a:uLnTx/>
+              <a:uFillTx/>
+              <a:latin typeface="Calibri"/>
+              <a:ea typeface="+mn-ea"/>
+              <a:cs typeface="+mn-cs"/>
+            </a:endParaRPr>
+          </a:p>
+        </p:txBody>
+      </p:sp>
+      <p:sp>
+        <p:nvSpPr>
+          <p:cNvPr id="5" name="Rectangle 3">
+            <a:extLst>
+              <a:ext uri="{FF2B5EF4-FFF2-40B4-BE49-F238E27FC236}">
+                <a16:creationId xmlns:a16="http://schemas.microsoft.com/office/drawing/2014/main" id="{E4C27882-E319-405B-A0FC-24C99A3B60B5}"/>
+              </a:ext>
+            </a:extLst>
+          </p:cNvPr>
+          <p:cNvSpPr txBox="1">
+            <a:spLocks noChangeArrowheads="1"/>
+          </p:cNvSpPr>
+          <p:nvPr/>
+        </p:nvSpPr>
+        <p:spPr>
+          <a:xfrm>
+            <a:off x="246062" y="1269706"/>
+            <a:ext cx="8651875" cy="4493785"/>
+          </a:xfrm>
+          <a:prstGeom prst="rect">
+            <a:avLst/>
+          </a:prstGeom>
+          <a:noFill/>
+        </p:spPr>
+        <p:txBody>
+          <a:bodyPr lIns="128318" tIns="64159" rIns="128318" bIns="64159"/>
+          <a:lstStyle/>
+          <a:p>
+            <a:pPr marL="342900" lvl="0" indent="-342900" algn="just" defTabSz="1280950" eaLnBrk="0" hangingPunct="0">
+              <a:lnSpc>
+                <a:spcPct val="150000"/>
+              </a:lnSpc>
+              <a:spcBef>
+                <a:spcPct val="20000"/>
+              </a:spcBef>
+              <a:buFont typeface="+mj-lt"/>
+              <a:buAutoNum type="arabicPeriod"/>
+              <a:defRPr/>
+            </a:pPr>
+            <a:r>
+              <a:rPr lang="pt-BR" sz="2800" kern="0" dirty="0">
+                <a:solidFill>
+                  <a:srgbClr val="002060"/>
+                </a:solidFill>
+                <a:latin typeface="Calibri" pitchFamily="34" charset="0"/>
+              </a:rPr>
+              <a:t>Introdução</a:t>
+            </a:r>
+          </a:p>
+          <a:p>
+            <a:pPr marL="342900" lvl="0" indent="-342900" algn="just" defTabSz="1280950" eaLnBrk="0" hangingPunct="0">
+              <a:lnSpc>
+                <a:spcPct val="150000"/>
+              </a:lnSpc>
+              <a:spcBef>
+                <a:spcPct val="20000"/>
+              </a:spcBef>
+              <a:buFont typeface="+mj-lt"/>
+              <a:buAutoNum type="arabicPeriod"/>
+              <a:defRPr/>
+            </a:pPr>
+            <a:r>
+              <a:rPr lang="pt-BR" sz="2800" kern="0" dirty="0">
+                <a:solidFill>
+                  <a:srgbClr val="002060"/>
+                </a:solidFill>
+                <a:latin typeface="Calibri" pitchFamily="34" charset="0"/>
+              </a:rPr>
+              <a:t>Algoritmos Genéticos</a:t>
+            </a:r>
+          </a:p>
+          <a:p>
+            <a:pPr marL="342900" lvl="0" indent="-342900" algn="just" defTabSz="1280950" eaLnBrk="0" hangingPunct="0">
+              <a:lnSpc>
+                <a:spcPct val="150000"/>
+              </a:lnSpc>
+              <a:spcBef>
+                <a:spcPct val="20000"/>
+              </a:spcBef>
+              <a:buFont typeface="+mj-lt"/>
+              <a:buAutoNum type="arabicPeriod"/>
+              <a:defRPr/>
+            </a:pPr>
+            <a:r>
+              <a:rPr lang="pt-BR" sz="2800" kern="0" dirty="0">
+                <a:solidFill>
+                  <a:srgbClr val="002060"/>
+                </a:solidFill>
+                <a:latin typeface="Calibri" pitchFamily="34" charset="0"/>
+              </a:rPr>
+              <a:t>Implementação do Algoritmo e Resultados</a:t>
+            </a:r>
+          </a:p>
+          <a:p>
+            <a:pPr marL="800100" lvl="1" indent="-342900" algn="just" defTabSz="1280950" eaLnBrk="0" hangingPunct="0">
+              <a:lnSpc>
+                <a:spcPct val="150000"/>
+              </a:lnSpc>
+              <a:spcBef>
+                <a:spcPct val="20000"/>
+              </a:spcBef>
+              <a:buFont typeface="+mj-lt"/>
+              <a:buAutoNum type="alphaLcPeriod"/>
+              <a:defRPr/>
+            </a:pPr>
+            <a:r>
+              <a:rPr lang="pt-BR" sz="2800" kern="0" dirty="0">
+                <a:solidFill>
+                  <a:srgbClr val="002060"/>
+                </a:solidFill>
+                <a:latin typeface="Calibri" pitchFamily="34" charset="0"/>
+              </a:rPr>
+              <a:t>Teste inicial</a:t>
+            </a:r>
+          </a:p>
+          <a:p>
+            <a:pPr marL="800100" lvl="1" indent="-342900" algn="just" defTabSz="1280950" eaLnBrk="0" hangingPunct="0">
+              <a:lnSpc>
+                <a:spcPct val="150000"/>
+              </a:lnSpc>
+              <a:spcBef>
+                <a:spcPct val="20000"/>
+              </a:spcBef>
+              <a:buFont typeface="+mj-lt"/>
+              <a:buAutoNum type="alphaLcPeriod"/>
+              <a:defRPr/>
+            </a:pPr>
+            <a:r>
+              <a:rPr lang="pt-BR" sz="2800" kern="0" dirty="0">
+                <a:solidFill>
+                  <a:srgbClr val="002060"/>
+                </a:solidFill>
+                <a:latin typeface="Calibri" pitchFamily="34" charset="0"/>
+              </a:rPr>
+              <a:t>Modelo de </a:t>
+            </a:r>
+            <a:r>
+              <a:rPr lang="pt-BR" sz="2800" kern="0" dirty="0" err="1">
+                <a:solidFill>
+                  <a:srgbClr val="002060"/>
+                </a:solidFill>
+                <a:latin typeface="Calibri" pitchFamily="34" charset="0"/>
+              </a:rPr>
+              <a:t>Ising</a:t>
+            </a:r>
+            <a:endParaRPr lang="pt-BR" sz="2800" kern="0" dirty="0">
+              <a:solidFill>
+                <a:srgbClr val="002060"/>
+              </a:solidFill>
+              <a:latin typeface="Calibri" pitchFamily="34" charset="0"/>
+            </a:endParaRPr>
+          </a:p>
+          <a:p>
+            <a:pPr marL="342900" lvl="0" indent="-342900" algn="just" defTabSz="1280950" eaLnBrk="0" hangingPunct="0">
+              <a:lnSpc>
+                <a:spcPct val="150000"/>
+              </a:lnSpc>
+              <a:spcBef>
+                <a:spcPct val="20000"/>
+              </a:spcBef>
+              <a:buFont typeface="+mj-lt"/>
+              <a:buAutoNum type="arabicPeriod"/>
+              <a:defRPr/>
+            </a:pPr>
+            <a:r>
+              <a:rPr lang="pt-BR" sz="2800" kern="0" dirty="0">
+                <a:solidFill>
+                  <a:srgbClr val="002060"/>
+                </a:solidFill>
+                <a:latin typeface="Calibri" pitchFamily="34" charset="0"/>
+              </a:rPr>
+              <a:t>Conclusões</a:t>
+            </a:r>
+          </a:p>
+          <a:p>
+            <a:pPr marL="0" marR="0" lvl="0" indent="0" algn="just" defTabSz="1280950" rtl="0" eaLnBrk="0" fontAlgn="auto" latinLnBrk="0" hangingPunct="0">
+              <a:lnSpc>
+                <a:spcPct val="150000"/>
+              </a:lnSpc>
+              <a:spcBef>
+                <a:spcPct val="20000"/>
+              </a:spcBef>
+              <a:spcAft>
+                <a:spcPts val="0"/>
+              </a:spcAft>
+              <a:buClrTx/>
+              <a:buSzTx/>
+              <a:buFontTx/>
+              <a:buNone/>
+              <a:tabLst/>
+              <a:defRPr/>
+            </a:pPr>
+            <a:endParaRPr kumimoji="0" lang="pt-BR" sz="2800" b="0" i="0" u="none" strike="noStrike" kern="0" cap="none" spc="0" normalizeH="0" baseline="0" noProof="0" dirty="0">
+              <a:ln>
+                <a:noFill/>
+              </a:ln>
+              <a:solidFill>
+                <a:srgbClr val="002060"/>
+              </a:solidFill>
+              <a:effectLst/>
+              <a:uLnTx/>
+              <a:uFillTx/>
+              <a:latin typeface="Calibri" pitchFamily="34" charset="0"/>
+              <a:ea typeface="+mn-ea"/>
+              <a:cs typeface="+mn-cs"/>
+            </a:endParaRPr>
+          </a:p>
+        </p:txBody>
+      </p:sp>
+      <p:cxnSp>
+        <p:nvCxnSpPr>
+          <p:cNvPr id="10" name="Straight Connector 9">
+            <a:extLst>
+              <a:ext uri="{FF2B5EF4-FFF2-40B4-BE49-F238E27FC236}">
+                <a16:creationId xmlns:a16="http://schemas.microsoft.com/office/drawing/2014/main" id="{BD159951-B7A6-4EE6-8042-1ED559FABC01}"/>
+              </a:ext>
+            </a:extLst>
+          </p:cNvPr>
+          <p:cNvCxnSpPr/>
+          <p:nvPr/>
+        </p:nvCxnSpPr>
+        <p:spPr>
+          <a:xfrm>
+            <a:off x="320039" y="959139"/>
+            <a:ext cx="8503920" cy="0"/>
+          </a:xfrm>
+          <a:prstGeom prst="line">
+            <a:avLst/>
+          </a:prstGeom>
+        </p:spPr>
+        <p:style>
+          <a:lnRef idx="1">
+            <a:schemeClr val="accent1"/>
+          </a:lnRef>
+          <a:fillRef idx="0">
+            <a:schemeClr val="accent1"/>
+          </a:fillRef>
+          <a:effectRef idx="0">
+            <a:schemeClr val="accent1"/>
+          </a:effectRef>
+          <a:fontRef idx="minor">
+            <a:schemeClr val="tx1"/>
+          </a:fontRef>
+        </p:style>
+      </p:cxnSp>
+      <p:sp>
+        <p:nvSpPr>
+          <p:cNvPr id="8" name="CaixaDeTexto 10">
+            <a:extLst>
+              <a:ext uri="{FF2B5EF4-FFF2-40B4-BE49-F238E27FC236}">
+                <a16:creationId xmlns:a16="http://schemas.microsoft.com/office/drawing/2014/main" id="{21E1261E-CF19-4DC5-92A6-67CF1BC40D39}"/>
+              </a:ext>
+            </a:extLst>
+          </p:cNvPr>
+          <p:cNvSpPr txBox="1"/>
+          <p:nvPr/>
+        </p:nvSpPr>
+        <p:spPr>
+          <a:xfrm>
+            <a:off x="729671" y="196850"/>
+            <a:ext cx="1723184" cy="634929"/>
+          </a:xfrm>
+          <a:prstGeom prst="rect">
+            <a:avLst/>
+          </a:prstGeom>
+          <a:noFill/>
+        </p:spPr>
+        <p:txBody>
+          <a:bodyPr wrap="none" lIns="80147" tIns="40074" rIns="80147" bIns="40074">
+            <a:spAutoFit/>
+          </a:bodyPr>
+          <a:lstStyle/>
+          <a:p>
+            <a:pPr marL="0" marR="0" lvl="0" indent="0" algn="l" defTabSz="914239" rtl="0" eaLnBrk="1" fontAlgn="auto" latinLnBrk="0" hangingPunct="1">
+              <a:lnSpc>
+                <a:spcPct val="100000"/>
+              </a:lnSpc>
+              <a:spcBef>
+                <a:spcPts val="0"/>
+              </a:spcBef>
+              <a:spcAft>
+                <a:spcPts val="0"/>
+              </a:spcAft>
+              <a:buClrTx/>
+              <a:buSzTx/>
+              <a:buFontTx/>
+              <a:buNone/>
+              <a:tabLst/>
+              <a:defRPr/>
+            </a:pPr>
+            <a:r>
+              <a:rPr kumimoji="0" lang="pt-BR" sz="3600" b="1" i="0" u="none" strike="noStrike" kern="1200" cap="small" spc="0" normalizeH="0" baseline="0" noProof="0" dirty="0">
+                <a:ln>
+                  <a:noFill/>
+                </a:ln>
+                <a:solidFill>
+                  <a:srgbClr val="1F497D"/>
+                </a:solidFill>
+                <a:effectLst/>
+                <a:uLnTx/>
+                <a:uFillTx/>
+                <a:latin typeface="Calibri"/>
+                <a:ea typeface="+mn-ea"/>
+                <a:cs typeface="+mn-cs"/>
+              </a:rPr>
+              <a:t>Sumário</a:t>
+            </a:r>
+            <a:endParaRPr kumimoji="0" lang="pt-BR" sz="2000" b="1" i="0" u="none" strike="noStrike" kern="1200" cap="small" spc="0" normalizeH="0" baseline="0" noProof="0" dirty="0">
+              <a:ln>
+                <a:noFill/>
+              </a:ln>
+              <a:solidFill>
+                <a:srgbClr val="1F497D"/>
+              </a:solidFill>
+              <a:effectLst/>
+              <a:uLnTx/>
+              <a:uFillTx/>
+              <a:latin typeface="Calibri"/>
+              <a:ea typeface="+mn-ea"/>
+              <a:cs typeface="+mn-cs"/>
+            </a:endParaRPr>
+          </a:p>
+        </p:txBody>
+      </p:sp>
+    </p:spTree>
+    <p:extLst>
+      <p:ext uri="{BB962C8B-B14F-4D97-AF65-F5344CB8AC3E}">
+        <p14:creationId xmlns:p14="http://schemas.microsoft.com/office/powerpoint/2010/main" val="2452686853"/>
+      </p:ext>
+    </p:extLst>
+  </p:cSld>
+  <p:clrMapOvr>
+    <a:masterClrMapping/>
+  </p:clrMapOvr>
+</p:sld>
+</file>
+
+<file path=ppt/slides/slide20.xml><?xml version="1.0" encoding="utf-8"?>
 <p:sld xmlns:a="http://schemas.openxmlformats.org/drawingml/2006/main" xmlns:r="http://schemas.openxmlformats.org/officeDocument/2006/relationships" xmlns:p="http://schemas.openxmlformats.org/presentationml/2006/main">
   <p:cSld>
     <p:spTree>
@@ -11489,7 +13315,7 @@
 </p:sld>
 </file>
 
-<file path=ppt/slides/slide18.xml><?xml version="1.0" encoding="utf-8"?>
+<file path=ppt/slides/slide21.xml><?xml version="1.0" encoding="utf-8"?>
 <p:sld xmlns:a="http://schemas.openxmlformats.org/drawingml/2006/main" xmlns:r="http://schemas.openxmlformats.org/officeDocument/2006/relationships" xmlns:p="http://schemas.openxmlformats.org/presentationml/2006/main">
   <p:cSld>
     <p:spTree>
@@ -11801,7 +13627,7 @@
 </p:sld>
 </file>
 
-<file path=ppt/slides/slide19.xml><?xml version="1.0" encoding="utf-8"?>
+<file path=ppt/slides/slide22.xml><?xml version="1.0" encoding="utf-8"?>
 <p:sld xmlns:a="http://schemas.openxmlformats.org/drawingml/2006/main" xmlns:r="http://schemas.openxmlformats.org/officeDocument/2006/relationships" xmlns:p="http://schemas.openxmlformats.org/presentationml/2006/main">
   <p:cSld>
     <p:spTree>
@@ -12152,444 +13978,7 @@
 </p:sld>
 </file>
 
-<file path=ppt/slides/slide2.xml><?xml version="1.0" encoding="utf-8"?>
-<p:sld xmlns:a="http://schemas.openxmlformats.org/drawingml/2006/main" xmlns:r="http://schemas.openxmlformats.org/officeDocument/2006/relationships" xmlns:p="http://schemas.openxmlformats.org/presentationml/2006/main">
-  <p:cSld>
-    <p:spTree>
-      <p:nvGrpSpPr>
-        <p:cNvPr id="1" name=""/>
-        <p:cNvGrpSpPr/>
-        <p:nvPr/>
-      </p:nvGrpSpPr>
-      <p:grpSpPr>
-        <a:xfrm>
-          <a:off x="0" y="0"/>
-          <a:ext cx="0" cy="0"/>
-          <a:chOff x="0" y="0"/>
-          <a:chExt cx="0" cy="0"/>
-        </a:xfrm>
-      </p:grpSpPr>
-      <p:sp>
-        <p:nvSpPr>
-          <p:cNvPr id="7" name="Rectangle 6">
-            <a:extLst>
-              <a:ext uri="{FF2B5EF4-FFF2-40B4-BE49-F238E27FC236}">
-                <a16:creationId xmlns:a16="http://schemas.microsoft.com/office/drawing/2014/main" id="{F4485777-5E9F-461C-B18F-636C0C977DFD}"/>
-              </a:ext>
-            </a:extLst>
-          </p:cNvPr>
-          <p:cNvSpPr/>
-          <p:nvPr/>
-        </p:nvSpPr>
-        <p:spPr>
-          <a:xfrm>
-            <a:off x="246062" y="1406303"/>
-            <a:ext cx="8576057" cy="569887"/>
-          </a:xfrm>
-          <a:prstGeom prst="rect">
-            <a:avLst/>
-          </a:prstGeom>
-          <a:solidFill>
-            <a:schemeClr val="bg1">
-              <a:lumMod val="85000"/>
-            </a:schemeClr>
-          </a:solidFill>
-          <a:ln>
-            <a:noFill/>
-          </a:ln>
-        </p:spPr>
-        <p:style>
-          <a:lnRef idx="2">
-            <a:schemeClr val="accent1">
-              <a:shade val="50000"/>
-            </a:schemeClr>
-          </a:lnRef>
-          <a:fillRef idx="1">
-            <a:schemeClr val="accent1"/>
-          </a:fillRef>
-          <a:effectRef idx="0">
-            <a:schemeClr val="accent1"/>
-          </a:effectRef>
-          <a:fontRef idx="minor">
-            <a:schemeClr val="lt1"/>
-          </a:fontRef>
-        </p:style>
-        <p:txBody>
-          <a:bodyPr rtlCol="0" anchor="ctr"/>
-          <a:lstStyle/>
-          <a:p>
-            <a:pPr marL="0" marR="0" lvl="0" indent="0" algn="ctr" defTabSz="914400" rtl="0" eaLnBrk="1" fontAlgn="auto" latinLnBrk="0" hangingPunct="1">
-              <a:lnSpc>
-                <a:spcPct val="100000"/>
-              </a:lnSpc>
-              <a:spcBef>
-                <a:spcPts val="0"/>
-              </a:spcBef>
-              <a:spcAft>
-                <a:spcPts val="0"/>
-              </a:spcAft>
-              <a:buClrTx/>
-              <a:buSzTx/>
-              <a:buFontTx/>
-              <a:buNone/>
-              <a:tabLst/>
-              <a:defRPr/>
-            </a:pPr>
-            <a:endParaRPr kumimoji="0" lang="en-US" sz="1800" b="0" i="0" u="none" strike="noStrike" kern="1200" cap="none" spc="0" normalizeH="0" baseline="0" noProof="0">
-              <a:ln>
-                <a:noFill/>
-              </a:ln>
-              <a:solidFill>
-                <a:prstClr val="white"/>
-              </a:solidFill>
-              <a:effectLst/>
-              <a:uLnTx/>
-              <a:uFillTx/>
-              <a:latin typeface="Calibri"/>
-              <a:ea typeface="+mn-ea"/>
-              <a:cs typeface="+mn-cs"/>
-            </a:endParaRPr>
-          </a:p>
-        </p:txBody>
-      </p:sp>
-      <p:sp>
-        <p:nvSpPr>
-          <p:cNvPr id="5" name="Rectangle 3">
-            <a:extLst>
-              <a:ext uri="{FF2B5EF4-FFF2-40B4-BE49-F238E27FC236}">
-                <a16:creationId xmlns:a16="http://schemas.microsoft.com/office/drawing/2014/main" id="{E4C27882-E319-405B-A0FC-24C99A3B60B5}"/>
-              </a:ext>
-            </a:extLst>
-          </p:cNvPr>
-          <p:cNvSpPr txBox="1">
-            <a:spLocks noChangeArrowheads="1"/>
-          </p:cNvSpPr>
-          <p:nvPr/>
-        </p:nvSpPr>
-        <p:spPr>
-          <a:xfrm>
-            <a:off x="246062" y="1269706"/>
-            <a:ext cx="8651875" cy="4493785"/>
-          </a:xfrm>
-          <a:prstGeom prst="rect">
-            <a:avLst/>
-          </a:prstGeom>
-          <a:noFill/>
-        </p:spPr>
-        <p:txBody>
-          <a:bodyPr lIns="128318" tIns="64159" rIns="128318" bIns="64159"/>
-          <a:lstStyle/>
-          <a:p>
-            <a:pPr marL="342900" lvl="0" indent="-342900" algn="just" defTabSz="1280950" eaLnBrk="0" hangingPunct="0">
-              <a:lnSpc>
-                <a:spcPct val="150000"/>
-              </a:lnSpc>
-              <a:spcBef>
-                <a:spcPct val="20000"/>
-              </a:spcBef>
-              <a:buFont typeface="+mj-lt"/>
-              <a:buAutoNum type="arabicPeriod"/>
-              <a:defRPr/>
-            </a:pPr>
-            <a:r>
-              <a:rPr lang="pt-BR" sz="2800" kern="0" dirty="0">
-                <a:solidFill>
-                  <a:srgbClr val="002060"/>
-                </a:solidFill>
-                <a:latin typeface="Calibri" pitchFamily="34" charset="0"/>
-              </a:rPr>
-              <a:t>Introdução</a:t>
-            </a:r>
-          </a:p>
-          <a:p>
-            <a:pPr marL="342900" lvl="0" indent="-342900" algn="just" defTabSz="1280950" eaLnBrk="0" hangingPunct="0">
-              <a:lnSpc>
-                <a:spcPct val="150000"/>
-              </a:lnSpc>
-              <a:spcBef>
-                <a:spcPct val="20000"/>
-              </a:spcBef>
-              <a:buFont typeface="+mj-lt"/>
-              <a:buAutoNum type="arabicPeriod"/>
-              <a:defRPr/>
-            </a:pPr>
-            <a:r>
-              <a:rPr lang="pt-BR" sz="2800" kern="0" dirty="0">
-                <a:solidFill>
-                  <a:srgbClr val="002060"/>
-                </a:solidFill>
-                <a:latin typeface="Calibri" pitchFamily="34" charset="0"/>
-              </a:rPr>
-              <a:t>Algoritmos Genéticos</a:t>
-            </a:r>
-          </a:p>
-          <a:p>
-            <a:pPr marL="342900" lvl="0" indent="-342900" algn="just" defTabSz="1280950" eaLnBrk="0" hangingPunct="0">
-              <a:lnSpc>
-                <a:spcPct val="150000"/>
-              </a:lnSpc>
-              <a:spcBef>
-                <a:spcPct val="20000"/>
-              </a:spcBef>
-              <a:buFont typeface="+mj-lt"/>
-              <a:buAutoNum type="arabicPeriod"/>
-              <a:defRPr/>
-            </a:pPr>
-            <a:r>
-              <a:rPr lang="pt-BR" sz="2800" kern="0" dirty="0">
-                <a:solidFill>
-                  <a:srgbClr val="002060"/>
-                </a:solidFill>
-                <a:latin typeface="Calibri" pitchFamily="34" charset="0"/>
-              </a:rPr>
-              <a:t>Implementação do Algoritmo e Resultados</a:t>
-            </a:r>
-          </a:p>
-          <a:p>
-            <a:pPr marL="800100" lvl="1" indent="-342900" algn="just" defTabSz="1280950" eaLnBrk="0" hangingPunct="0">
-              <a:lnSpc>
-                <a:spcPct val="150000"/>
-              </a:lnSpc>
-              <a:spcBef>
-                <a:spcPct val="20000"/>
-              </a:spcBef>
-              <a:buFont typeface="+mj-lt"/>
-              <a:buAutoNum type="alphaLcPeriod"/>
-              <a:defRPr/>
-            </a:pPr>
-            <a:r>
-              <a:rPr lang="pt-BR" sz="2800" kern="0" dirty="0">
-                <a:solidFill>
-                  <a:srgbClr val="002060"/>
-                </a:solidFill>
-                <a:latin typeface="Calibri" pitchFamily="34" charset="0"/>
-              </a:rPr>
-              <a:t>Teste inicial</a:t>
-            </a:r>
-          </a:p>
-          <a:p>
-            <a:pPr marL="800100" lvl="1" indent="-342900" algn="just" defTabSz="1280950" eaLnBrk="0" hangingPunct="0">
-              <a:lnSpc>
-                <a:spcPct val="150000"/>
-              </a:lnSpc>
-              <a:spcBef>
-                <a:spcPct val="20000"/>
-              </a:spcBef>
-              <a:buFont typeface="+mj-lt"/>
-              <a:buAutoNum type="alphaLcPeriod"/>
-              <a:defRPr/>
-            </a:pPr>
-            <a:r>
-              <a:rPr lang="pt-BR" sz="2800" kern="0" dirty="0">
-                <a:solidFill>
-                  <a:srgbClr val="002060"/>
-                </a:solidFill>
-                <a:latin typeface="Calibri" pitchFamily="34" charset="0"/>
-              </a:rPr>
-              <a:t>Modelo de </a:t>
-            </a:r>
-            <a:r>
-              <a:rPr lang="pt-BR" sz="2800" kern="0" dirty="0" err="1">
-                <a:solidFill>
-                  <a:srgbClr val="002060"/>
-                </a:solidFill>
-                <a:latin typeface="Calibri" pitchFamily="34" charset="0"/>
-              </a:rPr>
-              <a:t>Ising</a:t>
-            </a:r>
-            <a:endParaRPr lang="pt-BR" sz="2800" kern="0" dirty="0">
-              <a:solidFill>
-                <a:srgbClr val="002060"/>
-              </a:solidFill>
-              <a:latin typeface="Calibri" pitchFamily="34" charset="0"/>
-            </a:endParaRPr>
-          </a:p>
-          <a:p>
-            <a:pPr marL="342900" lvl="0" indent="-342900" algn="just" defTabSz="1280950" eaLnBrk="0" hangingPunct="0">
-              <a:lnSpc>
-                <a:spcPct val="150000"/>
-              </a:lnSpc>
-              <a:spcBef>
-                <a:spcPct val="20000"/>
-              </a:spcBef>
-              <a:buFont typeface="+mj-lt"/>
-              <a:buAutoNum type="arabicPeriod"/>
-              <a:defRPr/>
-            </a:pPr>
-            <a:r>
-              <a:rPr lang="pt-BR" sz="2800" kern="0" dirty="0">
-                <a:solidFill>
-                  <a:srgbClr val="002060"/>
-                </a:solidFill>
-                <a:latin typeface="Calibri" pitchFamily="34" charset="0"/>
-              </a:rPr>
-              <a:t>Conclusões</a:t>
-            </a:r>
-          </a:p>
-          <a:p>
-            <a:pPr marL="0" marR="0" lvl="0" indent="0" algn="just" defTabSz="1280950" rtl="0" eaLnBrk="0" fontAlgn="auto" latinLnBrk="0" hangingPunct="0">
-              <a:lnSpc>
-                <a:spcPct val="150000"/>
-              </a:lnSpc>
-              <a:spcBef>
-                <a:spcPct val="20000"/>
-              </a:spcBef>
-              <a:spcAft>
-                <a:spcPts val="0"/>
-              </a:spcAft>
-              <a:buClrTx/>
-              <a:buSzTx/>
-              <a:buFontTx/>
-              <a:buNone/>
-              <a:tabLst/>
-              <a:defRPr/>
-            </a:pPr>
-            <a:endParaRPr kumimoji="0" lang="pt-BR" sz="2800" b="0" i="0" u="none" strike="noStrike" kern="0" cap="none" spc="0" normalizeH="0" baseline="0" noProof="0" dirty="0">
-              <a:ln>
-                <a:noFill/>
-              </a:ln>
-              <a:solidFill>
-                <a:srgbClr val="002060"/>
-              </a:solidFill>
-              <a:effectLst/>
-              <a:uLnTx/>
-              <a:uFillTx/>
-              <a:latin typeface="Calibri" pitchFamily="34" charset="0"/>
-              <a:ea typeface="+mn-ea"/>
-              <a:cs typeface="+mn-cs"/>
-            </a:endParaRPr>
-          </a:p>
-        </p:txBody>
-      </p:sp>
-      <p:cxnSp>
-        <p:nvCxnSpPr>
-          <p:cNvPr id="10" name="Straight Connector 9">
-            <a:extLst>
-              <a:ext uri="{FF2B5EF4-FFF2-40B4-BE49-F238E27FC236}">
-                <a16:creationId xmlns:a16="http://schemas.microsoft.com/office/drawing/2014/main" id="{BD159951-B7A6-4EE6-8042-1ED559FABC01}"/>
-              </a:ext>
-            </a:extLst>
-          </p:cNvPr>
-          <p:cNvCxnSpPr/>
-          <p:nvPr/>
-        </p:nvCxnSpPr>
-        <p:spPr>
-          <a:xfrm>
-            <a:off x="320039" y="959139"/>
-            <a:ext cx="8503920" cy="0"/>
-          </a:xfrm>
-          <a:prstGeom prst="line">
-            <a:avLst/>
-          </a:prstGeom>
-        </p:spPr>
-        <p:style>
-          <a:lnRef idx="1">
-            <a:schemeClr val="accent1"/>
-          </a:lnRef>
-          <a:fillRef idx="0">
-            <a:schemeClr val="accent1"/>
-          </a:fillRef>
-          <a:effectRef idx="0">
-            <a:schemeClr val="accent1"/>
-          </a:effectRef>
-          <a:fontRef idx="minor">
-            <a:schemeClr val="tx1"/>
-          </a:fontRef>
-        </p:style>
-      </p:cxnSp>
-      <p:sp>
-        <p:nvSpPr>
-          <p:cNvPr id="8" name="CaixaDeTexto 10">
-            <a:extLst>
-              <a:ext uri="{FF2B5EF4-FFF2-40B4-BE49-F238E27FC236}">
-                <a16:creationId xmlns:a16="http://schemas.microsoft.com/office/drawing/2014/main" id="{21E1261E-CF19-4DC5-92A6-67CF1BC40D39}"/>
-              </a:ext>
-            </a:extLst>
-          </p:cNvPr>
-          <p:cNvSpPr txBox="1"/>
-          <p:nvPr/>
-        </p:nvSpPr>
-        <p:spPr>
-          <a:xfrm>
-            <a:off x="729671" y="196850"/>
-            <a:ext cx="1723184" cy="634929"/>
-          </a:xfrm>
-          <a:prstGeom prst="rect">
-            <a:avLst/>
-          </a:prstGeom>
-          <a:noFill/>
-        </p:spPr>
-        <p:txBody>
-          <a:bodyPr wrap="none" lIns="80147" tIns="40074" rIns="80147" bIns="40074">
-            <a:spAutoFit/>
-          </a:bodyPr>
-          <a:lstStyle/>
-          <a:p>
-            <a:pPr marL="0" marR="0" lvl="0" indent="0" algn="l" defTabSz="914239" rtl="0" eaLnBrk="1" fontAlgn="auto" latinLnBrk="0" hangingPunct="1">
-              <a:lnSpc>
-                <a:spcPct val="100000"/>
-              </a:lnSpc>
-              <a:spcBef>
-                <a:spcPts val="0"/>
-              </a:spcBef>
-              <a:spcAft>
-                <a:spcPts val="0"/>
-              </a:spcAft>
-              <a:buClrTx/>
-              <a:buSzTx/>
-              <a:buFontTx/>
-              <a:buNone/>
-              <a:tabLst/>
-              <a:defRPr/>
-            </a:pPr>
-            <a:r>
-              <a:rPr kumimoji="0" lang="pt-BR" sz="3600" b="1" i="0" u="none" strike="noStrike" kern="1200" cap="small" spc="0" normalizeH="0" baseline="0" noProof="0" dirty="0">
-                <a:ln>
-                  <a:noFill/>
-                </a:ln>
-                <a:solidFill>
-                  <a:srgbClr val="1F497D"/>
-                </a:solidFill>
-                <a:effectLst/>
-                <a:uLnTx/>
-                <a:uFillTx/>
-                <a:latin typeface="Calibri"/>
-                <a:ea typeface="+mn-ea"/>
-                <a:cs typeface="+mn-cs"/>
-              </a:rPr>
-              <a:t>Sumário</a:t>
-            </a:r>
-            <a:endParaRPr kumimoji="0" lang="pt-BR" sz="2000" b="1" i="0" u="none" strike="noStrike" kern="1200" cap="small" spc="0" normalizeH="0" baseline="0" noProof="0" dirty="0">
-              <a:ln>
-                <a:noFill/>
-              </a:ln>
-              <a:solidFill>
-                <a:srgbClr val="1F497D"/>
-              </a:solidFill>
-              <a:effectLst/>
-              <a:uLnTx/>
-              <a:uFillTx/>
-              <a:latin typeface="Calibri"/>
-              <a:ea typeface="+mn-ea"/>
-              <a:cs typeface="+mn-cs"/>
-            </a:endParaRPr>
-          </a:p>
-        </p:txBody>
-      </p:sp>
-    </p:spTree>
-    <p:extLst>
-      <p:ext uri="{BB962C8B-B14F-4D97-AF65-F5344CB8AC3E}">
-        <p14:creationId xmlns:p14="http://schemas.microsoft.com/office/powerpoint/2010/main" val="2452686853"/>
-      </p:ext>
-    </p:extLst>
-  </p:cSld>
-  <p:clrMapOvr>
-    <a:masterClrMapping/>
-  </p:clrMapOvr>
-</p:sld>
-</file>
-
-<file path=ppt/slides/slide20.xml><?xml version="1.0" encoding="utf-8"?>
+<file path=ppt/slides/slide23.xml><?xml version="1.0" encoding="utf-8"?>
 <p:sld xmlns:a="http://schemas.openxmlformats.org/drawingml/2006/main" xmlns:r="http://schemas.openxmlformats.org/officeDocument/2006/relationships" xmlns:p="http://schemas.openxmlformats.org/presentationml/2006/main">
   <p:cSld>
     <p:spTree>
@@ -12811,7 +14200,7 @@
 </p:sld>
 </file>
 
-<file path=ppt/slides/slide21.xml><?xml version="1.0" encoding="utf-8"?>
+<file path=ppt/slides/slide24.xml><?xml version="1.0" encoding="utf-8"?>
 <p:sld xmlns:a="http://schemas.openxmlformats.org/drawingml/2006/main" xmlns:r="http://schemas.openxmlformats.org/officeDocument/2006/relationships" xmlns:p="http://schemas.openxmlformats.org/presentationml/2006/main">
   <p:cSld>
     <p:spTree>
@@ -12828,157 +14217,6 @@
           <a:chExt cx="0" cy="0"/>
         </a:xfrm>
       </p:grpSpPr>
-      <p:sp>
-        <p:nvSpPr>
-          <p:cNvPr id="2" name="Espaço Reservado para Conteúdo 1">
-            <a:extLst>
-              <a:ext uri="{FF2B5EF4-FFF2-40B4-BE49-F238E27FC236}">
-                <a16:creationId xmlns:a16="http://schemas.microsoft.com/office/drawing/2014/main" id="{4F0720D3-A3B1-49A5-9FF0-CC5F6E697C1D}"/>
-              </a:ext>
-            </a:extLst>
-          </p:cNvPr>
-          <p:cNvSpPr>
-            <a:spLocks noGrp="1"/>
-          </p:cNvSpPr>
-          <p:nvPr>
-            <p:ph idx="1"/>
-          </p:nvPr>
-        </p:nvSpPr>
-        <p:spPr/>
-        <p:txBody>
-          <a:bodyPr/>
-          <a:lstStyle/>
-          <a:p>
-            <a:r>
-              <a:rPr lang="pt-BR" dirty="0"/>
-              <a:t>Responsável pela recombinação dos genes entre os pais e é o mais característico do GA</a:t>
-            </a:r>
-          </a:p>
-          <a:p>
-            <a:r>
-              <a:rPr lang="pt-BR" dirty="0"/>
-              <a:t>Crossover de 1 ponto, define apenas um ponto de corte</a:t>
-            </a:r>
-          </a:p>
-        </p:txBody>
-      </p:sp>
-      <p:sp>
-        <p:nvSpPr>
-          <p:cNvPr id="3" name="Título 2">
-            <a:extLst>
-              <a:ext uri="{FF2B5EF4-FFF2-40B4-BE49-F238E27FC236}">
-                <a16:creationId xmlns:a16="http://schemas.microsoft.com/office/drawing/2014/main" id="{18EF24DF-BE2A-4CFB-A6BE-8404AA6F88C9}"/>
-              </a:ext>
-            </a:extLst>
-          </p:cNvPr>
-          <p:cNvSpPr>
-            <a:spLocks noGrp="1"/>
-          </p:cNvSpPr>
-          <p:nvPr>
-            <p:ph type="title"/>
-          </p:nvPr>
-        </p:nvSpPr>
-        <p:spPr/>
-        <p:txBody>
-          <a:bodyPr/>
-          <a:lstStyle/>
-          <a:p>
-            <a:r>
-              <a:rPr lang="pt-BR" i="1" dirty="0"/>
-              <a:t>Crossover </a:t>
-            </a:r>
-            <a:r>
-              <a:rPr lang="pt-BR" dirty="0"/>
-              <a:t>– 1 ponto</a:t>
-            </a:r>
-            <a:endParaRPr lang="pt-BR" i="1" dirty="0"/>
-          </a:p>
-        </p:txBody>
-      </p:sp>
-      <p:sp>
-        <p:nvSpPr>
-          <p:cNvPr id="4" name="CaixaDeTexto 10">
-            <a:extLst>
-              <a:ext uri="{FF2B5EF4-FFF2-40B4-BE49-F238E27FC236}">
-                <a16:creationId xmlns:a16="http://schemas.microsoft.com/office/drawing/2014/main" id="{22D6A2FF-4F4E-41CF-8554-95020088677E}"/>
-              </a:ext>
-            </a:extLst>
-          </p:cNvPr>
-          <p:cNvSpPr txBox="1"/>
-          <p:nvPr/>
-        </p:nvSpPr>
-        <p:spPr>
-          <a:xfrm>
-            <a:off x="692728" y="12620"/>
-            <a:ext cx="2137721" cy="511818"/>
-          </a:xfrm>
-          <a:prstGeom prst="rect">
-            <a:avLst/>
-          </a:prstGeom>
-          <a:noFill/>
-        </p:spPr>
-        <p:txBody>
-          <a:bodyPr wrap="none" lIns="80147" tIns="40074" rIns="80147" bIns="40074">
-            <a:spAutoFit/>
-          </a:bodyPr>
-          <a:lstStyle/>
-          <a:p>
-            <a:pPr algn="l" defTabSz="914239" fontAlgn="auto">
-              <a:spcBef>
-                <a:spcPts val="0"/>
-              </a:spcBef>
-              <a:spcAft>
-                <a:spcPts val="0"/>
-              </a:spcAft>
-              <a:defRPr/>
-            </a:pPr>
-            <a:r>
-              <a:rPr lang="pt-BR" sz="1400" b="1" cap="small" dirty="0">
-                <a:solidFill>
-                  <a:srgbClr val="002060"/>
-                </a:solidFill>
-              </a:rPr>
-              <a:t>2</a:t>
-            </a:r>
-            <a:r>
-              <a:rPr lang="pt-BR" sz="1400" b="1" cap="small" dirty="0">
-                <a:solidFill>
-                  <a:srgbClr val="002060"/>
-                </a:solidFill>
-                <a:latin typeface="+mn-lt"/>
-              </a:rPr>
-              <a:t>. </a:t>
-            </a:r>
-            <a:r>
-              <a:rPr lang="pt-BR" sz="1400" b="1" cap="small" dirty="0">
-                <a:solidFill>
-                  <a:srgbClr val="002060"/>
-                </a:solidFill>
-              </a:rPr>
-              <a:t>Algoritmo Genético - GA</a:t>
-            </a:r>
-            <a:endParaRPr lang="pt-BR" sz="1400" b="1" cap="small" dirty="0">
-              <a:solidFill>
-                <a:srgbClr val="002060"/>
-              </a:solidFill>
-              <a:latin typeface="+mn-lt"/>
-            </a:endParaRPr>
-          </a:p>
-          <a:p>
-            <a:pPr defTabSz="914239">
-              <a:defRPr/>
-            </a:pPr>
-            <a:r>
-              <a:rPr lang="pt-BR" sz="1400" b="1" cap="small" dirty="0">
-                <a:solidFill>
-                  <a:srgbClr val="002060"/>
-                </a:solidFill>
-              </a:rPr>
-              <a:t>2c. Operadores Genéticos	</a:t>
-            </a:r>
-          </a:p>
-        </p:txBody>
-      </p:sp>
       <p:pic>
         <p:nvPicPr>
           <p:cNvPr id="5" name="Imagem 4">
@@ -13001,8 +14239,195 @@
         </p:blipFill>
         <p:spPr>
           <a:xfrm>
-            <a:off x="709237" y="2595479"/>
+            <a:off x="709237" y="2789444"/>
             <a:ext cx="7771246" cy="3156780"/>
+          </a:xfrm>
+          <a:prstGeom prst="rect">
+            <a:avLst/>
+          </a:prstGeom>
+        </p:spPr>
+      </p:pic>
+      <p:sp>
+        <p:nvSpPr>
+          <p:cNvPr id="2" name="Espaço Reservado para Conteúdo 1">
+            <a:extLst>
+              <a:ext uri="{FF2B5EF4-FFF2-40B4-BE49-F238E27FC236}">
+                <a16:creationId xmlns:a16="http://schemas.microsoft.com/office/drawing/2014/main" id="{4F0720D3-A3B1-49A5-9FF0-CC5F6E697C1D}"/>
+              </a:ext>
+            </a:extLst>
+          </p:cNvPr>
+          <p:cNvSpPr>
+            <a:spLocks noGrp="1"/>
+          </p:cNvSpPr>
+          <p:nvPr>
+            <p:ph idx="1"/>
+          </p:nvPr>
+        </p:nvSpPr>
+        <p:spPr/>
+        <p:txBody>
+          <a:bodyPr/>
+          <a:lstStyle/>
+          <a:p>
+            <a:r>
+              <a:rPr lang="pt-BR" dirty="0"/>
+              <a:t>Responsável pela recombinação dos genes entre os pais e é o mais característico do GA</a:t>
+            </a:r>
+          </a:p>
+          <a:p>
+            <a:r>
+              <a:rPr lang="pt-BR" dirty="0"/>
+              <a:t>Parâmetro associado a aplicação do operador: </a:t>
+            </a:r>
+          </a:p>
+          <a:p>
+            <a:r>
+              <a:rPr lang="pt-BR" dirty="0"/>
+              <a:t>Crossover de 1 ponto, define apenas um ponto de corte</a:t>
+            </a:r>
+          </a:p>
+        </p:txBody>
+      </p:sp>
+      <p:sp>
+        <p:nvSpPr>
+          <p:cNvPr id="3" name="Título 2">
+            <a:extLst>
+              <a:ext uri="{FF2B5EF4-FFF2-40B4-BE49-F238E27FC236}">
+                <a16:creationId xmlns:a16="http://schemas.microsoft.com/office/drawing/2014/main" id="{18EF24DF-BE2A-4CFB-A6BE-8404AA6F88C9}"/>
+              </a:ext>
+            </a:extLst>
+          </p:cNvPr>
+          <p:cNvSpPr>
+            <a:spLocks noGrp="1"/>
+          </p:cNvSpPr>
+          <p:nvPr>
+            <p:ph type="title"/>
+          </p:nvPr>
+        </p:nvSpPr>
+        <p:spPr/>
+        <p:txBody>
+          <a:bodyPr/>
+          <a:lstStyle/>
+          <a:p>
+            <a:r>
+              <a:rPr lang="pt-BR" i="1" dirty="0"/>
+              <a:t>Crossover </a:t>
+            </a:r>
+            <a:r>
+              <a:rPr lang="pt-BR" dirty="0"/>
+              <a:t>– 1 ponto</a:t>
+            </a:r>
+            <a:endParaRPr lang="pt-BR" i="1" dirty="0"/>
+          </a:p>
+        </p:txBody>
+      </p:sp>
+      <p:sp>
+        <p:nvSpPr>
+          <p:cNvPr id="4" name="CaixaDeTexto 10">
+            <a:extLst>
+              <a:ext uri="{FF2B5EF4-FFF2-40B4-BE49-F238E27FC236}">
+                <a16:creationId xmlns:a16="http://schemas.microsoft.com/office/drawing/2014/main" id="{22D6A2FF-4F4E-41CF-8554-95020088677E}"/>
+              </a:ext>
+            </a:extLst>
+          </p:cNvPr>
+          <p:cNvSpPr txBox="1"/>
+          <p:nvPr/>
+        </p:nvSpPr>
+        <p:spPr>
+          <a:xfrm>
+            <a:off x="692728" y="12620"/>
+            <a:ext cx="2137721" cy="511818"/>
+          </a:xfrm>
+          <a:prstGeom prst="rect">
+            <a:avLst/>
+          </a:prstGeom>
+          <a:noFill/>
+        </p:spPr>
+        <p:txBody>
+          <a:bodyPr wrap="none" lIns="80147" tIns="40074" rIns="80147" bIns="40074">
+            <a:spAutoFit/>
+          </a:bodyPr>
+          <a:lstStyle/>
+          <a:p>
+            <a:pPr algn="l" defTabSz="914239" fontAlgn="auto">
+              <a:spcBef>
+                <a:spcPts val="0"/>
+              </a:spcBef>
+              <a:spcAft>
+                <a:spcPts val="0"/>
+              </a:spcAft>
+              <a:defRPr/>
+            </a:pPr>
+            <a:r>
+              <a:rPr lang="pt-BR" sz="1400" b="1" cap="small" dirty="0">
+                <a:solidFill>
+                  <a:srgbClr val="002060"/>
+                </a:solidFill>
+              </a:rPr>
+              <a:t>2</a:t>
+            </a:r>
+            <a:r>
+              <a:rPr lang="pt-BR" sz="1400" b="1" cap="small" dirty="0">
+                <a:solidFill>
+                  <a:srgbClr val="002060"/>
+                </a:solidFill>
+                <a:latin typeface="+mn-lt"/>
+              </a:rPr>
+              <a:t>. </a:t>
+            </a:r>
+            <a:r>
+              <a:rPr lang="pt-BR" sz="1400" b="1" cap="small" dirty="0">
+                <a:solidFill>
+                  <a:srgbClr val="002060"/>
+                </a:solidFill>
+              </a:rPr>
+              <a:t>Algoritmo Genético - GA</a:t>
+            </a:r>
+            <a:endParaRPr lang="pt-BR" sz="1400" b="1" cap="small" dirty="0">
+              <a:solidFill>
+                <a:srgbClr val="002060"/>
+              </a:solidFill>
+              <a:latin typeface="+mn-lt"/>
+            </a:endParaRPr>
+          </a:p>
+          <a:p>
+            <a:pPr defTabSz="914239">
+              <a:defRPr/>
+            </a:pPr>
+            <a:r>
+              <a:rPr lang="pt-BR" sz="1400" b="1" cap="small" dirty="0">
+                <a:solidFill>
+                  <a:srgbClr val="002060"/>
+                </a:solidFill>
+              </a:rPr>
+              <a:t>2c. Operadores Genéticos	</a:t>
+            </a:r>
+          </a:p>
+        </p:txBody>
+      </p:sp>
+      <p:pic>
+        <p:nvPicPr>
+          <p:cNvPr id="6" name="Imagem 5">
+            <a:extLst>
+              <a:ext uri="{FF2B5EF4-FFF2-40B4-BE49-F238E27FC236}">
+                <a16:creationId xmlns:a16="http://schemas.microsoft.com/office/drawing/2014/main" id="{60E96637-92EC-4EA6-AFEF-63DB2D28C45C}"/>
+              </a:ext>
+            </a:extLst>
+          </p:cNvPr>
+          <p:cNvPicPr>
+            <a:picLocks noChangeAspect="1"/>
+          </p:cNvPicPr>
+          <p:nvPr/>
+        </p:nvPicPr>
+        <p:blipFill>
+          <a:blip r:embed="rId3"/>
+          <a:stretch>
+            <a:fillRect/>
+          </a:stretch>
+        </p:blipFill>
+        <p:spPr>
+          <a:xfrm>
+            <a:off x="5768095" y="1949661"/>
+            <a:ext cx="392559" cy="451443"/>
           </a:xfrm>
           <a:prstGeom prst="rect">
             <a:avLst/>
@@ -13022,7 +14447,7 @@
 </p:sld>
 </file>
 
-<file path=ppt/slides/slide22.xml><?xml version="1.0" encoding="utf-8"?>
+<file path=ppt/slides/slide25.xml><?xml version="1.0" encoding="utf-8"?>
 <p:sld xmlns:a="http://schemas.openxmlformats.org/drawingml/2006/main" xmlns:r="http://schemas.openxmlformats.org/officeDocument/2006/relationships" xmlns:p="http://schemas.openxmlformats.org/presentationml/2006/main">
   <p:cSld>
     <p:spTree>
@@ -13222,7 +14647,7 @@
 </p:sld>
 </file>
 
-<file path=ppt/slides/slide23.xml><?xml version="1.0" encoding="utf-8"?>
+<file path=ppt/slides/slide26.xml><?xml version="1.0" encoding="utf-8"?>
 <p:sld xmlns:a="http://schemas.openxmlformats.org/drawingml/2006/main" xmlns:r="http://schemas.openxmlformats.org/officeDocument/2006/relationships" xmlns:p="http://schemas.openxmlformats.org/presentationml/2006/main">
   <p:cSld>
     <p:spTree>
@@ -13422,7 +14847,7 @@
 </p:sld>
 </file>
 
-<file path=ppt/slides/slide24.xml><?xml version="1.0" encoding="utf-8"?>
+<file path=ppt/slides/slide27.xml><?xml version="1.0" encoding="utf-8"?>
 <p:sld xmlns:a="http://schemas.openxmlformats.org/drawingml/2006/main" xmlns:r="http://schemas.openxmlformats.org/officeDocument/2006/relationships" xmlns:p="http://schemas.openxmlformats.org/presentationml/2006/main">
   <p:cSld>
     <p:spTree>
@@ -13594,7 +15019,7 @@
 </p:sld>
 </file>
 
-<file path=ppt/slides/slide25.xml><?xml version="1.0" encoding="utf-8"?>
+<file path=ppt/slides/slide28.xml><?xml version="1.0" encoding="utf-8"?>
 <p:sld xmlns:a="http://schemas.openxmlformats.org/drawingml/2006/main" xmlns:r="http://schemas.openxmlformats.org/officeDocument/2006/relationships" xmlns:p="http://schemas.openxmlformats.org/presentationml/2006/main">
   <p:cSld>
     <p:spTree>
@@ -13817,7 +15242,7 @@
 </p:sld>
 </file>
 
-<file path=ppt/slides/slide26.xml><?xml version="1.0" encoding="utf-8"?>
+<file path=ppt/slides/slide29.xml><?xml version="1.0" encoding="utf-8"?>
 <p:sld xmlns:a="http://schemas.openxmlformats.org/drawingml/2006/main" xmlns:r="http://schemas.openxmlformats.org/officeDocument/2006/relationships" xmlns:p="http://schemas.openxmlformats.org/presentationml/2006/main">
   <p:cSld>
     <p:spTree>
@@ -13836,41 +15261,10 @@
       </p:grpSpPr>
       <p:sp>
         <p:nvSpPr>
-          <p:cNvPr id="2" name="Espaço Reservado para Conteúdo 1">
-            <a:extLst>
-              <a:ext uri="{FF2B5EF4-FFF2-40B4-BE49-F238E27FC236}">
-                <a16:creationId xmlns:a16="http://schemas.microsoft.com/office/drawing/2014/main" id="{E81C5355-8C5A-4B0B-A119-EEFE713E14B7}"/>
-              </a:ext>
-            </a:extLst>
-          </p:cNvPr>
-          <p:cNvSpPr>
-            <a:spLocks noGrp="1"/>
-          </p:cNvSpPr>
-          <p:nvPr>
-            <p:ph idx="1"/>
-          </p:nvPr>
-        </p:nvSpPr>
-        <p:spPr/>
-        <p:txBody>
-          <a:bodyPr/>
-          <a:lstStyle/>
-          <a:p>
-            <a:r>
-              <a:rPr lang="pt-BR"/>
-              <a:t>Inversão</a:t>
-            </a:r>
-          </a:p>
-          <a:p>
-            <a:endParaRPr lang="pt-BR"/>
-          </a:p>
-        </p:txBody>
-      </p:sp>
-      <p:sp>
-        <p:nvSpPr>
           <p:cNvPr id="3" name="Título 2">
             <a:extLst>
               <a:ext uri="{FF2B5EF4-FFF2-40B4-BE49-F238E27FC236}">
-                <a16:creationId xmlns:a16="http://schemas.microsoft.com/office/drawing/2014/main" id="{C85D7B53-ACA8-49B3-96B1-100E9D0002C0}"/>
+                <a16:creationId xmlns:a16="http://schemas.microsoft.com/office/drawing/2014/main" id="{2919A467-F908-437D-A6A4-8D3167C25ED9}"/>
               </a:ext>
             </a:extLst>
           </p:cNvPr>
@@ -13888,7 +15282,7 @@
           <a:p>
             <a:r>
               <a:rPr lang="pt-BR" dirty="0"/>
-              <a:t>Outros operadores</a:t>
+              <a:t>Teorema fundamental dos esquemas</a:t>
             </a:r>
           </a:p>
         </p:txBody>
@@ -13898,7 +15292,7 @@
           <p:cNvPr id="4" name="CaixaDeTexto 10">
             <a:extLst>
               <a:ext uri="{FF2B5EF4-FFF2-40B4-BE49-F238E27FC236}">
-                <a16:creationId xmlns:a16="http://schemas.microsoft.com/office/drawing/2014/main" id="{3AEAA763-9E89-4F38-8DCF-6A842BAEF0E7}"/>
+                <a16:creationId xmlns:a16="http://schemas.microsoft.com/office/drawing/2014/main" id="{4C08F6C4-358D-48FE-8D4F-A04A9CEB94EF}"/>
               </a:ext>
             </a:extLst>
           </p:cNvPr>
@@ -13972,142 +15366,117 @@
                   <a:srgbClr val="002060"/>
                 </a:solidFill>
               </a:rPr>
-              <a:t>2c. Operadores Genéticos	</a:t>
-            </a:r>
-          </a:p>
-        </p:txBody>
-      </p:sp>
-    </p:spTree>
-    <p:extLst>
-      <p:ext uri="{BB962C8B-B14F-4D97-AF65-F5344CB8AC3E}">
-        <p14:creationId xmlns:p14="http://schemas.microsoft.com/office/powerpoint/2010/main" val="625872353"/>
-      </p:ext>
-    </p:extLst>
-  </p:cSld>
-  <p:clrMapOvr>
-    <a:masterClrMapping/>
-  </p:clrMapOvr>
-</p:sld>
-</file>
-
-<file path=ppt/slides/slide27.xml><?xml version="1.0" encoding="utf-8"?>
-<p:sld xmlns:a="http://schemas.openxmlformats.org/drawingml/2006/main" xmlns:r="http://schemas.openxmlformats.org/officeDocument/2006/relationships" xmlns:p="http://schemas.openxmlformats.org/presentationml/2006/main">
-  <p:cSld>
-    <p:spTree>
-      <p:nvGrpSpPr>
-        <p:cNvPr id="1" name=""/>
-        <p:cNvGrpSpPr/>
-        <p:nvPr/>
-      </p:nvGrpSpPr>
-      <p:grpSpPr>
-        <a:xfrm>
-          <a:off x="0" y="0"/>
-          <a:ext cx="0" cy="0"/>
-          <a:chOff x="0" y="0"/>
-          <a:chExt cx="0" cy="0"/>
-        </a:xfrm>
-      </p:grpSpPr>
-      <p:sp>
-        <p:nvSpPr>
-          <p:cNvPr id="7" name="Rectangle 6">
+              <a:t>2d. Fundamentos Teóricos</a:t>
+            </a:r>
+          </a:p>
+        </p:txBody>
+      </p:sp>
+      <p:pic>
+        <p:nvPicPr>
+          <p:cNvPr id="6" name="Imagem 5">
             <a:extLst>
               <a:ext uri="{FF2B5EF4-FFF2-40B4-BE49-F238E27FC236}">
-                <a16:creationId xmlns:a16="http://schemas.microsoft.com/office/drawing/2014/main" id="{F4485777-5E9F-461C-B18F-636C0C977DFD}"/>
+                <a16:creationId xmlns:a16="http://schemas.microsoft.com/office/drawing/2014/main" id="{E3D16327-3790-47F0-AAA7-80900CCBD27A}"/>
               </a:ext>
             </a:extLst>
           </p:cNvPr>
-          <p:cNvSpPr/>
+          <p:cNvPicPr>
+            <a:picLocks noChangeAspect="1"/>
+          </p:cNvPicPr>
           <p:nvPr/>
-        </p:nvSpPr>
+        </p:nvPicPr>
+        <p:blipFill>
+          <a:blip r:embed="rId2"/>
+          <a:stretch>
+            <a:fillRect/>
+          </a:stretch>
+        </p:blipFill>
         <p:spPr>
           <a:xfrm>
-            <a:off x="246062" y="2865642"/>
-            <a:ext cx="8576057" cy="569887"/>
+            <a:off x="826554" y="4639803"/>
+            <a:ext cx="2644369" cy="1028789"/>
           </a:xfrm>
           <a:prstGeom prst="rect">
             <a:avLst/>
           </a:prstGeom>
-          <a:solidFill>
-            <a:schemeClr val="bg1">
-              <a:lumMod val="85000"/>
-            </a:schemeClr>
-          </a:solidFill>
-          <a:ln>
-            <a:noFill/>
-          </a:ln>
         </p:spPr>
-        <p:style>
-          <a:lnRef idx="2">
-            <a:schemeClr val="accent1">
-              <a:shade val="50000"/>
-            </a:schemeClr>
-          </a:lnRef>
-          <a:fillRef idx="1">
-            <a:schemeClr val="accent1"/>
-          </a:fillRef>
-          <a:effectRef idx="0">
-            <a:schemeClr val="accent1"/>
-          </a:effectRef>
-          <a:fontRef idx="minor">
-            <a:schemeClr val="lt1"/>
-          </a:fontRef>
-        </p:style>
-        <p:txBody>
-          <a:bodyPr rtlCol="0" anchor="ctr"/>
-          <a:lstStyle/>
-          <a:p>
-            <a:pPr marL="0" marR="0" lvl="0" indent="0" algn="ctr" defTabSz="914400" rtl="0" eaLnBrk="1" fontAlgn="auto" latinLnBrk="0" hangingPunct="1">
-              <a:lnSpc>
-                <a:spcPct val="100000"/>
-              </a:lnSpc>
-              <a:spcBef>
-                <a:spcPts val="0"/>
-              </a:spcBef>
-              <a:spcAft>
-                <a:spcPts val="0"/>
-              </a:spcAft>
-              <a:buClrTx/>
-              <a:buSzTx/>
-              <a:buFontTx/>
-              <a:buNone/>
-              <a:tabLst/>
-              <a:defRPr/>
-            </a:pPr>
-            <a:endParaRPr kumimoji="0" lang="en-US" sz="1800" b="0" i="0" u="none" strike="noStrike" kern="1200" cap="none" spc="0" normalizeH="0" baseline="0" noProof="0">
-              <a:ln>
-                <a:noFill/>
-              </a:ln>
-              <a:solidFill>
-                <a:prstClr val="white"/>
-              </a:solidFill>
-              <a:effectLst/>
-              <a:uLnTx/>
-              <a:uFillTx/>
-              <a:latin typeface="Calibri"/>
-              <a:ea typeface="+mn-ea"/>
-              <a:cs typeface="+mn-cs"/>
-            </a:endParaRPr>
-          </a:p>
-        </p:txBody>
-      </p:sp>
-      <p:sp>
-        <p:nvSpPr>
-          <p:cNvPr id="5" name="Rectangle 3">
+      </p:pic>
+      <p:pic>
+        <p:nvPicPr>
+          <p:cNvPr id="2" name="Imagem 1">
             <a:extLst>
               <a:ext uri="{FF2B5EF4-FFF2-40B4-BE49-F238E27FC236}">
-                <a16:creationId xmlns:a16="http://schemas.microsoft.com/office/drawing/2014/main" id="{E4C27882-E319-405B-A0FC-24C99A3B60B5}"/>
+                <a16:creationId xmlns:a16="http://schemas.microsoft.com/office/drawing/2014/main" id="{A2982D41-14D6-4499-92AB-5E873E11D5FD}"/>
               </a:ext>
             </a:extLst>
           </p:cNvPr>
-          <p:cNvSpPr txBox="1">
-            <a:spLocks noChangeArrowheads="1"/>
-          </p:cNvSpPr>
+          <p:cNvPicPr>
+            <a:picLocks noChangeAspect="1"/>
+          </p:cNvPicPr>
           <p:nvPr/>
-        </p:nvSpPr>
+        </p:nvPicPr>
+        <p:blipFill>
+          <a:blip r:embed="rId3"/>
+          <a:stretch>
+            <a:fillRect/>
+          </a:stretch>
+        </p:blipFill>
         <p:spPr>
           <a:xfrm>
-            <a:off x="246062" y="1269706"/>
-            <a:ext cx="8371465" cy="4493785"/>
+            <a:off x="469389" y="1692371"/>
+            <a:ext cx="8205222" cy="1028789"/>
+          </a:xfrm>
+          <a:prstGeom prst="rect">
+            <a:avLst/>
+          </a:prstGeom>
+        </p:spPr>
+      </p:pic>
+      <p:pic>
+        <p:nvPicPr>
+          <p:cNvPr id="5" name="Imagem 4">
+            <a:extLst>
+              <a:ext uri="{FF2B5EF4-FFF2-40B4-BE49-F238E27FC236}">
+                <a16:creationId xmlns:a16="http://schemas.microsoft.com/office/drawing/2014/main" id="{E82D2330-6952-4331-A786-B54A4E124961}"/>
+              </a:ext>
+            </a:extLst>
+          </p:cNvPr>
+          <p:cNvPicPr>
+            <a:picLocks noChangeAspect="1"/>
+          </p:cNvPicPr>
+          <p:nvPr/>
+        </p:nvPicPr>
+        <p:blipFill>
+          <a:blip r:embed="rId4"/>
+          <a:stretch>
+            <a:fillRect/>
+          </a:stretch>
+        </p:blipFill>
+        <p:spPr>
+          <a:xfrm>
+            <a:off x="4447742" y="4662665"/>
+            <a:ext cx="3673158" cy="1005927"/>
+          </a:xfrm>
+          <a:prstGeom prst="rect">
+            <a:avLst/>
+          </a:prstGeom>
+        </p:spPr>
+      </p:pic>
+      <p:sp>
+        <p:nvSpPr>
+          <p:cNvPr id="7" name="CaixaDeTexto 6">
+            <a:extLst>
+              <a:ext uri="{FF2B5EF4-FFF2-40B4-BE49-F238E27FC236}">
+                <a16:creationId xmlns:a16="http://schemas.microsoft.com/office/drawing/2014/main" id="{A2AADA4A-F5B2-497D-8366-03358A711D8A}"/>
+              </a:ext>
+            </a:extLst>
+          </p:cNvPr>
+          <p:cNvSpPr txBox="1"/>
+          <p:nvPr/>
+        </p:nvSpPr>
+        <p:spPr>
+          <a:xfrm>
+            <a:off x="822960" y="4302507"/>
+            <a:ext cx="1077090" cy="369332"/>
           </a:xfrm>
           <a:prstGeom prst="rect">
             <a:avLst/>
@@ -14115,200 +15484,38 @@
           <a:noFill/>
         </p:spPr>
         <p:txBody>
-          <a:bodyPr lIns="128318" tIns="64159" rIns="128318" bIns="64159"/>
+          <a:bodyPr wrap="none" rtlCol="0">
+            <a:spAutoFit/>
+          </a:bodyPr>
           <a:lstStyle/>
           <a:p>
-            <a:pPr marL="342900" lvl="0" indent="-342900" algn="just" defTabSz="1280950" eaLnBrk="0" hangingPunct="0">
-              <a:lnSpc>
-                <a:spcPct val="150000"/>
-              </a:lnSpc>
-              <a:spcBef>
-                <a:spcPct val="20000"/>
-              </a:spcBef>
-              <a:buFont typeface="+mj-lt"/>
-              <a:buAutoNum type="arabicPeriod"/>
-              <a:defRPr/>
-            </a:pPr>
-            <a:r>
-              <a:rPr lang="pt-BR" sz="2800" kern="0" dirty="0">
+            <a:r>
+              <a:rPr lang="pt-BR" dirty="0">
                 <a:solidFill>
                   <a:srgbClr val="002060"/>
                 </a:solidFill>
-                <a:latin typeface="Calibri" pitchFamily="34" charset="0"/>
               </a:rPr>
-              <a:t>Introdução</a:t>
-            </a:r>
-          </a:p>
-          <a:p>
-            <a:pPr marL="342900" lvl="0" indent="-342900" algn="just" defTabSz="1280950" eaLnBrk="0" hangingPunct="0">
-              <a:lnSpc>
-                <a:spcPct val="150000"/>
-              </a:lnSpc>
-              <a:spcBef>
-                <a:spcPct val="20000"/>
-              </a:spcBef>
-              <a:buFont typeface="+mj-lt"/>
-              <a:buAutoNum type="arabicPeriod"/>
-              <a:defRPr/>
-            </a:pPr>
-            <a:r>
-              <a:rPr lang="pt-BR" sz="2800" kern="0" dirty="0">
-                <a:solidFill>
-                  <a:srgbClr val="002060"/>
-                </a:solidFill>
-                <a:latin typeface="Calibri" pitchFamily="34" charset="0"/>
-              </a:rPr>
-              <a:t>Algoritmos Genéticos</a:t>
-            </a:r>
-          </a:p>
-          <a:p>
-            <a:pPr marL="342900" lvl="0" indent="-342900" algn="just" defTabSz="1280950" eaLnBrk="0" hangingPunct="0">
-              <a:lnSpc>
-                <a:spcPct val="150000"/>
-              </a:lnSpc>
-              <a:spcBef>
-                <a:spcPct val="20000"/>
-              </a:spcBef>
-              <a:buFont typeface="+mj-lt"/>
-              <a:buAutoNum type="arabicPeriod"/>
-              <a:defRPr/>
-            </a:pPr>
-            <a:r>
-              <a:rPr lang="pt-BR" sz="2800" kern="0" dirty="0">
-                <a:solidFill>
-                  <a:srgbClr val="002060"/>
-                </a:solidFill>
-                <a:latin typeface="Calibri" pitchFamily="34" charset="0"/>
-              </a:rPr>
-              <a:t>Implementação do Algoritmo e Resultados</a:t>
-            </a:r>
-          </a:p>
-          <a:p>
-            <a:pPr marL="800100" lvl="1" indent="-342900" algn="just" defTabSz="1280950" eaLnBrk="0" hangingPunct="0">
-              <a:lnSpc>
-                <a:spcPct val="150000"/>
-              </a:lnSpc>
-              <a:spcBef>
-                <a:spcPct val="20000"/>
-              </a:spcBef>
-              <a:buFont typeface="+mj-lt"/>
-              <a:buAutoNum type="alphaLcPeriod"/>
-              <a:defRPr/>
-            </a:pPr>
-            <a:r>
-              <a:rPr lang="pt-BR" sz="2800" kern="0" dirty="0">
-                <a:solidFill>
-                  <a:srgbClr val="002060"/>
-                </a:solidFill>
-                <a:latin typeface="Calibri" pitchFamily="34" charset="0"/>
-              </a:rPr>
-              <a:t>Teste inicial</a:t>
-            </a:r>
-          </a:p>
-          <a:p>
-            <a:pPr marL="800100" lvl="1" indent="-342900" algn="just" defTabSz="1280950" eaLnBrk="0" hangingPunct="0">
-              <a:lnSpc>
-                <a:spcPct val="150000"/>
-              </a:lnSpc>
-              <a:spcBef>
-                <a:spcPct val="20000"/>
-              </a:spcBef>
-              <a:buFont typeface="+mj-lt"/>
-              <a:buAutoNum type="alphaLcPeriod"/>
-              <a:defRPr/>
-            </a:pPr>
-            <a:r>
-              <a:rPr lang="pt-BR" sz="2800" kern="0" dirty="0">
-                <a:solidFill>
-                  <a:srgbClr val="002060"/>
-                </a:solidFill>
-                <a:latin typeface="Calibri" pitchFamily="34" charset="0"/>
-              </a:rPr>
-              <a:t>Modelo de </a:t>
-            </a:r>
-            <a:r>
-              <a:rPr lang="pt-BR" sz="2800" kern="0" dirty="0" err="1">
-                <a:solidFill>
-                  <a:srgbClr val="002060"/>
-                </a:solidFill>
-                <a:latin typeface="Calibri" pitchFamily="34" charset="0"/>
-              </a:rPr>
-              <a:t>Ising</a:t>
-            </a:r>
-            <a:endParaRPr lang="pt-BR" sz="2800" kern="0" dirty="0">
-              <a:solidFill>
-                <a:srgbClr val="002060"/>
-              </a:solidFill>
-              <a:latin typeface="Calibri" pitchFamily="34" charset="0"/>
-            </a:endParaRPr>
-          </a:p>
-          <a:p>
-            <a:pPr marL="342900" lvl="0" indent="-342900" algn="just" defTabSz="1280950" eaLnBrk="0" hangingPunct="0">
-              <a:lnSpc>
-                <a:spcPct val="150000"/>
-              </a:lnSpc>
-              <a:spcBef>
-                <a:spcPct val="20000"/>
-              </a:spcBef>
-              <a:buFont typeface="+mj-lt"/>
-              <a:buAutoNum type="arabicPeriod"/>
-              <a:defRPr/>
-            </a:pPr>
-            <a:r>
-              <a:rPr lang="pt-BR" sz="2800" kern="0" dirty="0">
-                <a:solidFill>
-                  <a:srgbClr val="002060"/>
-                </a:solidFill>
-                <a:latin typeface="Calibri" pitchFamily="34" charset="0"/>
-              </a:rPr>
-              <a:t>Conclusões</a:t>
-            </a:r>
-          </a:p>
-          <a:p>
-            <a:pPr marL="0" marR="0" lvl="0" indent="0" algn="just" defTabSz="1280950" rtl="0" eaLnBrk="0" fontAlgn="auto" latinLnBrk="0" hangingPunct="0">
-              <a:lnSpc>
-                <a:spcPct val="150000"/>
-              </a:lnSpc>
-              <a:spcBef>
-                <a:spcPct val="20000"/>
-              </a:spcBef>
-              <a:spcAft>
-                <a:spcPts val="0"/>
-              </a:spcAft>
-              <a:buClrTx/>
-              <a:buSzTx/>
-              <a:buFontTx/>
-              <a:buNone/>
-              <a:tabLst/>
-              <a:defRPr/>
-            </a:pPr>
-            <a:endParaRPr kumimoji="0" lang="pt-BR" sz="2800" b="0" i="0" u="none" strike="noStrike" kern="0" cap="none" spc="0" normalizeH="0" baseline="0" noProof="0" dirty="0">
-              <a:ln>
-                <a:noFill/>
-              </a:ln>
-              <a:solidFill>
-                <a:srgbClr val="002060"/>
-              </a:solidFill>
-              <a:effectLst/>
-              <a:uLnTx/>
-              <a:uFillTx/>
-              <a:latin typeface="Calibri" pitchFamily="34" charset="0"/>
-              <a:ea typeface="+mn-ea"/>
-              <a:cs typeface="+mn-cs"/>
-            </a:endParaRPr>
-          </a:p>
-        </p:txBody>
-      </p:sp>
-      <p:sp>
-        <p:nvSpPr>
-          <p:cNvPr id="9" name="CaixaDeTexto 10"/>
+              <a:t>Define-se</a:t>
+            </a:r>
+          </a:p>
+        </p:txBody>
+      </p:sp>
+      <p:sp>
+        <p:nvSpPr>
+          <p:cNvPr id="12" name="CaixaDeTexto 11">
+            <a:extLst>
+              <a:ext uri="{FF2B5EF4-FFF2-40B4-BE49-F238E27FC236}">
+                <a16:creationId xmlns:a16="http://schemas.microsoft.com/office/drawing/2014/main" id="{C724135D-7B1E-4A28-8C93-61EB4FC8F381}"/>
+              </a:ext>
+            </a:extLst>
+          </p:cNvPr>
           <p:cNvSpPr txBox="1"/>
           <p:nvPr/>
         </p:nvSpPr>
         <p:spPr>
           <a:xfrm>
-            <a:off x="729671" y="196850"/>
-            <a:ext cx="1723184" cy="634929"/>
+            <a:off x="4447742" y="4302507"/>
+            <a:ext cx="3677225" cy="369332"/>
           </a:xfrm>
           <a:prstGeom prst="rect">
             <a:avLst/>
@@ -14316,80 +15523,40 @@
           <a:noFill/>
         </p:spPr>
         <p:txBody>
-          <a:bodyPr wrap="none" lIns="80147" tIns="40074" rIns="80147" bIns="40074">
+          <a:bodyPr wrap="none" rtlCol="0">
             <a:spAutoFit/>
           </a:bodyPr>
           <a:lstStyle/>
           <a:p>
-            <a:pPr marL="0" marR="0" lvl="0" indent="0" algn="l" defTabSz="914239" rtl="0" eaLnBrk="1" fontAlgn="auto" latinLnBrk="0" hangingPunct="1">
-              <a:lnSpc>
-                <a:spcPct val="100000"/>
-              </a:lnSpc>
-              <a:spcBef>
-                <a:spcPts val="0"/>
-              </a:spcBef>
-              <a:spcAft>
-                <a:spcPts val="0"/>
-              </a:spcAft>
-              <a:buClrTx/>
-              <a:buSzTx/>
-              <a:buFontTx/>
-              <a:buNone/>
-              <a:tabLst/>
-              <a:defRPr/>
-            </a:pPr>
-            <a:r>
-              <a:rPr kumimoji="0" lang="pt-BR" sz="3600" b="1" i="0" u="none" strike="noStrike" kern="1200" cap="small" spc="0" normalizeH="0" baseline="0" noProof="0" dirty="0">
-                <a:ln>
-                  <a:noFill/>
-                </a:ln>
-                <a:solidFill>
-                  <a:srgbClr val="1F497D"/>
-                </a:solidFill>
-                <a:effectLst/>
-                <a:uLnTx/>
-                <a:uFillTx/>
-                <a:latin typeface="Calibri"/>
-                <a:ea typeface="+mn-ea"/>
-                <a:cs typeface="+mn-cs"/>
+            <a:r>
+              <a:rPr lang="pt-BR" dirty="0">
+                <a:solidFill>
+                  <a:srgbClr val="002060"/>
+                </a:solidFill>
               </a:rPr>
-              <a:t>Sumário</a:t>
-            </a:r>
-            <a:endParaRPr kumimoji="0" lang="pt-BR" sz="2000" b="1" i="0" u="none" strike="noStrike" kern="1200" cap="small" spc="0" normalizeH="0" baseline="0" noProof="0" dirty="0">
-              <a:ln>
-                <a:noFill/>
-              </a:ln>
-              <a:solidFill>
-                <a:srgbClr val="1F497D"/>
-              </a:solidFill>
-              <a:effectLst/>
-              <a:uLnTx/>
-              <a:uFillTx/>
-              <a:latin typeface="Calibri"/>
-              <a:ea typeface="+mn-ea"/>
-              <a:cs typeface="+mn-cs"/>
-            </a:endParaRPr>
-          </a:p>
-        </p:txBody>
-      </p:sp>
-      <p:cxnSp>
-        <p:nvCxnSpPr>
-          <p:cNvPr id="10" name="Straight Connector 9">
+              <a:t>Valor esperado somente com seleção</a:t>
+            </a:r>
+          </a:p>
+        </p:txBody>
+      </p:sp>
+      <p:sp>
+        <p:nvSpPr>
+          <p:cNvPr id="13" name="Right Brace 17">
             <a:extLst>
               <a:ext uri="{FF2B5EF4-FFF2-40B4-BE49-F238E27FC236}">
-                <a16:creationId xmlns:a16="http://schemas.microsoft.com/office/drawing/2014/main" id="{BD159951-B7A6-4EE6-8042-1ED559FABC01}"/>
+                <a16:creationId xmlns:a16="http://schemas.microsoft.com/office/drawing/2014/main" id="{5B5C84CA-B36E-465E-BD12-ED17E5099E5A}"/>
               </a:ext>
             </a:extLst>
           </p:cNvPr>
-          <p:cNvCxnSpPr/>
+          <p:cNvSpPr/>
           <p:nvPr/>
-        </p:nvCxnSpPr>
+        </p:nvSpPr>
         <p:spPr>
-          <a:xfrm>
-            <a:off x="320039" y="959139"/>
-            <a:ext cx="8503920" cy="0"/>
+          <a:xfrm rot="5400000">
+            <a:off x="3687819" y="1827429"/>
+            <a:ext cx="248484" cy="1963223"/>
           </a:xfrm>
-          <a:prstGeom prst="line">
+          <a:prstGeom prst="rightBrace">
             <a:avLst/>
           </a:prstGeom>
         </p:spPr>
@@ -14407,308 +15574,21 @@
             <a:schemeClr val="tx1"/>
           </a:fontRef>
         </p:style>
-      </p:cxnSp>
-    </p:spTree>
-    <p:extLst>
-      <p:ext uri="{BB962C8B-B14F-4D97-AF65-F5344CB8AC3E}">
-        <p14:creationId xmlns:p14="http://schemas.microsoft.com/office/powerpoint/2010/main" val="1154583719"/>
-      </p:ext>
-    </p:extLst>
-  </p:cSld>
-  <p:clrMapOvr>
-    <a:masterClrMapping/>
-  </p:clrMapOvr>
-</p:sld>
-</file>
-
-<file path=ppt/slides/slide28.xml><?xml version="1.0" encoding="utf-8"?>
-<p:sld xmlns:a="http://schemas.openxmlformats.org/drawingml/2006/main" xmlns:r="http://schemas.openxmlformats.org/officeDocument/2006/relationships" xmlns:p="http://schemas.openxmlformats.org/presentationml/2006/main">
-  <p:cSld>
-    <p:spTree>
-      <p:nvGrpSpPr>
-        <p:cNvPr id="1" name=""/>
-        <p:cNvGrpSpPr/>
-        <p:nvPr/>
-      </p:nvGrpSpPr>
-      <p:grpSpPr>
-        <a:xfrm>
-          <a:off x="0" y="0"/>
-          <a:ext cx="0" cy="0"/>
-          <a:chOff x="0" y="0"/>
-          <a:chExt cx="0" cy="0"/>
-        </a:xfrm>
-      </p:grpSpPr>
-      <p:pic>
-        <p:nvPicPr>
-          <p:cNvPr id="6" name="Imagem 5">
+        <p:txBody>
+          <a:bodyPr rtlCol="0" anchor="ctr"/>
+          <a:lstStyle/>
+          <a:p>
+            <a:pPr algn="ctr"/>
+            <a:endParaRPr lang="pt-BR"/>
+          </a:p>
+        </p:txBody>
+      </p:sp>
+      <p:sp>
+        <p:nvSpPr>
+          <p:cNvPr id="14" name="Right Brace 17">
             <a:extLst>
               <a:ext uri="{FF2B5EF4-FFF2-40B4-BE49-F238E27FC236}">
-                <a16:creationId xmlns:a16="http://schemas.microsoft.com/office/drawing/2014/main" id="{65A8B610-8974-46B7-AA75-74E0853F12E9}"/>
-              </a:ext>
-            </a:extLst>
-          </p:cNvPr>
-          <p:cNvPicPr>
-            <a:picLocks noChangeAspect="1"/>
-          </p:cNvPicPr>
-          <p:nvPr/>
-        </p:nvPicPr>
-        <p:blipFill>
-          <a:blip r:embed="rId2"/>
-          <a:stretch>
-            <a:fillRect/>
-          </a:stretch>
-        </p:blipFill>
-        <p:spPr>
-          <a:xfrm>
-            <a:off x="1610558" y="3429000"/>
-            <a:ext cx="5922883" cy="2894340"/>
-          </a:xfrm>
-          <a:prstGeom prst="rect">
-            <a:avLst/>
-          </a:prstGeom>
-        </p:spPr>
-      </p:pic>
-      <p:sp>
-        <p:nvSpPr>
-          <p:cNvPr id="2" name="Espaço Reservado para Conteúdo 1">
-            <a:extLst>
-              <a:ext uri="{FF2B5EF4-FFF2-40B4-BE49-F238E27FC236}">
-                <a16:creationId xmlns:a16="http://schemas.microsoft.com/office/drawing/2014/main" id="{A74D2220-1C88-4256-AFD4-A05C0AEECD3A}"/>
-              </a:ext>
-            </a:extLst>
-          </p:cNvPr>
-          <p:cNvSpPr>
-            <a:spLocks noGrp="1"/>
-          </p:cNvSpPr>
-          <p:nvPr>
-            <p:ph idx="1"/>
-          </p:nvPr>
-        </p:nvSpPr>
-        <p:spPr/>
-        <p:txBody>
-          <a:bodyPr/>
-          <a:lstStyle/>
-          <a:p>
-            <a:r>
-              <a:rPr lang="pt-BR" dirty="0"/>
-              <a:t>Usado:</a:t>
-            </a:r>
-          </a:p>
-          <a:p>
-            <a:pPr lvl="1"/>
-            <a:r>
-              <a:rPr lang="pt-BR" dirty="0"/>
-              <a:t>Codificação binária para </a:t>
-            </a:r>
-            <a:r>
-              <a:rPr lang="pt-BR" i="1" dirty="0"/>
-              <a:t>x</a:t>
-            </a:r>
-            <a:r>
-              <a:rPr lang="pt-BR" dirty="0"/>
-              <a:t> e </a:t>
-            </a:r>
-            <a:r>
-              <a:rPr lang="pt-BR" i="1" dirty="0"/>
-              <a:t>y </a:t>
-            </a:r>
-            <a:r>
-              <a:rPr lang="pt-BR" dirty="0"/>
-              <a:t>com 15 bits cada</a:t>
-            </a:r>
-          </a:p>
-          <a:p>
-            <a:pPr lvl="1"/>
-            <a:r>
-              <a:rPr lang="pt-BR" dirty="0"/>
-              <a:t>Seleção por roleta viciada, função de avaliação a própria função sendo maximizada</a:t>
-            </a:r>
-          </a:p>
-          <a:p>
-            <a:pPr lvl="1"/>
-            <a:r>
-              <a:rPr lang="pt-BR" dirty="0"/>
-              <a:t>Operadores de crossover de um ponto, dois pontos e mutação</a:t>
-            </a:r>
-          </a:p>
-          <a:p>
-            <a:r>
-              <a:rPr lang="pt-BR" dirty="0"/>
-              <a:t>Função de avaliação: </a:t>
-            </a:r>
-          </a:p>
-        </p:txBody>
-      </p:sp>
-      <p:sp>
-        <p:nvSpPr>
-          <p:cNvPr id="3" name="Título 2">
-            <a:extLst>
-              <a:ext uri="{FF2B5EF4-FFF2-40B4-BE49-F238E27FC236}">
-                <a16:creationId xmlns:a16="http://schemas.microsoft.com/office/drawing/2014/main" id="{327C658E-43AD-490B-AEEF-48416EB06C1F}"/>
-              </a:ext>
-            </a:extLst>
-          </p:cNvPr>
-          <p:cNvSpPr>
-            <a:spLocks noGrp="1"/>
-          </p:cNvSpPr>
-          <p:nvPr>
-            <p:ph type="title"/>
-          </p:nvPr>
-        </p:nvSpPr>
-        <p:spPr/>
-        <p:txBody>
-          <a:bodyPr/>
-          <a:lstStyle/>
-          <a:p>
-            <a:r>
-              <a:rPr lang="pt-BR" dirty="0"/>
-              <a:t>Teste das rotinas básicas</a:t>
-            </a:r>
-          </a:p>
-        </p:txBody>
-      </p:sp>
-      <p:sp>
-        <p:nvSpPr>
-          <p:cNvPr id="4" name="CaixaDeTexto 10">
-            <a:extLst>
-              <a:ext uri="{FF2B5EF4-FFF2-40B4-BE49-F238E27FC236}">
-                <a16:creationId xmlns:a16="http://schemas.microsoft.com/office/drawing/2014/main" id="{533F6D4C-8500-4023-B603-B7C33A756E16}"/>
-              </a:ext>
-            </a:extLst>
-          </p:cNvPr>
-          <p:cNvSpPr txBox="1"/>
-          <p:nvPr/>
-        </p:nvSpPr>
-        <p:spPr>
-          <a:xfrm>
-            <a:off x="692728" y="12620"/>
-            <a:ext cx="2347073" cy="511818"/>
-          </a:xfrm>
-          <a:prstGeom prst="rect">
-            <a:avLst/>
-          </a:prstGeom>
-          <a:noFill/>
-        </p:spPr>
-        <p:txBody>
-          <a:bodyPr wrap="none" lIns="80147" tIns="40074" rIns="80147" bIns="40074">
-            <a:spAutoFit/>
-          </a:bodyPr>
-          <a:lstStyle/>
-          <a:p>
-            <a:pPr algn="l" defTabSz="914239" fontAlgn="auto">
-              <a:spcBef>
-                <a:spcPts val="0"/>
-              </a:spcBef>
-              <a:spcAft>
-                <a:spcPts val="0"/>
-              </a:spcAft>
-              <a:defRPr/>
-            </a:pPr>
-            <a:r>
-              <a:rPr lang="pt-BR" sz="1400" b="1" cap="small" dirty="0">
-                <a:solidFill>
-                  <a:srgbClr val="002060"/>
-                </a:solidFill>
-                <a:latin typeface="+mn-lt"/>
-              </a:rPr>
-              <a:t>3. </a:t>
-            </a:r>
-            <a:r>
-              <a:rPr lang="pt-BR" sz="1400" b="1" cap="small" dirty="0">
-                <a:solidFill>
-                  <a:srgbClr val="002060"/>
-                </a:solidFill>
-              </a:rPr>
-              <a:t>Implementação e Resultados</a:t>
-            </a:r>
-            <a:endParaRPr lang="pt-BR" sz="1400" b="1" cap="small" dirty="0">
-              <a:solidFill>
-                <a:srgbClr val="002060"/>
-              </a:solidFill>
-              <a:latin typeface="+mn-lt"/>
-            </a:endParaRPr>
-          </a:p>
-          <a:p>
-            <a:pPr defTabSz="914239">
-              <a:defRPr/>
-            </a:pPr>
-            <a:r>
-              <a:rPr lang="pt-BR" sz="1400" b="1" cap="small" dirty="0">
-                <a:solidFill>
-                  <a:srgbClr val="002060"/>
-                </a:solidFill>
-              </a:rPr>
-              <a:t>3a. Teste Inicial</a:t>
-            </a:r>
-          </a:p>
-        </p:txBody>
-      </p:sp>
-      <p:pic>
-        <p:nvPicPr>
-          <p:cNvPr id="5" name="Imagem 4">
-            <a:extLst>
-              <a:ext uri="{FF2B5EF4-FFF2-40B4-BE49-F238E27FC236}">
-                <a16:creationId xmlns:a16="http://schemas.microsoft.com/office/drawing/2014/main" id="{685642F0-953C-4AD0-98DB-6351F5B5B992}"/>
-              </a:ext>
-            </a:extLst>
-          </p:cNvPr>
-          <p:cNvPicPr>
-            <a:picLocks noChangeAspect="1"/>
-          </p:cNvPicPr>
-          <p:nvPr/>
-        </p:nvPicPr>
-        <p:blipFill>
-          <a:blip r:embed="rId3"/>
-          <a:stretch>
-            <a:fillRect/>
-          </a:stretch>
-        </p:blipFill>
-        <p:spPr>
-          <a:xfrm>
-            <a:off x="3105594" y="2877323"/>
-            <a:ext cx="2932811" cy="680258"/>
-          </a:xfrm>
-          <a:prstGeom prst="rect">
-            <a:avLst/>
-          </a:prstGeom>
-        </p:spPr>
-      </p:pic>
-    </p:spTree>
-    <p:extLst>
-      <p:ext uri="{BB962C8B-B14F-4D97-AF65-F5344CB8AC3E}">
-        <p14:creationId xmlns:p14="http://schemas.microsoft.com/office/powerpoint/2010/main" val="2523525052"/>
-      </p:ext>
-    </p:extLst>
-  </p:cSld>
-  <p:clrMapOvr>
-    <a:masterClrMapping/>
-  </p:clrMapOvr>
-</p:sld>
-</file>
-
-<file path=ppt/slides/slide29.xml><?xml version="1.0" encoding="utf-8"?>
-<p:sld xmlns:a="http://schemas.openxmlformats.org/drawingml/2006/main" xmlns:r="http://schemas.openxmlformats.org/officeDocument/2006/relationships" xmlns:p="http://schemas.openxmlformats.org/presentationml/2006/main">
-  <p:cSld>
-    <p:spTree>
-      <p:nvGrpSpPr>
-        <p:cNvPr id="1" name=""/>
-        <p:cNvGrpSpPr/>
-        <p:nvPr/>
-      </p:nvGrpSpPr>
-      <p:grpSpPr>
-        <a:xfrm>
-          <a:off x="0" y="0"/>
-          <a:ext cx="0" cy="0"/>
-          <a:chOff x="0" y="0"/>
-          <a:chExt cx="0" cy="0"/>
-        </a:xfrm>
-      </p:grpSpPr>
-      <p:sp>
-        <p:nvSpPr>
-          <p:cNvPr id="7" name="Rectangle 6">
-            <a:extLst>
-              <a:ext uri="{FF2B5EF4-FFF2-40B4-BE49-F238E27FC236}">
-                <a16:creationId xmlns:a16="http://schemas.microsoft.com/office/drawing/2014/main" id="{F4485777-5E9F-461C-B18F-636C0C977DFD}"/>
+                <a16:creationId xmlns:a16="http://schemas.microsoft.com/office/drawing/2014/main" id="{2FFF2A74-84CC-4481-A48B-F866D2F0B953}"/>
               </a:ext>
             </a:extLst>
           </p:cNvPr>
@@ -14716,376 +15596,11 @@
           <p:nvPr/>
         </p:nvSpPr>
         <p:spPr>
-          <a:xfrm>
-            <a:off x="246062" y="5026949"/>
-            <a:ext cx="8576057" cy="569887"/>
+          <a:xfrm rot="5400000">
+            <a:off x="5651042" y="1819252"/>
+            <a:ext cx="248484" cy="1963223"/>
           </a:xfrm>
-          <a:prstGeom prst="rect">
-            <a:avLst/>
-          </a:prstGeom>
-          <a:solidFill>
-            <a:schemeClr val="bg1">
-              <a:lumMod val="85000"/>
-            </a:schemeClr>
-          </a:solidFill>
-          <a:ln>
-            <a:noFill/>
-          </a:ln>
-        </p:spPr>
-        <p:style>
-          <a:lnRef idx="2">
-            <a:schemeClr val="accent1">
-              <a:shade val="50000"/>
-            </a:schemeClr>
-          </a:lnRef>
-          <a:fillRef idx="1">
-            <a:schemeClr val="accent1"/>
-          </a:fillRef>
-          <a:effectRef idx="0">
-            <a:schemeClr val="accent1"/>
-          </a:effectRef>
-          <a:fontRef idx="minor">
-            <a:schemeClr val="lt1"/>
-          </a:fontRef>
-        </p:style>
-        <p:txBody>
-          <a:bodyPr rtlCol="0" anchor="ctr"/>
-          <a:lstStyle/>
-          <a:p>
-            <a:pPr marL="0" marR="0" lvl="0" indent="0" algn="ctr" defTabSz="914400" rtl="0" eaLnBrk="1" fontAlgn="auto" latinLnBrk="0" hangingPunct="1">
-              <a:lnSpc>
-                <a:spcPct val="100000"/>
-              </a:lnSpc>
-              <a:spcBef>
-                <a:spcPts val="0"/>
-              </a:spcBef>
-              <a:spcAft>
-                <a:spcPts val="0"/>
-              </a:spcAft>
-              <a:buClrTx/>
-              <a:buSzTx/>
-              <a:buFontTx/>
-              <a:buNone/>
-              <a:tabLst/>
-              <a:defRPr/>
-            </a:pPr>
-            <a:endParaRPr kumimoji="0" lang="en-US" sz="1800" b="0" i="0" u="none" strike="noStrike" kern="1200" cap="none" spc="0" normalizeH="0" baseline="0" noProof="0">
-              <a:ln>
-                <a:noFill/>
-              </a:ln>
-              <a:solidFill>
-                <a:prstClr val="white"/>
-              </a:solidFill>
-              <a:effectLst/>
-              <a:uLnTx/>
-              <a:uFillTx/>
-              <a:latin typeface="Calibri"/>
-              <a:ea typeface="+mn-ea"/>
-              <a:cs typeface="+mn-cs"/>
-            </a:endParaRPr>
-          </a:p>
-        </p:txBody>
-      </p:sp>
-      <p:sp>
-        <p:nvSpPr>
-          <p:cNvPr id="5" name="Rectangle 3">
-            <a:extLst>
-              <a:ext uri="{FF2B5EF4-FFF2-40B4-BE49-F238E27FC236}">
-                <a16:creationId xmlns:a16="http://schemas.microsoft.com/office/drawing/2014/main" id="{E4C27882-E319-405B-A0FC-24C99A3B60B5}"/>
-              </a:ext>
-            </a:extLst>
-          </p:cNvPr>
-          <p:cNvSpPr txBox="1">
-            <a:spLocks noChangeArrowheads="1"/>
-          </p:cNvSpPr>
-          <p:nvPr/>
-        </p:nvSpPr>
-        <p:spPr>
-          <a:xfrm>
-            <a:off x="246062" y="1269706"/>
-            <a:ext cx="8371465" cy="4493785"/>
-          </a:xfrm>
-          <a:prstGeom prst="rect">
-            <a:avLst/>
-          </a:prstGeom>
-          <a:noFill/>
-        </p:spPr>
-        <p:txBody>
-          <a:bodyPr lIns="128318" tIns="64159" rIns="128318" bIns="64159"/>
-          <a:lstStyle/>
-          <a:p>
-            <a:pPr marL="342900" lvl="0" indent="-342900" algn="just" defTabSz="1280950" eaLnBrk="0" hangingPunct="0">
-              <a:lnSpc>
-                <a:spcPct val="150000"/>
-              </a:lnSpc>
-              <a:spcBef>
-                <a:spcPct val="20000"/>
-              </a:spcBef>
-              <a:buFont typeface="+mj-lt"/>
-              <a:buAutoNum type="arabicPeriod"/>
-              <a:defRPr/>
-            </a:pPr>
-            <a:r>
-              <a:rPr lang="pt-BR" sz="2800" kern="0" dirty="0">
-                <a:solidFill>
-                  <a:srgbClr val="002060"/>
-                </a:solidFill>
-                <a:latin typeface="Calibri" pitchFamily="34" charset="0"/>
-              </a:rPr>
-              <a:t>Introdução</a:t>
-            </a:r>
-          </a:p>
-          <a:p>
-            <a:pPr marL="342900" lvl="0" indent="-342900" algn="just" defTabSz="1280950" eaLnBrk="0" hangingPunct="0">
-              <a:lnSpc>
-                <a:spcPct val="150000"/>
-              </a:lnSpc>
-              <a:spcBef>
-                <a:spcPct val="20000"/>
-              </a:spcBef>
-              <a:buFont typeface="+mj-lt"/>
-              <a:buAutoNum type="arabicPeriod"/>
-              <a:defRPr/>
-            </a:pPr>
-            <a:r>
-              <a:rPr lang="pt-BR" sz="2800" kern="0" dirty="0">
-                <a:solidFill>
-                  <a:srgbClr val="002060"/>
-                </a:solidFill>
-                <a:latin typeface="Calibri" pitchFamily="34" charset="0"/>
-              </a:rPr>
-              <a:t>Algoritmos Genéticos</a:t>
-            </a:r>
-          </a:p>
-          <a:p>
-            <a:pPr marL="342900" lvl="0" indent="-342900" algn="just" defTabSz="1280950" eaLnBrk="0" hangingPunct="0">
-              <a:lnSpc>
-                <a:spcPct val="150000"/>
-              </a:lnSpc>
-              <a:spcBef>
-                <a:spcPct val="20000"/>
-              </a:spcBef>
-              <a:buFont typeface="+mj-lt"/>
-              <a:buAutoNum type="arabicPeriod"/>
-              <a:defRPr/>
-            </a:pPr>
-            <a:r>
-              <a:rPr lang="pt-BR" sz="2800" kern="0" dirty="0">
-                <a:solidFill>
-                  <a:srgbClr val="002060"/>
-                </a:solidFill>
-                <a:latin typeface="Calibri" pitchFamily="34" charset="0"/>
-              </a:rPr>
-              <a:t>Implementação do Algoritmo e Resultados</a:t>
-            </a:r>
-          </a:p>
-          <a:p>
-            <a:pPr marL="800100" lvl="1" indent="-342900" algn="just" defTabSz="1280950" eaLnBrk="0" hangingPunct="0">
-              <a:lnSpc>
-                <a:spcPct val="150000"/>
-              </a:lnSpc>
-              <a:spcBef>
-                <a:spcPct val="20000"/>
-              </a:spcBef>
-              <a:buFont typeface="+mj-lt"/>
-              <a:buAutoNum type="alphaLcPeriod"/>
-              <a:defRPr/>
-            </a:pPr>
-            <a:r>
-              <a:rPr lang="pt-BR" sz="2800" kern="0" dirty="0">
-                <a:solidFill>
-                  <a:srgbClr val="002060"/>
-                </a:solidFill>
-                <a:latin typeface="Calibri" pitchFamily="34" charset="0"/>
-              </a:rPr>
-              <a:t>Teste inicial</a:t>
-            </a:r>
-          </a:p>
-          <a:p>
-            <a:pPr marL="800100" lvl="1" indent="-342900" algn="just" defTabSz="1280950" eaLnBrk="0" hangingPunct="0">
-              <a:lnSpc>
-                <a:spcPct val="150000"/>
-              </a:lnSpc>
-              <a:spcBef>
-                <a:spcPct val="20000"/>
-              </a:spcBef>
-              <a:buFont typeface="+mj-lt"/>
-              <a:buAutoNum type="alphaLcPeriod"/>
-              <a:defRPr/>
-            </a:pPr>
-            <a:r>
-              <a:rPr lang="pt-BR" sz="2800" kern="0" dirty="0">
-                <a:solidFill>
-                  <a:srgbClr val="002060"/>
-                </a:solidFill>
-                <a:latin typeface="Calibri" pitchFamily="34" charset="0"/>
-              </a:rPr>
-              <a:t>Modelo de </a:t>
-            </a:r>
-            <a:r>
-              <a:rPr lang="pt-BR" sz="2800" kern="0" dirty="0" err="1">
-                <a:solidFill>
-                  <a:srgbClr val="002060"/>
-                </a:solidFill>
-                <a:latin typeface="Calibri" pitchFamily="34" charset="0"/>
-              </a:rPr>
-              <a:t>Ising</a:t>
-            </a:r>
-            <a:endParaRPr lang="pt-BR" sz="2800" kern="0" dirty="0">
-              <a:solidFill>
-                <a:srgbClr val="002060"/>
-              </a:solidFill>
-              <a:latin typeface="Calibri" pitchFamily="34" charset="0"/>
-            </a:endParaRPr>
-          </a:p>
-          <a:p>
-            <a:pPr marL="342900" lvl="0" indent="-342900" algn="just" defTabSz="1280950" eaLnBrk="0" hangingPunct="0">
-              <a:lnSpc>
-                <a:spcPct val="150000"/>
-              </a:lnSpc>
-              <a:spcBef>
-                <a:spcPct val="20000"/>
-              </a:spcBef>
-              <a:buFont typeface="+mj-lt"/>
-              <a:buAutoNum type="arabicPeriod"/>
-              <a:defRPr/>
-            </a:pPr>
-            <a:r>
-              <a:rPr lang="pt-BR" sz="2800" kern="0" dirty="0">
-                <a:solidFill>
-                  <a:srgbClr val="002060"/>
-                </a:solidFill>
-                <a:latin typeface="Calibri" pitchFamily="34" charset="0"/>
-              </a:rPr>
-              <a:t>Conclusões</a:t>
-            </a:r>
-          </a:p>
-          <a:p>
-            <a:pPr marL="0" marR="0" lvl="0" indent="0" algn="just" defTabSz="1280950" rtl="0" eaLnBrk="0" fontAlgn="auto" latinLnBrk="0" hangingPunct="0">
-              <a:lnSpc>
-                <a:spcPct val="150000"/>
-              </a:lnSpc>
-              <a:spcBef>
-                <a:spcPct val="20000"/>
-              </a:spcBef>
-              <a:spcAft>
-                <a:spcPts val="0"/>
-              </a:spcAft>
-              <a:buClrTx/>
-              <a:buSzTx/>
-              <a:buFontTx/>
-              <a:buNone/>
-              <a:tabLst/>
-              <a:defRPr/>
-            </a:pPr>
-            <a:endParaRPr kumimoji="0" lang="pt-BR" sz="2800" b="0" i="0" u="none" strike="noStrike" kern="0" cap="none" spc="0" normalizeH="0" baseline="0" noProof="0" dirty="0">
-              <a:ln>
-                <a:noFill/>
-              </a:ln>
-              <a:solidFill>
-                <a:srgbClr val="002060"/>
-              </a:solidFill>
-              <a:effectLst/>
-              <a:uLnTx/>
-              <a:uFillTx/>
-              <a:latin typeface="Calibri" pitchFamily="34" charset="0"/>
-              <a:ea typeface="+mn-ea"/>
-              <a:cs typeface="+mn-cs"/>
-            </a:endParaRPr>
-          </a:p>
-        </p:txBody>
-      </p:sp>
-      <p:sp>
-        <p:nvSpPr>
-          <p:cNvPr id="9" name="CaixaDeTexto 10"/>
-          <p:cNvSpPr txBox="1"/>
-          <p:nvPr/>
-        </p:nvSpPr>
-        <p:spPr>
-          <a:xfrm>
-            <a:off x="729671" y="196850"/>
-            <a:ext cx="1723184" cy="634929"/>
-          </a:xfrm>
-          <a:prstGeom prst="rect">
-            <a:avLst/>
-          </a:prstGeom>
-          <a:noFill/>
-        </p:spPr>
-        <p:txBody>
-          <a:bodyPr wrap="none" lIns="80147" tIns="40074" rIns="80147" bIns="40074">
-            <a:spAutoFit/>
-          </a:bodyPr>
-          <a:lstStyle/>
-          <a:p>
-            <a:pPr marL="0" marR="0" lvl="0" indent="0" algn="l" defTabSz="914239" rtl="0" eaLnBrk="1" fontAlgn="auto" latinLnBrk="0" hangingPunct="1">
-              <a:lnSpc>
-                <a:spcPct val="100000"/>
-              </a:lnSpc>
-              <a:spcBef>
-                <a:spcPts val="0"/>
-              </a:spcBef>
-              <a:spcAft>
-                <a:spcPts val="0"/>
-              </a:spcAft>
-              <a:buClrTx/>
-              <a:buSzTx/>
-              <a:buFontTx/>
-              <a:buNone/>
-              <a:tabLst/>
-              <a:defRPr/>
-            </a:pPr>
-            <a:r>
-              <a:rPr kumimoji="0" lang="pt-BR" sz="3600" b="1" i="0" u="none" strike="noStrike" kern="1200" cap="small" spc="0" normalizeH="0" baseline="0" noProof="0" dirty="0">
-                <a:ln>
-                  <a:noFill/>
-                </a:ln>
-                <a:solidFill>
-                  <a:srgbClr val="1F497D"/>
-                </a:solidFill>
-                <a:effectLst/>
-                <a:uLnTx/>
-                <a:uFillTx/>
-                <a:latin typeface="Calibri"/>
-                <a:ea typeface="+mn-ea"/>
-                <a:cs typeface="+mn-cs"/>
-              </a:rPr>
-              <a:t>Sumário</a:t>
-            </a:r>
-            <a:endParaRPr kumimoji="0" lang="pt-BR" sz="2000" b="1" i="0" u="none" strike="noStrike" kern="1200" cap="small" spc="0" normalizeH="0" baseline="0" noProof="0" dirty="0">
-              <a:ln>
-                <a:noFill/>
-              </a:ln>
-              <a:solidFill>
-                <a:srgbClr val="1F497D"/>
-              </a:solidFill>
-              <a:effectLst/>
-              <a:uLnTx/>
-              <a:uFillTx/>
-              <a:latin typeface="Calibri"/>
-              <a:ea typeface="+mn-ea"/>
-              <a:cs typeface="+mn-cs"/>
-            </a:endParaRPr>
-          </a:p>
-        </p:txBody>
-      </p:sp>
-      <p:cxnSp>
-        <p:nvCxnSpPr>
-          <p:cNvPr id="10" name="Straight Connector 9">
-            <a:extLst>
-              <a:ext uri="{FF2B5EF4-FFF2-40B4-BE49-F238E27FC236}">
-                <a16:creationId xmlns:a16="http://schemas.microsoft.com/office/drawing/2014/main" id="{BD159951-B7A6-4EE6-8042-1ED559FABC01}"/>
-              </a:ext>
-            </a:extLst>
-          </p:cNvPr>
-          <p:cNvCxnSpPr/>
-          <p:nvPr/>
-        </p:nvCxnSpPr>
-        <p:spPr>
-          <a:xfrm>
-            <a:off x="320039" y="959139"/>
-            <a:ext cx="8503920" cy="0"/>
-          </a:xfrm>
-          <a:prstGeom prst="line">
+          <a:prstGeom prst="rightBrace">
             <a:avLst/>
           </a:prstGeom>
         </p:spPr>
@@ -15103,11 +15618,220 @@
             <a:schemeClr val="tx1"/>
           </a:fontRef>
         </p:style>
-      </p:cxnSp>
+        <p:txBody>
+          <a:bodyPr rtlCol="0" anchor="ctr"/>
+          <a:lstStyle/>
+          <a:p>
+            <a:pPr algn="ctr"/>
+            <a:endParaRPr lang="pt-BR"/>
+          </a:p>
+        </p:txBody>
+      </p:sp>
+      <p:sp>
+        <p:nvSpPr>
+          <p:cNvPr id="15" name="Right Brace 17">
+            <a:extLst>
+              <a:ext uri="{FF2B5EF4-FFF2-40B4-BE49-F238E27FC236}">
+                <a16:creationId xmlns:a16="http://schemas.microsoft.com/office/drawing/2014/main" id="{EF2E0F38-FD78-4BA6-B473-A6AE092E4739}"/>
+              </a:ext>
+            </a:extLst>
+          </p:cNvPr>
+          <p:cNvSpPr/>
+          <p:nvPr/>
+        </p:nvSpPr>
+        <p:spPr>
+          <a:xfrm rot="5400000">
+            <a:off x="7545027" y="1888492"/>
+            <a:ext cx="256660" cy="1832922"/>
+          </a:xfrm>
+          <a:prstGeom prst="rightBrace">
+            <a:avLst/>
+          </a:prstGeom>
+        </p:spPr>
+        <p:style>
+          <a:lnRef idx="1">
+            <a:schemeClr val="accent1"/>
+          </a:lnRef>
+          <a:fillRef idx="0">
+            <a:schemeClr val="accent1"/>
+          </a:fillRef>
+          <a:effectRef idx="0">
+            <a:schemeClr val="accent1"/>
+          </a:effectRef>
+          <a:fontRef idx="minor">
+            <a:schemeClr val="tx1"/>
+          </a:fontRef>
+        </p:style>
+        <p:txBody>
+          <a:bodyPr rtlCol="0" anchor="ctr"/>
+          <a:lstStyle/>
+          <a:p>
+            <a:pPr algn="ctr"/>
+            <a:endParaRPr lang="pt-BR"/>
+          </a:p>
+        </p:txBody>
+      </p:sp>
+      <p:sp>
+        <p:nvSpPr>
+          <p:cNvPr id="16" name="CaixaDeTexto 15">
+            <a:extLst>
+              <a:ext uri="{FF2B5EF4-FFF2-40B4-BE49-F238E27FC236}">
+                <a16:creationId xmlns:a16="http://schemas.microsoft.com/office/drawing/2014/main" id="{41991BD3-1C95-4A91-BC07-FEC5337EB669}"/>
+              </a:ext>
+            </a:extLst>
+          </p:cNvPr>
+          <p:cNvSpPr txBox="1"/>
+          <p:nvPr/>
+        </p:nvSpPr>
+        <p:spPr>
+          <a:xfrm>
+            <a:off x="3360815" y="2945830"/>
+            <a:ext cx="902491" cy="369332"/>
+          </a:xfrm>
+          <a:prstGeom prst="rect">
+            <a:avLst/>
+          </a:prstGeom>
+          <a:noFill/>
+        </p:spPr>
+        <p:txBody>
+          <a:bodyPr wrap="none" rtlCol="0">
+            <a:spAutoFit/>
+          </a:bodyPr>
+          <a:lstStyle/>
+          <a:p>
+            <a:r>
+              <a:rPr lang="pt-BR" dirty="0">
+                <a:solidFill>
+                  <a:srgbClr val="002060"/>
+                </a:solidFill>
+              </a:rPr>
+              <a:t>Seleção</a:t>
+            </a:r>
+          </a:p>
+        </p:txBody>
+      </p:sp>
+      <p:sp>
+        <p:nvSpPr>
+          <p:cNvPr id="17" name="CaixaDeTexto 16">
+            <a:extLst>
+              <a:ext uri="{FF2B5EF4-FFF2-40B4-BE49-F238E27FC236}">
+                <a16:creationId xmlns:a16="http://schemas.microsoft.com/office/drawing/2014/main" id="{1400B074-6F67-41F4-A133-CE0CED7E9529}"/>
+              </a:ext>
+            </a:extLst>
+          </p:cNvPr>
+          <p:cNvSpPr txBox="1"/>
+          <p:nvPr/>
+        </p:nvSpPr>
+        <p:spPr>
+          <a:xfrm>
+            <a:off x="5089456" y="2962964"/>
+            <a:ext cx="1519968" cy="923330"/>
+          </a:xfrm>
+          <a:prstGeom prst="rect">
+            <a:avLst/>
+          </a:prstGeom>
+          <a:noFill/>
+        </p:spPr>
+        <p:txBody>
+          <a:bodyPr wrap="none" rtlCol="0">
+            <a:spAutoFit/>
+          </a:bodyPr>
+          <a:lstStyle/>
+          <a:p>
+            <a:r>
+              <a:rPr lang="pt-BR" dirty="0">
+                <a:solidFill>
+                  <a:srgbClr val="002060"/>
+                </a:solidFill>
+              </a:rPr>
+              <a:t>Probabilidade</a:t>
+            </a:r>
+          </a:p>
+          <a:p>
+            <a:r>
+              <a:rPr lang="pt-BR" dirty="0">
+                <a:solidFill>
+                  <a:srgbClr val="002060"/>
+                </a:solidFill>
+              </a:rPr>
+              <a:t>sobrevivência </a:t>
+            </a:r>
+          </a:p>
+          <a:p>
+            <a:r>
+              <a:rPr lang="pt-BR" dirty="0">
+                <a:solidFill>
+                  <a:srgbClr val="002060"/>
+                </a:solidFill>
+              </a:rPr>
+              <a:t>crossover</a:t>
+            </a:r>
+          </a:p>
+        </p:txBody>
+      </p:sp>
+      <p:sp>
+        <p:nvSpPr>
+          <p:cNvPr id="18" name="CaixaDeTexto 17">
+            <a:extLst>
+              <a:ext uri="{FF2B5EF4-FFF2-40B4-BE49-F238E27FC236}">
+                <a16:creationId xmlns:a16="http://schemas.microsoft.com/office/drawing/2014/main" id="{A8D5ED12-FA45-4863-8846-C6ECEDF229E4}"/>
+              </a:ext>
+            </a:extLst>
+          </p:cNvPr>
+          <p:cNvSpPr txBox="1"/>
+          <p:nvPr/>
+        </p:nvSpPr>
+        <p:spPr>
+          <a:xfrm>
+            <a:off x="6913373" y="3012547"/>
+            <a:ext cx="1519968" cy="923330"/>
+          </a:xfrm>
+          <a:prstGeom prst="rect">
+            <a:avLst/>
+          </a:prstGeom>
+          <a:noFill/>
+        </p:spPr>
+        <p:txBody>
+          <a:bodyPr wrap="none" rtlCol="0">
+            <a:spAutoFit/>
+          </a:bodyPr>
+          <a:lstStyle/>
+          <a:p>
+            <a:r>
+              <a:rPr lang="pt-BR" dirty="0">
+                <a:solidFill>
+                  <a:srgbClr val="002060"/>
+                </a:solidFill>
+              </a:rPr>
+              <a:t>Probabilidade</a:t>
+            </a:r>
+          </a:p>
+          <a:p>
+            <a:r>
+              <a:rPr lang="pt-BR" dirty="0">
+                <a:solidFill>
+                  <a:srgbClr val="002060"/>
+                </a:solidFill>
+              </a:rPr>
+              <a:t>sobrevivência </a:t>
+            </a:r>
+          </a:p>
+          <a:p>
+            <a:r>
+              <a:rPr lang="pt-BR" dirty="0">
+                <a:solidFill>
+                  <a:srgbClr val="002060"/>
+                </a:solidFill>
+              </a:rPr>
+              <a:t>mutação</a:t>
+            </a:r>
+          </a:p>
+        </p:txBody>
+      </p:sp>
     </p:spTree>
     <p:extLst>
       <p:ext uri="{BB962C8B-B14F-4D97-AF65-F5344CB8AC3E}">
-        <p14:creationId xmlns:p14="http://schemas.microsoft.com/office/powerpoint/2010/main" val="3319073409"/>
+        <p14:creationId xmlns:p14="http://schemas.microsoft.com/office/powerpoint/2010/main" val="1695096114"/>
       </p:ext>
     </p:extLst>
   </p:cSld>
@@ -15567,6 +16291,1469 @@
 </file>
 
 <file path=ppt/slides/slide30.xml><?xml version="1.0" encoding="utf-8"?>
+<p:sld xmlns:a="http://schemas.openxmlformats.org/drawingml/2006/main" xmlns:r="http://schemas.openxmlformats.org/officeDocument/2006/relationships" xmlns:p="http://schemas.openxmlformats.org/presentationml/2006/main">
+  <p:cSld>
+    <p:spTree>
+      <p:nvGrpSpPr>
+        <p:cNvPr id="1" name=""/>
+        <p:cNvGrpSpPr/>
+        <p:nvPr/>
+      </p:nvGrpSpPr>
+      <p:grpSpPr>
+        <a:xfrm>
+          <a:off x="0" y="0"/>
+          <a:ext cx="0" cy="0"/>
+          <a:chOff x="0" y="0"/>
+          <a:chExt cx="0" cy="0"/>
+        </a:xfrm>
+      </p:grpSpPr>
+      <p:sp>
+        <p:nvSpPr>
+          <p:cNvPr id="2" name="Espaço Reservado para Conteúdo 1">
+            <a:extLst>
+              <a:ext uri="{FF2B5EF4-FFF2-40B4-BE49-F238E27FC236}">
+                <a16:creationId xmlns:a16="http://schemas.microsoft.com/office/drawing/2014/main" id="{FAC09F7B-97C5-4444-92CB-DC0F2DB157B2}"/>
+              </a:ext>
+            </a:extLst>
+          </p:cNvPr>
+          <p:cNvSpPr>
+            <a:spLocks noGrp="1"/>
+          </p:cNvSpPr>
+          <p:nvPr>
+            <p:ph idx="1"/>
+          </p:nvPr>
+        </p:nvSpPr>
+        <p:spPr>
+          <a:xfrm>
+            <a:off x="800099" y="1320082"/>
+            <a:ext cx="7543801" cy="3288864"/>
+          </a:xfrm>
+        </p:spPr>
+        <p:txBody>
+          <a:bodyPr/>
+          <a:lstStyle/>
+          <a:p>
+            <a:r>
+              <a:rPr lang="pt-BR" dirty="0" err="1"/>
+              <a:t>Holland</a:t>
+            </a:r>
+            <a:r>
+              <a:rPr lang="pt-BR" dirty="0"/>
+              <a:t> afirma que a cada população de </a:t>
+            </a:r>
+            <a:r>
+              <a:rPr lang="pt-BR" i="1" dirty="0"/>
+              <a:t>n</a:t>
+            </a:r>
+            <a:r>
+              <a:rPr lang="pt-BR" dirty="0"/>
+              <a:t> cromossomos, intrinsicamente estão sendo avaliados uma quantidade bem maior de esquemas</a:t>
+            </a:r>
+          </a:p>
+          <a:p>
+            <a:r>
+              <a:rPr lang="pt-BR" dirty="0"/>
+              <a:t>Sequência binária de comprimento </a:t>
+            </a:r>
+            <a:r>
+              <a:rPr lang="pt-BR" i="1" dirty="0"/>
+              <a:t>l</a:t>
+            </a:r>
+            <a:r>
+              <a:rPr lang="pt-BR" dirty="0"/>
+              <a:t> é instância de      esquemas</a:t>
+            </a:r>
+          </a:p>
+          <a:p>
+            <a:r>
+              <a:rPr lang="pt-BR" dirty="0"/>
+              <a:t>10 é instância de ** , *0 , 1* e 10</a:t>
+            </a:r>
+          </a:p>
+          <a:p>
+            <a:endParaRPr lang="pt-BR" dirty="0"/>
+          </a:p>
+          <a:p>
+            <a:r>
+              <a:rPr lang="pt-BR" dirty="0"/>
+              <a:t>Quantidade de esquemas em determinada população é valor entre:</a:t>
+            </a:r>
+          </a:p>
+          <a:p>
+            <a:endParaRPr lang="pt-BR" dirty="0"/>
+          </a:p>
+          <a:p>
+            <a:endParaRPr lang="pt-BR" dirty="0"/>
+          </a:p>
+          <a:p>
+            <a:endParaRPr lang="pt-BR" dirty="0"/>
+          </a:p>
+        </p:txBody>
+      </p:sp>
+      <p:sp>
+        <p:nvSpPr>
+          <p:cNvPr id="3" name="Título 2">
+            <a:extLst>
+              <a:ext uri="{FF2B5EF4-FFF2-40B4-BE49-F238E27FC236}">
+                <a16:creationId xmlns:a16="http://schemas.microsoft.com/office/drawing/2014/main" id="{863E807C-7CF3-49A1-92EC-4BEDA4309D77}"/>
+              </a:ext>
+            </a:extLst>
+          </p:cNvPr>
+          <p:cNvSpPr>
+            <a:spLocks noGrp="1"/>
+          </p:cNvSpPr>
+          <p:nvPr>
+            <p:ph type="title"/>
+          </p:nvPr>
+        </p:nvSpPr>
+        <p:spPr/>
+        <p:txBody>
+          <a:bodyPr/>
+          <a:lstStyle/>
+          <a:p>
+            <a:r>
+              <a:rPr lang="pt-BR" dirty="0"/>
+              <a:t>Paralelismo implícito</a:t>
+            </a:r>
+          </a:p>
+        </p:txBody>
+      </p:sp>
+      <p:sp>
+        <p:nvSpPr>
+          <p:cNvPr id="4" name="CaixaDeTexto 10">
+            <a:extLst>
+              <a:ext uri="{FF2B5EF4-FFF2-40B4-BE49-F238E27FC236}">
+                <a16:creationId xmlns:a16="http://schemas.microsoft.com/office/drawing/2014/main" id="{17CE73E6-6FFB-491D-8002-C25681A8C008}"/>
+              </a:ext>
+            </a:extLst>
+          </p:cNvPr>
+          <p:cNvSpPr txBox="1"/>
+          <p:nvPr/>
+        </p:nvSpPr>
+        <p:spPr>
+          <a:xfrm>
+            <a:off x="692728" y="12620"/>
+            <a:ext cx="2137721" cy="511818"/>
+          </a:xfrm>
+          <a:prstGeom prst="rect">
+            <a:avLst/>
+          </a:prstGeom>
+          <a:noFill/>
+        </p:spPr>
+        <p:txBody>
+          <a:bodyPr wrap="none" lIns="80147" tIns="40074" rIns="80147" bIns="40074">
+            <a:spAutoFit/>
+          </a:bodyPr>
+          <a:lstStyle/>
+          <a:p>
+            <a:pPr algn="l" defTabSz="914239" fontAlgn="auto">
+              <a:spcBef>
+                <a:spcPts val="0"/>
+              </a:spcBef>
+              <a:spcAft>
+                <a:spcPts val="0"/>
+              </a:spcAft>
+              <a:defRPr/>
+            </a:pPr>
+            <a:r>
+              <a:rPr lang="pt-BR" sz="1400" b="1" cap="small" dirty="0">
+                <a:solidFill>
+                  <a:srgbClr val="002060"/>
+                </a:solidFill>
+              </a:rPr>
+              <a:t>2</a:t>
+            </a:r>
+            <a:r>
+              <a:rPr lang="pt-BR" sz="1400" b="1" cap="small" dirty="0">
+                <a:solidFill>
+                  <a:srgbClr val="002060"/>
+                </a:solidFill>
+                <a:latin typeface="+mn-lt"/>
+              </a:rPr>
+              <a:t>. </a:t>
+            </a:r>
+            <a:r>
+              <a:rPr lang="pt-BR" sz="1400" b="1" cap="small" dirty="0">
+                <a:solidFill>
+                  <a:srgbClr val="002060"/>
+                </a:solidFill>
+              </a:rPr>
+              <a:t>Algoritmo Genético - GA</a:t>
+            </a:r>
+            <a:endParaRPr lang="pt-BR" sz="1400" b="1" cap="small" dirty="0">
+              <a:solidFill>
+                <a:srgbClr val="002060"/>
+              </a:solidFill>
+              <a:latin typeface="+mn-lt"/>
+            </a:endParaRPr>
+          </a:p>
+          <a:p>
+            <a:pPr defTabSz="914239">
+              <a:defRPr/>
+            </a:pPr>
+            <a:r>
+              <a:rPr lang="pt-BR" sz="1400" b="1" cap="small" dirty="0">
+                <a:solidFill>
+                  <a:srgbClr val="002060"/>
+                </a:solidFill>
+              </a:rPr>
+              <a:t>2d. Fundamentos Teóricos</a:t>
+            </a:r>
+          </a:p>
+        </p:txBody>
+      </p:sp>
+      <p:pic>
+        <p:nvPicPr>
+          <p:cNvPr id="5" name="Imagem 4">
+            <a:extLst>
+              <a:ext uri="{FF2B5EF4-FFF2-40B4-BE49-F238E27FC236}">
+                <a16:creationId xmlns:a16="http://schemas.microsoft.com/office/drawing/2014/main" id="{46487578-A255-4714-B119-351E0FDB5BE0}"/>
+              </a:ext>
+            </a:extLst>
+          </p:cNvPr>
+          <p:cNvPicPr>
+            <a:picLocks noChangeAspect="1"/>
+          </p:cNvPicPr>
+          <p:nvPr/>
+        </p:nvPicPr>
+        <p:blipFill>
+          <a:blip r:embed="rId2"/>
+          <a:stretch>
+            <a:fillRect/>
+          </a:stretch>
+        </p:blipFill>
+        <p:spPr>
+          <a:xfrm>
+            <a:off x="6151176" y="2300763"/>
+            <a:ext cx="259102" cy="335309"/>
+          </a:xfrm>
+          <a:prstGeom prst="rect">
+            <a:avLst/>
+          </a:prstGeom>
+        </p:spPr>
+      </p:pic>
+      <p:grpSp>
+        <p:nvGrpSpPr>
+          <p:cNvPr id="8" name="Agrupar 7">
+            <a:extLst>
+              <a:ext uri="{FF2B5EF4-FFF2-40B4-BE49-F238E27FC236}">
+                <a16:creationId xmlns:a16="http://schemas.microsoft.com/office/drawing/2014/main" id="{0284728D-7CD8-4A3B-9D02-52416761695B}"/>
+              </a:ext>
+            </a:extLst>
+          </p:cNvPr>
+          <p:cNvGrpSpPr/>
+          <p:nvPr/>
+        </p:nvGrpSpPr>
+        <p:grpSpPr>
+          <a:xfrm>
+            <a:off x="3514314" y="4550888"/>
+            <a:ext cx="2115370" cy="816757"/>
+            <a:chOff x="3638885" y="4371893"/>
+            <a:chExt cx="2115370" cy="816757"/>
+          </a:xfrm>
+        </p:grpSpPr>
+        <p:pic>
+          <p:nvPicPr>
+            <p:cNvPr id="7" name="Imagem 6">
+              <a:extLst>
+                <a:ext uri="{FF2B5EF4-FFF2-40B4-BE49-F238E27FC236}">
+                  <a16:creationId xmlns:a16="http://schemas.microsoft.com/office/drawing/2014/main" id="{DF754586-85C3-4B27-85AA-FB7103C13B48}"/>
+                </a:ext>
+              </a:extLst>
+            </p:cNvPr>
+            <p:cNvPicPr>
+              <a:picLocks noChangeAspect="1"/>
+            </p:cNvPicPr>
+            <p:nvPr/>
+          </p:nvPicPr>
+          <p:blipFill>
+            <a:blip r:embed="rId3"/>
+            <a:stretch>
+              <a:fillRect/>
+            </a:stretch>
+          </p:blipFill>
+          <p:spPr>
+            <a:xfrm>
+              <a:off x="4239542" y="4371893"/>
+              <a:ext cx="1514713" cy="816757"/>
+            </a:xfrm>
+            <a:prstGeom prst="rect">
+              <a:avLst/>
+            </a:prstGeom>
+          </p:spPr>
+        </p:pic>
+        <p:pic>
+          <p:nvPicPr>
+            <p:cNvPr id="6" name="Imagem 5">
+              <a:extLst>
+                <a:ext uri="{FF2B5EF4-FFF2-40B4-BE49-F238E27FC236}">
+                  <a16:creationId xmlns:a16="http://schemas.microsoft.com/office/drawing/2014/main" id="{62B90371-7A78-4306-9578-5F730669F530}"/>
+                </a:ext>
+              </a:extLst>
+            </p:cNvPr>
+            <p:cNvPicPr>
+              <a:picLocks noChangeAspect="1"/>
+            </p:cNvPicPr>
+            <p:nvPr/>
+          </p:nvPicPr>
+          <p:blipFill>
+            <a:blip r:embed="rId2"/>
+            <a:stretch>
+              <a:fillRect/>
+            </a:stretch>
+          </p:blipFill>
+          <p:spPr>
+            <a:xfrm>
+              <a:off x="3638885" y="4452834"/>
+              <a:ext cx="506038" cy="654874"/>
+            </a:xfrm>
+            <a:prstGeom prst="rect">
+              <a:avLst/>
+            </a:prstGeom>
+          </p:spPr>
+        </p:pic>
+      </p:grpSp>
+    </p:spTree>
+    <p:extLst>
+      <p:ext uri="{BB962C8B-B14F-4D97-AF65-F5344CB8AC3E}">
+        <p14:creationId xmlns:p14="http://schemas.microsoft.com/office/powerpoint/2010/main" val="2109175348"/>
+      </p:ext>
+    </p:extLst>
+  </p:cSld>
+  <p:clrMapOvr>
+    <a:masterClrMapping/>
+  </p:clrMapOvr>
+</p:sld>
+</file>
+
+<file path=ppt/slides/slide31.xml><?xml version="1.0" encoding="utf-8"?>
+<p:sld xmlns:a="http://schemas.openxmlformats.org/drawingml/2006/main" xmlns:r="http://schemas.openxmlformats.org/officeDocument/2006/relationships" xmlns:p="http://schemas.openxmlformats.org/presentationml/2006/main">
+  <p:cSld>
+    <p:spTree>
+      <p:nvGrpSpPr>
+        <p:cNvPr id="1" name=""/>
+        <p:cNvGrpSpPr/>
+        <p:nvPr/>
+      </p:nvGrpSpPr>
+      <p:grpSpPr>
+        <a:xfrm>
+          <a:off x="0" y="0"/>
+          <a:ext cx="0" cy="0"/>
+          <a:chOff x="0" y="0"/>
+          <a:chExt cx="0" cy="0"/>
+        </a:xfrm>
+      </p:grpSpPr>
+      <p:sp>
+        <p:nvSpPr>
+          <p:cNvPr id="7" name="Rectangle 6">
+            <a:extLst>
+              <a:ext uri="{FF2B5EF4-FFF2-40B4-BE49-F238E27FC236}">
+                <a16:creationId xmlns:a16="http://schemas.microsoft.com/office/drawing/2014/main" id="{F4485777-5E9F-461C-B18F-636C0C977DFD}"/>
+              </a:ext>
+            </a:extLst>
+          </p:cNvPr>
+          <p:cNvSpPr/>
+          <p:nvPr/>
+        </p:nvSpPr>
+        <p:spPr>
+          <a:xfrm>
+            <a:off x="246062" y="2865642"/>
+            <a:ext cx="8576057" cy="569887"/>
+          </a:xfrm>
+          <a:prstGeom prst="rect">
+            <a:avLst/>
+          </a:prstGeom>
+          <a:solidFill>
+            <a:schemeClr val="bg1">
+              <a:lumMod val="85000"/>
+            </a:schemeClr>
+          </a:solidFill>
+          <a:ln>
+            <a:noFill/>
+          </a:ln>
+        </p:spPr>
+        <p:style>
+          <a:lnRef idx="2">
+            <a:schemeClr val="accent1">
+              <a:shade val="50000"/>
+            </a:schemeClr>
+          </a:lnRef>
+          <a:fillRef idx="1">
+            <a:schemeClr val="accent1"/>
+          </a:fillRef>
+          <a:effectRef idx="0">
+            <a:schemeClr val="accent1"/>
+          </a:effectRef>
+          <a:fontRef idx="minor">
+            <a:schemeClr val="lt1"/>
+          </a:fontRef>
+        </p:style>
+        <p:txBody>
+          <a:bodyPr rtlCol="0" anchor="ctr"/>
+          <a:lstStyle/>
+          <a:p>
+            <a:pPr marL="0" marR="0" lvl="0" indent="0" algn="ctr" defTabSz="914400" rtl="0" eaLnBrk="1" fontAlgn="auto" latinLnBrk="0" hangingPunct="1">
+              <a:lnSpc>
+                <a:spcPct val="100000"/>
+              </a:lnSpc>
+              <a:spcBef>
+                <a:spcPts val="0"/>
+              </a:spcBef>
+              <a:spcAft>
+                <a:spcPts val="0"/>
+              </a:spcAft>
+              <a:buClrTx/>
+              <a:buSzTx/>
+              <a:buFontTx/>
+              <a:buNone/>
+              <a:tabLst/>
+              <a:defRPr/>
+            </a:pPr>
+            <a:endParaRPr kumimoji="0" lang="en-US" sz="1800" b="0" i="0" u="none" strike="noStrike" kern="1200" cap="none" spc="0" normalizeH="0" baseline="0" noProof="0">
+              <a:ln>
+                <a:noFill/>
+              </a:ln>
+              <a:solidFill>
+                <a:prstClr val="white"/>
+              </a:solidFill>
+              <a:effectLst/>
+              <a:uLnTx/>
+              <a:uFillTx/>
+              <a:latin typeface="Calibri"/>
+              <a:ea typeface="+mn-ea"/>
+              <a:cs typeface="+mn-cs"/>
+            </a:endParaRPr>
+          </a:p>
+        </p:txBody>
+      </p:sp>
+      <p:sp>
+        <p:nvSpPr>
+          <p:cNvPr id="5" name="Rectangle 3">
+            <a:extLst>
+              <a:ext uri="{FF2B5EF4-FFF2-40B4-BE49-F238E27FC236}">
+                <a16:creationId xmlns:a16="http://schemas.microsoft.com/office/drawing/2014/main" id="{E4C27882-E319-405B-A0FC-24C99A3B60B5}"/>
+              </a:ext>
+            </a:extLst>
+          </p:cNvPr>
+          <p:cNvSpPr txBox="1">
+            <a:spLocks noChangeArrowheads="1"/>
+          </p:cNvSpPr>
+          <p:nvPr/>
+        </p:nvSpPr>
+        <p:spPr>
+          <a:xfrm>
+            <a:off x="246062" y="1269706"/>
+            <a:ext cx="8371465" cy="4493785"/>
+          </a:xfrm>
+          <a:prstGeom prst="rect">
+            <a:avLst/>
+          </a:prstGeom>
+          <a:noFill/>
+        </p:spPr>
+        <p:txBody>
+          <a:bodyPr lIns="128318" tIns="64159" rIns="128318" bIns="64159"/>
+          <a:lstStyle/>
+          <a:p>
+            <a:pPr marL="342900" lvl="0" indent="-342900" algn="just" defTabSz="1280950" eaLnBrk="0" hangingPunct="0">
+              <a:lnSpc>
+                <a:spcPct val="150000"/>
+              </a:lnSpc>
+              <a:spcBef>
+                <a:spcPct val="20000"/>
+              </a:spcBef>
+              <a:buFont typeface="+mj-lt"/>
+              <a:buAutoNum type="arabicPeriod"/>
+              <a:defRPr/>
+            </a:pPr>
+            <a:r>
+              <a:rPr lang="pt-BR" sz="2800" kern="0" dirty="0">
+                <a:solidFill>
+                  <a:srgbClr val="002060"/>
+                </a:solidFill>
+                <a:latin typeface="Calibri" pitchFamily="34" charset="0"/>
+              </a:rPr>
+              <a:t>Introdução</a:t>
+            </a:r>
+          </a:p>
+          <a:p>
+            <a:pPr marL="342900" lvl="0" indent="-342900" algn="just" defTabSz="1280950" eaLnBrk="0" hangingPunct="0">
+              <a:lnSpc>
+                <a:spcPct val="150000"/>
+              </a:lnSpc>
+              <a:spcBef>
+                <a:spcPct val="20000"/>
+              </a:spcBef>
+              <a:buFont typeface="+mj-lt"/>
+              <a:buAutoNum type="arabicPeriod"/>
+              <a:defRPr/>
+            </a:pPr>
+            <a:r>
+              <a:rPr lang="pt-BR" sz="2800" kern="0" dirty="0">
+                <a:solidFill>
+                  <a:srgbClr val="002060"/>
+                </a:solidFill>
+                <a:latin typeface="Calibri" pitchFamily="34" charset="0"/>
+              </a:rPr>
+              <a:t>Algoritmos Genéticos</a:t>
+            </a:r>
+          </a:p>
+          <a:p>
+            <a:pPr marL="342900" lvl="0" indent="-342900" algn="just" defTabSz="1280950" eaLnBrk="0" hangingPunct="0">
+              <a:lnSpc>
+                <a:spcPct val="150000"/>
+              </a:lnSpc>
+              <a:spcBef>
+                <a:spcPct val="20000"/>
+              </a:spcBef>
+              <a:buFont typeface="+mj-lt"/>
+              <a:buAutoNum type="arabicPeriod"/>
+              <a:defRPr/>
+            </a:pPr>
+            <a:r>
+              <a:rPr lang="pt-BR" sz="2800" kern="0" dirty="0">
+                <a:solidFill>
+                  <a:srgbClr val="002060"/>
+                </a:solidFill>
+                <a:latin typeface="Calibri" pitchFamily="34" charset="0"/>
+              </a:rPr>
+              <a:t>Implementação do Algoritmo e Resultados</a:t>
+            </a:r>
+          </a:p>
+          <a:p>
+            <a:pPr marL="800100" lvl="1" indent="-342900" algn="just" defTabSz="1280950" eaLnBrk="0" hangingPunct="0">
+              <a:lnSpc>
+                <a:spcPct val="150000"/>
+              </a:lnSpc>
+              <a:spcBef>
+                <a:spcPct val="20000"/>
+              </a:spcBef>
+              <a:buFont typeface="+mj-lt"/>
+              <a:buAutoNum type="alphaLcPeriod"/>
+              <a:defRPr/>
+            </a:pPr>
+            <a:r>
+              <a:rPr lang="pt-BR" sz="2800" kern="0" dirty="0">
+                <a:solidFill>
+                  <a:srgbClr val="002060"/>
+                </a:solidFill>
+                <a:latin typeface="Calibri" pitchFamily="34" charset="0"/>
+              </a:rPr>
+              <a:t>Teste inicial</a:t>
+            </a:r>
+          </a:p>
+          <a:p>
+            <a:pPr marL="800100" lvl="1" indent="-342900" algn="just" defTabSz="1280950" eaLnBrk="0" hangingPunct="0">
+              <a:lnSpc>
+                <a:spcPct val="150000"/>
+              </a:lnSpc>
+              <a:spcBef>
+                <a:spcPct val="20000"/>
+              </a:spcBef>
+              <a:buFont typeface="+mj-lt"/>
+              <a:buAutoNum type="alphaLcPeriod"/>
+              <a:defRPr/>
+            </a:pPr>
+            <a:r>
+              <a:rPr lang="pt-BR" sz="2800" kern="0" dirty="0">
+                <a:solidFill>
+                  <a:srgbClr val="002060"/>
+                </a:solidFill>
+                <a:latin typeface="Calibri" pitchFamily="34" charset="0"/>
+              </a:rPr>
+              <a:t>Modelo de </a:t>
+            </a:r>
+            <a:r>
+              <a:rPr lang="pt-BR" sz="2800" kern="0" dirty="0" err="1">
+                <a:solidFill>
+                  <a:srgbClr val="002060"/>
+                </a:solidFill>
+                <a:latin typeface="Calibri" pitchFamily="34" charset="0"/>
+              </a:rPr>
+              <a:t>Ising</a:t>
+            </a:r>
+            <a:endParaRPr lang="pt-BR" sz="2800" kern="0" dirty="0">
+              <a:solidFill>
+                <a:srgbClr val="002060"/>
+              </a:solidFill>
+              <a:latin typeface="Calibri" pitchFamily="34" charset="0"/>
+            </a:endParaRPr>
+          </a:p>
+          <a:p>
+            <a:pPr marL="342900" lvl="0" indent="-342900" algn="just" defTabSz="1280950" eaLnBrk="0" hangingPunct="0">
+              <a:lnSpc>
+                <a:spcPct val="150000"/>
+              </a:lnSpc>
+              <a:spcBef>
+                <a:spcPct val="20000"/>
+              </a:spcBef>
+              <a:buFont typeface="+mj-lt"/>
+              <a:buAutoNum type="arabicPeriod"/>
+              <a:defRPr/>
+            </a:pPr>
+            <a:r>
+              <a:rPr lang="pt-BR" sz="2800" kern="0" dirty="0">
+                <a:solidFill>
+                  <a:srgbClr val="002060"/>
+                </a:solidFill>
+                <a:latin typeface="Calibri" pitchFamily="34" charset="0"/>
+              </a:rPr>
+              <a:t>Conclusões</a:t>
+            </a:r>
+          </a:p>
+          <a:p>
+            <a:pPr marL="0" marR="0" lvl="0" indent="0" algn="just" defTabSz="1280950" rtl="0" eaLnBrk="0" fontAlgn="auto" latinLnBrk="0" hangingPunct="0">
+              <a:lnSpc>
+                <a:spcPct val="150000"/>
+              </a:lnSpc>
+              <a:spcBef>
+                <a:spcPct val="20000"/>
+              </a:spcBef>
+              <a:spcAft>
+                <a:spcPts val="0"/>
+              </a:spcAft>
+              <a:buClrTx/>
+              <a:buSzTx/>
+              <a:buFontTx/>
+              <a:buNone/>
+              <a:tabLst/>
+              <a:defRPr/>
+            </a:pPr>
+            <a:endParaRPr kumimoji="0" lang="pt-BR" sz="2800" b="0" i="0" u="none" strike="noStrike" kern="0" cap="none" spc="0" normalizeH="0" baseline="0" noProof="0" dirty="0">
+              <a:ln>
+                <a:noFill/>
+              </a:ln>
+              <a:solidFill>
+                <a:srgbClr val="002060"/>
+              </a:solidFill>
+              <a:effectLst/>
+              <a:uLnTx/>
+              <a:uFillTx/>
+              <a:latin typeface="Calibri" pitchFamily="34" charset="0"/>
+              <a:ea typeface="+mn-ea"/>
+              <a:cs typeface="+mn-cs"/>
+            </a:endParaRPr>
+          </a:p>
+        </p:txBody>
+      </p:sp>
+      <p:sp>
+        <p:nvSpPr>
+          <p:cNvPr id="9" name="CaixaDeTexto 10"/>
+          <p:cNvSpPr txBox="1"/>
+          <p:nvPr/>
+        </p:nvSpPr>
+        <p:spPr>
+          <a:xfrm>
+            <a:off x="729671" y="196850"/>
+            <a:ext cx="1723184" cy="634929"/>
+          </a:xfrm>
+          <a:prstGeom prst="rect">
+            <a:avLst/>
+          </a:prstGeom>
+          <a:noFill/>
+        </p:spPr>
+        <p:txBody>
+          <a:bodyPr wrap="none" lIns="80147" tIns="40074" rIns="80147" bIns="40074">
+            <a:spAutoFit/>
+          </a:bodyPr>
+          <a:lstStyle/>
+          <a:p>
+            <a:pPr marL="0" marR="0" lvl="0" indent="0" algn="l" defTabSz="914239" rtl="0" eaLnBrk="1" fontAlgn="auto" latinLnBrk="0" hangingPunct="1">
+              <a:lnSpc>
+                <a:spcPct val="100000"/>
+              </a:lnSpc>
+              <a:spcBef>
+                <a:spcPts val="0"/>
+              </a:spcBef>
+              <a:spcAft>
+                <a:spcPts val="0"/>
+              </a:spcAft>
+              <a:buClrTx/>
+              <a:buSzTx/>
+              <a:buFontTx/>
+              <a:buNone/>
+              <a:tabLst/>
+              <a:defRPr/>
+            </a:pPr>
+            <a:r>
+              <a:rPr kumimoji="0" lang="pt-BR" sz="3600" b="1" i="0" u="none" strike="noStrike" kern="1200" cap="small" spc="0" normalizeH="0" baseline="0" noProof="0" dirty="0">
+                <a:ln>
+                  <a:noFill/>
+                </a:ln>
+                <a:solidFill>
+                  <a:srgbClr val="1F497D"/>
+                </a:solidFill>
+                <a:effectLst/>
+                <a:uLnTx/>
+                <a:uFillTx/>
+                <a:latin typeface="Calibri"/>
+                <a:ea typeface="+mn-ea"/>
+                <a:cs typeface="+mn-cs"/>
+              </a:rPr>
+              <a:t>Sumário</a:t>
+            </a:r>
+            <a:endParaRPr kumimoji="0" lang="pt-BR" sz="2000" b="1" i="0" u="none" strike="noStrike" kern="1200" cap="small" spc="0" normalizeH="0" baseline="0" noProof="0" dirty="0">
+              <a:ln>
+                <a:noFill/>
+              </a:ln>
+              <a:solidFill>
+                <a:srgbClr val="1F497D"/>
+              </a:solidFill>
+              <a:effectLst/>
+              <a:uLnTx/>
+              <a:uFillTx/>
+              <a:latin typeface="Calibri"/>
+              <a:ea typeface="+mn-ea"/>
+              <a:cs typeface="+mn-cs"/>
+            </a:endParaRPr>
+          </a:p>
+        </p:txBody>
+      </p:sp>
+      <p:cxnSp>
+        <p:nvCxnSpPr>
+          <p:cNvPr id="10" name="Straight Connector 9">
+            <a:extLst>
+              <a:ext uri="{FF2B5EF4-FFF2-40B4-BE49-F238E27FC236}">
+                <a16:creationId xmlns:a16="http://schemas.microsoft.com/office/drawing/2014/main" id="{BD159951-B7A6-4EE6-8042-1ED559FABC01}"/>
+              </a:ext>
+            </a:extLst>
+          </p:cNvPr>
+          <p:cNvCxnSpPr/>
+          <p:nvPr/>
+        </p:nvCxnSpPr>
+        <p:spPr>
+          <a:xfrm>
+            <a:off x="320039" y="959139"/>
+            <a:ext cx="8503920" cy="0"/>
+          </a:xfrm>
+          <a:prstGeom prst="line">
+            <a:avLst/>
+          </a:prstGeom>
+        </p:spPr>
+        <p:style>
+          <a:lnRef idx="1">
+            <a:schemeClr val="accent1"/>
+          </a:lnRef>
+          <a:fillRef idx="0">
+            <a:schemeClr val="accent1"/>
+          </a:fillRef>
+          <a:effectRef idx="0">
+            <a:schemeClr val="accent1"/>
+          </a:effectRef>
+          <a:fontRef idx="minor">
+            <a:schemeClr val="tx1"/>
+          </a:fontRef>
+        </p:style>
+      </p:cxnSp>
+    </p:spTree>
+    <p:extLst>
+      <p:ext uri="{BB962C8B-B14F-4D97-AF65-F5344CB8AC3E}">
+        <p14:creationId xmlns:p14="http://schemas.microsoft.com/office/powerpoint/2010/main" val="1154583719"/>
+      </p:ext>
+    </p:extLst>
+  </p:cSld>
+  <p:clrMapOvr>
+    <a:masterClrMapping/>
+  </p:clrMapOvr>
+</p:sld>
+</file>
+
+<file path=ppt/slides/slide32.xml><?xml version="1.0" encoding="utf-8"?>
+<p:sld xmlns:a="http://schemas.openxmlformats.org/drawingml/2006/main" xmlns:r="http://schemas.openxmlformats.org/officeDocument/2006/relationships" xmlns:p="http://schemas.openxmlformats.org/presentationml/2006/main">
+  <p:cSld>
+    <p:spTree>
+      <p:nvGrpSpPr>
+        <p:cNvPr id="1" name=""/>
+        <p:cNvGrpSpPr/>
+        <p:nvPr/>
+      </p:nvGrpSpPr>
+      <p:grpSpPr>
+        <a:xfrm>
+          <a:off x="0" y="0"/>
+          <a:ext cx="0" cy="0"/>
+          <a:chOff x="0" y="0"/>
+          <a:chExt cx="0" cy="0"/>
+        </a:xfrm>
+      </p:grpSpPr>
+      <p:pic>
+        <p:nvPicPr>
+          <p:cNvPr id="6" name="Imagem 5">
+            <a:extLst>
+              <a:ext uri="{FF2B5EF4-FFF2-40B4-BE49-F238E27FC236}">
+                <a16:creationId xmlns:a16="http://schemas.microsoft.com/office/drawing/2014/main" id="{65A8B610-8974-46B7-AA75-74E0853F12E9}"/>
+              </a:ext>
+            </a:extLst>
+          </p:cNvPr>
+          <p:cNvPicPr>
+            <a:picLocks noChangeAspect="1"/>
+          </p:cNvPicPr>
+          <p:nvPr/>
+        </p:nvPicPr>
+        <p:blipFill>
+          <a:blip r:embed="rId2"/>
+          <a:stretch>
+            <a:fillRect/>
+          </a:stretch>
+        </p:blipFill>
+        <p:spPr>
+          <a:xfrm>
+            <a:off x="1610558" y="3429000"/>
+            <a:ext cx="5922883" cy="2894340"/>
+          </a:xfrm>
+          <a:prstGeom prst="rect">
+            <a:avLst/>
+          </a:prstGeom>
+        </p:spPr>
+      </p:pic>
+      <p:sp>
+        <p:nvSpPr>
+          <p:cNvPr id="2" name="Espaço Reservado para Conteúdo 1">
+            <a:extLst>
+              <a:ext uri="{FF2B5EF4-FFF2-40B4-BE49-F238E27FC236}">
+                <a16:creationId xmlns:a16="http://schemas.microsoft.com/office/drawing/2014/main" id="{A74D2220-1C88-4256-AFD4-A05C0AEECD3A}"/>
+              </a:ext>
+            </a:extLst>
+          </p:cNvPr>
+          <p:cNvSpPr>
+            <a:spLocks noGrp="1"/>
+          </p:cNvSpPr>
+          <p:nvPr>
+            <p:ph idx="1"/>
+          </p:nvPr>
+        </p:nvSpPr>
+        <p:spPr/>
+        <p:txBody>
+          <a:bodyPr/>
+          <a:lstStyle/>
+          <a:p>
+            <a:r>
+              <a:rPr lang="pt-BR" dirty="0"/>
+              <a:t>Usado:</a:t>
+            </a:r>
+          </a:p>
+          <a:p>
+            <a:pPr lvl="1"/>
+            <a:r>
+              <a:rPr lang="pt-BR" dirty="0"/>
+              <a:t>Codificação binária para </a:t>
+            </a:r>
+            <a:r>
+              <a:rPr lang="pt-BR" i="1" dirty="0"/>
+              <a:t>x</a:t>
+            </a:r>
+            <a:r>
+              <a:rPr lang="pt-BR" dirty="0"/>
+              <a:t> e </a:t>
+            </a:r>
+            <a:r>
+              <a:rPr lang="pt-BR" i="1" dirty="0"/>
+              <a:t>y </a:t>
+            </a:r>
+            <a:r>
+              <a:rPr lang="pt-BR" dirty="0"/>
+              <a:t>com 15 bits cada</a:t>
+            </a:r>
+          </a:p>
+          <a:p>
+            <a:pPr lvl="1"/>
+            <a:r>
+              <a:rPr lang="pt-BR" dirty="0"/>
+              <a:t>Seleção por roleta viciada, função de avaliação a própria função sendo maximizada</a:t>
+            </a:r>
+          </a:p>
+          <a:p>
+            <a:pPr lvl="1"/>
+            <a:r>
+              <a:rPr lang="pt-BR" dirty="0"/>
+              <a:t>Operadores de crossover de um ponto, dois pontos e mutação</a:t>
+            </a:r>
+          </a:p>
+          <a:p>
+            <a:r>
+              <a:rPr lang="pt-BR" dirty="0"/>
+              <a:t>Função de avaliação: </a:t>
+            </a:r>
+          </a:p>
+        </p:txBody>
+      </p:sp>
+      <p:sp>
+        <p:nvSpPr>
+          <p:cNvPr id="3" name="Título 2">
+            <a:extLst>
+              <a:ext uri="{FF2B5EF4-FFF2-40B4-BE49-F238E27FC236}">
+                <a16:creationId xmlns:a16="http://schemas.microsoft.com/office/drawing/2014/main" id="{327C658E-43AD-490B-AEEF-48416EB06C1F}"/>
+              </a:ext>
+            </a:extLst>
+          </p:cNvPr>
+          <p:cNvSpPr>
+            <a:spLocks noGrp="1"/>
+          </p:cNvSpPr>
+          <p:nvPr>
+            <p:ph type="title"/>
+          </p:nvPr>
+        </p:nvSpPr>
+        <p:spPr/>
+        <p:txBody>
+          <a:bodyPr/>
+          <a:lstStyle/>
+          <a:p>
+            <a:r>
+              <a:rPr lang="pt-BR" dirty="0"/>
+              <a:t>Teste das rotinas básicas</a:t>
+            </a:r>
+          </a:p>
+        </p:txBody>
+      </p:sp>
+      <p:sp>
+        <p:nvSpPr>
+          <p:cNvPr id="4" name="CaixaDeTexto 10">
+            <a:extLst>
+              <a:ext uri="{FF2B5EF4-FFF2-40B4-BE49-F238E27FC236}">
+                <a16:creationId xmlns:a16="http://schemas.microsoft.com/office/drawing/2014/main" id="{533F6D4C-8500-4023-B603-B7C33A756E16}"/>
+              </a:ext>
+            </a:extLst>
+          </p:cNvPr>
+          <p:cNvSpPr txBox="1"/>
+          <p:nvPr/>
+        </p:nvSpPr>
+        <p:spPr>
+          <a:xfrm>
+            <a:off x="692728" y="12620"/>
+            <a:ext cx="2347073" cy="511818"/>
+          </a:xfrm>
+          <a:prstGeom prst="rect">
+            <a:avLst/>
+          </a:prstGeom>
+          <a:noFill/>
+        </p:spPr>
+        <p:txBody>
+          <a:bodyPr wrap="none" lIns="80147" tIns="40074" rIns="80147" bIns="40074">
+            <a:spAutoFit/>
+          </a:bodyPr>
+          <a:lstStyle/>
+          <a:p>
+            <a:pPr algn="l" defTabSz="914239" fontAlgn="auto">
+              <a:spcBef>
+                <a:spcPts val="0"/>
+              </a:spcBef>
+              <a:spcAft>
+                <a:spcPts val="0"/>
+              </a:spcAft>
+              <a:defRPr/>
+            </a:pPr>
+            <a:r>
+              <a:rPr lang="pt-BR" sz="1400" b="1" cap="small" dirty="0">
+                <a:solidFill>
+                  <a:srgbClr val="002060"/>
+                </a:solidFill>
+                <a:latin typeface="+mn-lt"/>
+              </a:rPr>
+              <a:t>3. </a:t>
+            </a:r>
+            <a:r>
+              <a:rPr lang="pt-BR" sz="1400" b="1" cap="small" dirty="0">
+                <a:solidFill>
+                  <a:srgbClr val="002060"/>
+                </a:solidFill>
+              </a:rPr>
+              <a:t>Implementação e Resultados</a:t>
+            </a:r>
+            <a:endParaRPr lang="pt-BR" sz="1400" b="1" cap="small" dirty="0">
+              <a:solidFill>
+                <a:srgbClr val="002060"/>
+              </a:solidFill>
+              <a:latin typeface="+mn-lt"/>
+            </a:endParaRPr>
+          </a:p>
+          <a:p>
+            <a:pPr defTabSz="914239">
+              <a:defRPr/>
+            </a:pPr>
+            <a:r>
+              <a:rPr lang="pt-BR" sz="1400" b="1" cap="small" dirty="0">
+                <a:solidFill>
+                  <a:srgbClr val="002060"/>
+                </a:solidFill>
+              </a:rPr>
+              <a:t>3a. Teste Inicial</a:t>
+            </a:r>
+          </a:p>
+        </p:txBody>
+      </p:sp>
+      <p:pic>
+        <p:nvPicPr>
+          <p:cNvPr id="5" name="Imagem 4">
+            <a:extLst>
+              <a:ext uri="{FF2B5EF4-FFF2-40B4-BE49-F238E27FC236}">
+                <a16:creationId xmlns:a16="http://schemas.microsoft.com/office/drawing/2014/main" id="{685642F0-953C-4AD0-98DB-6351F5B5B992}"/>
+              </a:ext>
+            </a:extLst>
+          </p:cNvPr>
+          <p:cNvPicPr>
+            <a:picLocks noChangeAspect="1"/>
+          </p:cNvPicPr>
+          <p:nvPr/>
+        </p:nvPicPr>
+        <p:blipFill>
+          <a:blip r:embed="rId3"/>
+          <a:stretch>
+            <a:fillRect/>
+          </a:stretch>
+        </p:blipFill>
+        <p:spPr>
+          <a:xfrm>
+            <a:off x="3105594" y="2877323"/>
+            <a:ext cx="2932811" cy="680258"/>
+          </a:xfrm>
+          <a:prstGeom prst="rect">
+            <a:avLst/>
+          </a:prstGeom>
+        </p:spPr>
+      </p:pic>
+    </p:spTree>
+    <p:extLst>
+      <p:ext uri="{BB962C8B-B14F-4D97-AF65-F5344CB8AC3E}">
+        <p14:creationId xmlns:p14="http://schemas.microsoft.com/office/powerpoint/2010/main" val="2523525052"/>
+      </p:ext>
+    </p:extLst>
+  </p:cSld>
+  <p:clrMapOvr>
+    <a:masterClrMapping/>
+  </p:clrMapOvr>
+</p:sld>
+</file>
+
+<file path=ppt/slides/slide33.xml><?xml version="1.0" encoding="utf-8"?>
+<p:sld xmlns:a="http://schemas.openxmlformats.org/drawingml/2006/main" xmlns:r="http://schemas.openxmlformats.org/officeDocument/2006/relationships" xmlns:p="http://schemas.openxmlformats.org/presentationml/2006/main">
+  <p:cSld>
+    <p:spTree>
+      <p:nvGrpSpPr>
+        <p:cNvPr id="1" name=""/>
+        <p:cNvGrpSpPr/>
+        <p:nvPr/>
+      </p:nvGrpSpPr>
+      <p:grpSpPr>
+        <a:xfrm>
+          <a:off x="0" y="0"/>
+          <a:ext cx="0" cy="0"/>
+          <a:chOff x="0" y="0"/>
+          <a:chExt cx="0" cy="0"/>
+        </a:xfrm>
+      </p:grpSpPr>
+      <p:sp>
+        <p:nvSpPr>
+          <p:cNvPr id="7" name="Rectangle 6">
+            <a:extLst>
+              <a:ext uri="{FF2B5EF4-FFF2-40B4-BE49-F238E27FC236}">
+                <a16:creationId xmlns:a16="http://schemas.microsoft.com/office/drawing/2014/main" id="{F4485777-5E9F-461C-B18F-636C0C977DFD}"/>
+              </a:ext>
+            </a:extLst>
+          </p:cNvPr>
+          <p:cNvSpPr/>
+          <p:nvPr/>
+        </p:nvSpPr>
+        <p:spPr>
+          <a:xfrm>
+            <a:off x="246062" y="5026949"/>
+            <a:ext cx="8576057" cy="569887"/>
+          </a:xfrm>
+          <a:prstGeom prst="rect">
+            <a:avLst/>
+          </a:prstGeom>
+          <a:solidFill>
+            <a:schemeClr val="bg1">
+              <a:lumMod val="85000"/>
+            </a:schemeClr>
+          </a:solidFill>
+          <a:ln>
+            <a:noFill/>
+          </a:ln>
+        </p:spPr>
+        <p:style>
+          <a:lnRef idx="2">
+            <a:schemeClr val="accent1">
+              <a:shade val="50000"/>
+            </a:schemeClr>
+          </a:lnRef>
+          <a:fillRef idx="1">
+            <a:schemeClr val="accent1"/>
+          </a:fillRef>
+          <a:effectRef idx="0">
+            <a:schemeClr val="accent1"/>
+          </a:effectRef>
+          <a:fontRef idx="minor">
+            <a:schemeClr val="lt1"/>
+          </a:fontRef>
+        </p:style>
+        <p:txBody>
+          <a:bodyPr rtlCol="0" anchor="ctr"/>
+          <a:lstStyle/>
+          <a:p>
+            <a:pPr marL="0" marR="0" lvl="0" indent="0" algn="ctr" defTabSz="914400" rtl="0" eaLnBrk="1" fontAlgn="auto" latinLnBrk="0" hangingPunct="1">
+              <a:lnSpc>
+                <a:spcPct val="100000"/>
+              </a:lnSpc>
+              <a:spcBef>
+                <a:spcPts val="0"/>
+              </a:spcBef>
+              <a:spcAft>
+                <a:spcPts val="0"/>
+              </a:spcAft>
+              <a:buClrTx/>
+              <a:buSzTx/>
+              <a:buFontTx/>
+              <a:buNone/>
+              <a:tabLst/>
+              <a:defRPr/>
+            </a:pPr>
+            <a:endParaRPr kumimoji="0" lang="en-US" sz="1800" b="0" i="0" u="none" strike="noStrike" kern="1200" cap="none" spc="0" normalizeH="0" baseline="0" noProof="0">
+              <a:ln>
+                <a:noFill/>
+              </a:ln>
+              <a:solidFill>
+                <a:prstClr val="white"/>
+              </a:solidFill>
+              <a:effectLst/>
+              <a:uLnTx/>
+              <a:uFillTx/>
+              <a:latin typeface="Calibri"/>
+              <a:ea typeface="+mn-ea"/>
+              <a:cs typeface="+mn-cs"/>
+            </a:endParaRPr>
+          </a:p>
+        </p:txBody>
+      </p:sp>
+      <p:sp>
+        <p:nvSpPr>
+          <p:cNvPr id="5" name="Rectangle 3">
+            <a:extLst>
+              <a:ext uri="{FF2B5EF4-FFF2-40B4-BE49-F238E27FC236}">
+                <a16:creationId xmlns:a16="http://schemas.microsoft.com/office/drawing/2014/main" id="{E4C27882-E319-405B-A0FC-24C99A3B60B5}"/>
+              </a:ext>
+            </a:extLst>
+          </p:cNvPr>
+          <p:cNvSpPr txBox="1">
+            <a:spLocks noChangeArrowheads="1"/>
+          </p:cNvSpPr>
+          <p:nvPr/>
+        </p:nvSpPr>
+        <p:spPr>
+          <a:xfrm>
+            <a:off x="246062" y="1269706"/>
+            <a:ext cx="8371465" cy="4493785"/>
+          </a:xfrm>
+          <a:prstGeom prst="rect">
+            <a:avLst/>
+          </a:prstGeom>
+          <a:noFill/>
+        </p:spPr>
+        <p:txBody>
+          <a:bodyPr lIns="128318" tIns="64159" rIns="128318" bIns="64159"/>
+          <a:lstStyle/>
+          <a:p>
+            <a:pPr marL="342900" lvl="0" indent="-342900" algn="just" defTabSz="1280950" eaLnBrk="0" hangingPunct="0">
+              <a:lnSpc>
+                <a:spcPct val="150000"/>
+              </a:lnSpc>
+              <a:spcBef>
+                <a:spcPct val="20000"/>
+              </a:spcBef>
+              <a:buFont typeface="+mj-lt"/>
+              <a:buAutoNum type="arabicPeriod"/>
+              <a:defRPr/>
+            </a:pPr>
+            <a:r>
+              <a:rPr lang="pt-BR" sz="2800" kern="0" dirty="0">
+                <a:solidFill>
+                  <a:srgbClr val="002060"/>
+                </a:solidFill>
+                <a:latin typeface="Calibri" pitchFamily="34" charset="0"/>
+              </a:rPr>
+              <a:t>Introdução</a:t>
+            </a:r>
+          </a:p>
+          <a:p>
+            <a:pPr marL="342900" lvl="0" indent="-342900" algn="just" defTabSz="1280950" eaLnBrk="0" hangingPunct="0">
+              <a:lnSpc>
+                <a:spcPct val="150000"/>
+              </a:lnSpc>
+              <a:spcBef>
+                <a:spcPct val="20000"/>
+              </a:spcBef>
+              <a:buFont typeface="+mj-lt"/>
+              <a:buAutoNum type="arabicPeriod"/>
+              <a:defRPr/>
+            </a:pPr>
+            <a:r>
+              <a:rPr lang="pt-BR" sz="2800" kern="0" dirty="0">
+                <a:solidFill>
+                  <a:srgbClr val="002060"/>
+                </a:solidFill>
+                <a:latin typeface="Calibri" pitchFamily="34" charset="0"/>
+              </a:rPr>
+              <a:t>Algoritmos Genéticos</a:t>
+            </a:r>
+          </a:p>
+          <a:p>
+            <a:pPr marL="342900" lvl="0" indent="-342900" algn="just" defTabSz="1280950" eaLnBrk="0" hangingPunct="0">
+              <a:lnSpc>
+                <a:spcPct val="150000"/>
+              </a:lnSpc>
+              <a:spcBef>
+                <a:spcPct val="20000"/>
+              </a:spcBef>
+              <a:buFont typeface="+mj-lt"/>
+              <a:buAutoNum type="arabicPeriod"/>
+              <a:defRPr/>
+            </a:pPr>
+            <a:r>
+              <a:rPr lang="pt-BR" sz="2800" kern="0" dirty="0">
+                <a:solidFill>
+                  <a:srgbClr val="002060"/>
+                </a:solidFill>
+                <a:latin typeface="Calibri" pitchFamily="34" charset="0"/>
+              </a:rPr>
+              <a:t>Implementação do Algoritmo e Resultados</a:t>
+            </a:r>
+          </a:p>
+          <a:p>
+            <a:pPr marL="800100" lvl="1" indent="-342900" algn="just" defTabSz="1280950" eaLnBrk="0" hangingPunct="0">
+              <a:lnSpc>
+                <a:spcPct val="150000"/>
+              </a:lnSpc>
+              <a:spcBef>
+                <a:spcPct val="20000"/>
+              </a:spcBef>
+              <a:buFont typeface="+mj-lt"/>
+              <a:buAutoNum type="alphaLcPeriod"/>
+              <a:defRPr/>
+            </a:pPr>
+            <a:r>
+              <a:rPr lang="pt-BR" sz="2800" kern="0" dirty="0">
+                <a:solidFill>
+                  <a:srgbClr val="002060"/>
+                </a:solidFill>
+                <a:latin typeface="Calibri" pitchFamily="34" charset="0"/>
+              </a:rPr>
+              <a:t>Teste inicial</a:t>
+            </a:r>
+          </a:p>
+          <a:p>
+            <a:pPr marL="800100" lvl="1" indent="-342900" algn="just" defTabSz="1280950" eaLnBrk="0" hangingPunct="0">
+              <a:lnSpc>
+                <a:spcPct val="150000"/>
+              </a:lnSpc>
+              <a:spcBef>
+                <a:spcPct val="20000"/>
+              </a:spcBef>
+              <a:buFont typeface="+mj-lt"/>
+              <a:buAutoNum type="alphaLcPeriod"/>
+              <a:defRPr/>
+            </a:pPr>
+            <a:r>
+              <a:rPr lang="pt-BR" sz="2800" kern="0" dirty="0">
+                <a:solidFill>
+                  <a:srgbClr val="002060"/>
+                </a:solidFill>
+                <a:latin typeface="Calibri" pitchFamily="34" charset="0"/>
+              </a:rPr>
+              <a:t>Modelo de </a:t>
+            </a:r>
+            <a:r>
+              <a:rPr lang="pt-BR" sz="2800" kern="0" dirty="0" err="1">
+                <a:solidFill>
+                  <a:srgbClr val="002060"/>
+                </a:solidFill>
+                <a:latin typeface="Calibri" pitchFamily="34" charset="0"/>
+              </a:rPr>
+              <a:t>Ising</a:t>
+            </a:r>
+            <a:endParaRPr lang="pt-BR" sz="2800" kern="0" dirty="0">
+              <a:solidFill>
+                <a:srgbClr val="002060"/>
+              </a:solidFill>
+              <a:latin typeface="Calibri" pitchFamily="34" charset="0"/>
+            </a:endParaRPr>
+          </a:p>
+          <a:p>
+            <a:pPr marL="342900" lvl="0" indent="-342900" algn="just" defTabSz="1280950" eaLnBrk="0" hangingPunct="0">
+              <a:lnSpc>
+                <a:spcPct val="150000"/>
+              </a:lnSpc>
+              <a:spcBef>
+                <a:spcPct val="20000"/>
+              </a:spcBef>
+              <a:buFont typeface="+mj-lt"/>
+              <a:buAutoNum type="arabicPeriod"/>
+              <a:defRPr/>
+            </a:pPr>
+            <a:r>
+              <a:rPr lang="pt-BR" sz="2800" kern="0" dirty="0">
+                <a:solidFill>
+                  <a:srgbClr val="002060"/>
+                </a:solidFill>
+                <a:latin typeface="Calibri" pitchFamily="34" charset="0"/>
+              </a:rPr>
+              <a:t>Conclusões</a:t>
+            </a:r>
+          </a:p>
+          <a:p>
+            <a:pPr marL="0" marR="0" lvl="0" indent="0" algn="just" defTabSz="1280950" rtl="0" eaLnBrk="0" fontAlgn="auto" latinLnBrk="0" hangingPunct="0">
+              <a:lnSpc>
+                <a:spcPct val="150000"/>
+              </a:lnSpc>
+              <a:spcBef>
+                <a:spcPct val="20000"/>
+              </a:spcBef>
+              <a:spcAft>
+                <a:spcPts val="0"/>
+              </a:spcAft>
+              <a:buClrTx/>
+              <a:buSzTx/>
+              <a:buFontTx/>
+              <a:buNone/>
+              <a:tabLst/>
+              <a:defRPr/>
+            </a:pPr>
+            <a:endParaRPr kumimoji="0" lang="pt-BR" sz="2800" b="0" i="0" u="none" strike="noStrike" kern="0" cap="none" spc="0" normalizeH="0" baseline="0" noProof="0" dirty="0">
+              <a:ln>
+                <a:noFill/>
+              </a:ln>
+              <a:solidFill>
+                <a:srgbClr val="002060"/>
+              </a:solidFill>
+              <a:effectLst/>
+              <a:uLnTx/>
+              <a:uFillTx/>
+              <a:latin typeface="Calibri" pitchFamily="34" charset="0"/>
+              <a:ea typeface="+mn-ea"/>
+              <a:cs typeface="+mn-cs"/>
+            </a:endParaRPr>
+          </a:p>
+        </p:txBody>
+      </p:sp>
+      <p:sp>
+        <p:nvSpPr>
+          <p:cNvPr id="9" name="CaixaDeTexto 10"/>
+          <p:cNvSpPr txBox="1"/>
+          <p:nvPr/>
+        </p:nvSpPr>
+        <p:spPr>
+          <a:xfrm>
+            <a:off x="729671" y="196850"/>
+            <a:ext cx="1723184" cy="634929"/>
+          </a:xfrm>
+          <a:prstGeom prst="rect">
+            <a:avLst/>
+          </a:prstGeom>
+          <a:noFill/>
+        </p:spPr>
+        <p:txBody>
+          <a:bodyPr wrap="none" lIns="80147" tIns="40074" rIns="80147" bIns="40074">
+            <a:spAutoFit/>
+          </a:bodyPr>
+          <a:lstStyle/>
+          <a:p>
+            <a:pPr marL="0" marR="0" lvl="0" indent="0" algn="l" defTabSz="914239" rtl="0" eaLnBrk="1" fontAlgn="auto" latinLnBrk="0" hangingPunct="1">
+              <a:lnSpc>
+                <a:spcPct val="100000"/>
+              </a:lnSpc>
+              <a:spcBef>
+                <a:spcPts val="0"/>
+              </a:spcBef>
+              <a:spcAft>
+                <a:spcPts val="0"/>
+              </a:spcAft>
+              <a:buClrTx/>
+              <a:buSzTx/>
+              <a:buFontTx/>
+              <a:buNone/>
+              <a:tabLst/>
+              <a:defRPr/>
+            </a:pPr>
+            <a:r>
+              <a:rPr kumimoji="0" lang="pt-BR" sz="3600" b="1" i="0" u="none" strike="noStrike" kern="1200" cap="small" spc="0" normalizeH="0" baseline="0" noProof="0" dirty="0">
+                <a:ln>
+                  <a:noFill/>
+                </a:ln>
+                <a:solidFill>
+                  <a:srgbClr val="1F497D"/>
+                </a:solidFill>
+                <a:effectLst/>
+                <a:uLnTx/>
+                <a:uFillTx/>
+                <a:latin typeface="Calibri"/>
+                <a:ea typeface="+mn-ea"/>
+                <a:cs typeface="+mn-cs"/>
+              </a:rPr>
+              <a:t>Sumário</a:t>
+            </a:r>
+            <a:endParaRPr kumimoji="0" lang="pt-BR" sz="2000" b="1" i="0" u="none" strike="noStrike" kern="1200" cap="small" spc="0" normalizeH="0" baseline="0" noProof="0" dirty="0">
+              <a:ln>
+                <a:noFill/>
+              </a:ln>
+              <a:solidFill>
+                <a:srgbClr val="1F497D"/>
+              </a:solidFill>
+              <a:effectLst/>
+              <a:uLnTx/>
+              <a:uFillTx/>
+              <a:latin typeface="Calibri"/>
+              <a:ea typeface="+mn-ea"/>
+              <a:cs typeface="+mn-cs"/>
+            </a:endParaRPr>
+          </a:p>
+        </p:txBody>
+      </p:sp>
+      <p:cxnSp>
+        <p:nvCxnSpPr>
+          <p:cNvPr id="10" name="Straight Connector 9">
+            <a:extLst>
+              <a:ext uri="{FF2B5EF4-FFF2-40B4-BE49-F238E27FC236}">
+                <a16:creationId xmlns:a16="http://schemas.microsoft.com/office/drawing/2014/main" id="{BD159951-B7A6-4EE6-8042-1ED559FABC01}"/>
+              </a:ext>
+            </a:extLst>
+          </p:cNvPr>
+          <p:cNvCxnSpPr/>
+          <p:nvPr/>
+        </p:nvCxnSpPr>
+        <p:spPr>
+          <a:xfrm>
+            <a:off x="320039" y="959139"/>
+            <a:ext cx="8503920" cy="0"/>
+          </a:xfrm>
+          <a:prstGeom prst="line">
+            <a:avLst/>
+          </a:prstGeom>
+        </p:spPr>
+        <p:style>
+          <a:lnRef idx="1">
+            <a:schemeClr val="accent1"/>
+          </a:lnRef>
+          <a:fillRef idx="0">
+            <a:schemeClr val="accent1"/>
+          </a:fillRef>
+          <a:effectRef idx="0">
+            <a:schemeClr val="accent1"/>
+          </a:effectRef>
+          <a:fontRef idx="minor">
+            <a:schemeClr val="tx1"/>
+          </a:fontRef>
+        </p:style>
+      </p:cxnSp>
+    </p:spTree>
+    <p:extLst>
+      <p:ext uri="{BB962C8B-B14F-4D97-AF65-F5344CB8AC3E}">
+        <p14:creationId xmlns:p14="http://schemas.microsoft.com/office/powerpoint/2010/main" val="3319073409"/>
+      </p:ext>
+    </p:extLst>
+  </p:cSld>
+  <p:clrMapOvr>
+    <a:masterClrMapping/>
+  </p:clrMapOvr>
+</p:sld>
+</file>
+
+<file path=ppt/slides/slide34.xml><?xml version="1.0" encoding="utf-8"?>
 <p:sld xmlns:a="http://schemas.openxmlformats.org/drawingml/2006/main" xmlns:r="http://schemas.openxmlformats.org/officeDocument/2006/relationships" xmlns:p="http://schemas.openxmlformats.org/presentationml/2006/main">
   <p:cSld>
     <p:spTree>

--- a/Apresentação/TCC.pptx
+++ b/Apresentação/TCC.pptx
@@ -5,7 +5,7 @@
     <p:sldMasterId id="2147484101" r:id="rId1"/>
   </p:sldMasterIdLst>
   <p:notesMasterIdLst>
-    <p:notesMasterId r:id="rId65"/>
+    <p:notesMasterId r:id="rId66"/>
   </p:notesMasterIdLst>
   <p:sldIdLst>
     <p:sldId id="517" r:id="rId2"/>
@@ -50,27 +50,28 @@
     <p:sldId id="590" r:id="rId41"/>
     <p:sldId id="592" r:id="rId42"/>
     <p:sldId id="593" r:id="rId43"/>
-    <p:sldId id="594" r:id="rId44"/>
-    <p:sldId id="595" r:id="rId45"/>
-    <p:sldId id="596" r:id="rId46"/>
-    <p:sldId id="597" r:id="rId47"/>
-    <p:sldId id="598" r:id="rId48"/>
-    <p:sldId id="599" r:id="rId49"/>
-    <p:sldId id="601" r:id="rId50"/>
-    <p:sldId id="602" r:id="rId51"/>
-    <p:sldId id="613" r:id="rId52"/>
-    <p:sldId id="600" r:id="rId53"/>
-    <p:sldId id="603" r:id="rId54"/>
-    <p:sldId id="604" r:id="rId55"/>
-    <p:sldId id="605" r:id="rId56"/>
-    <p:sldId id="606" r:id="rId57"/>
-    <p:sldId id="607" r:id="rId58"/>
-    <p:sldId id="608" r:id="rId59"/>
-    <p:sldId id="609" r:id="rId60"/>
-    <p:sldId id="610" r:id="rId61"/>
-    <p:sldId id="611" r:id="rId62"/>
-    <p:sldId id="569" r:id="rId63"/>
-    <p:sldId id="546" r:id="rId64"/>
+    <p:sldId id="614" r:id="rId44"/>
+    <p:sldId id="594" r:id="rId45"/>
+    <p:sldId id="595" r:id="rId46"/>
+    <p:sldId id="596" r:id="rId47"/>
+    <p:sldId id="597" r:id="rId48"/>
+    <p:sldId id="598" r:id="rId49"/>
+    <p:sldId id="599" r:id="rId50"/>
+    <p:sldId id="601" r:id="rId51"/>
+    <p:sldId id="602" r:id="rId52"/>
+    <p:sldId id="613" r:id="rId53"/>
+    <p:sldId id="600" r:id="rId54"/>
+    <p:sldId id="603" r:id="rId55"/>
+    <p:sldId id="604" r:id="rId56"/>
+    <p:sldId id="605" r:id="rId57"/>
+    <p:sldId id="606" r:id="rId58"/>
+    <p:sldId id="607" r:id="rId59"/>
+    <p:sldId id="608" r:id="rId60"/>
+    <p:sldId id="609" r:id="rId61"/>
+    <p:sldId id="610" r:id="rId62"/>
+    <p:sldId id="611" r:id="rId63"/>
+    <p:sldId id="569" r:id="rId64"/>
+    <p:sldId id="546" r:id="rId65"/>
   </p:sldIdLst>
   <p:sldSz cx="9144000" cy="6858000" type="screen4x3"/>
   <p:notesSz cx="6858000" cy="9144000"/>
@@ -196,7 +197,7 @@
 <file path=ppt/revisionInfo.xml><?xml version="1.0" encoding="utf-8"?>
 <p1510:revInfo xmlns:a="http://schemas.openxmlformats.org/drawingml/2006/main" xmlns:r="http://schemas.openxmlformats.org/officeDocument/2006/relationships" xmlns:p1510="http://schemas.microsoft.com/office/powerpoint/2015/10/main">
   <p1510:revLst>
-    <p1510:client id="{4617EFB1-FD4B-4777-BEAF-2C28463F5118}" v="377" dt="2019-12-04T04:39:12.631"/>
+    <p1510:client id="{4617EFB1-FD4B-4777-BEAF-2C28463F5118}" v="392" dt="2019-12-05T03:19:46.525"/>
   </p1510:revLst>
 </p1510:revInfo>
 </file>
@@ -204,214 +205,9 @@
 <file path=ppt/changesInfos/changesInfo1.xml><?xml version="1.0" encoding="utf-8"?>
 <pc:chgInfo xmlns:a="http://schemas.openxmlformats.org/drawingml/2006/main" xmlns:r="http://schemas.openxmlformats.org/officeDocument/2006/relationships" xmlns:ac="http://schemas.microsoft.com/office/drawing/2013/main/command" xmlns:pc="http://schemas.microsoft.com/office/powerpoint/2013/main/command">
   <pc:docChgLst>
-    <pc:chgData name="Fabricio Kassardjian" userId="912a6e5d1950f402" providerId="LiveId" clId="{97F4DC58-4984-41A3-985E-67067AFD3860}"/>
-    <pc:docChg chg="custSel addSld delSld modSld sldOrd">
-      <pc:chgData name="Fabricio Kassardjian" userId="912a6e5d1950f402" providerId="LiveId" clId="{97F4DC58-4984-41A3-985E-67067AFD3860}" dt="2019-11-29T13:37:15.342" v="422" actId="20577"/>
-      <pc:docMkLst>
-        <pc:docMk/>
-      </pc:docMkLst>
-      <pc:sldChg chg="modSp">
-        <pc:chgData name="Fabricio Kassardjian" userId="912a6e5d1950f402" providerId="LiveId" clId="{97F4DC58-4984-41A3-985E-67067AFD3860}" dt="2019-11-29T13:37:15.342" v="422" actId="20577"/>
-        <pc:sldMkLst>
-          <pc:docMk/>
-          <pc:sldMk cId="2452686853" sldId="504"/>
-        </pc:sldMkLst>
-        <pc:spChg chg="mod">
-          <ac:chgData name="Fabricio Kassardjian" userId="912a6e5d1950f402" providerId="LiveId" clId="{97F4DC58-4984-41A3-985E-67067AFD3860}" dt="2019-11-29T13:37:15.342" v="422" actId="20577"/>
-          <ac:spMkLst>
-            <pc:docMk/>
-            <pc:sldMk cId="2452686853" sldId="504"/>
-            <ac:spMk id="5" creationId="{E4C27882-E319-405B-A0FC-24C99A3B60B5}"/>
-          </ac:spMkLst>
-        </pc:spChg>
-      </pc:sldChg>
-      <pc:sldChg chg="modSp">
-        <pc:chgData name="Fabricio Kassardjian" userId="912a6e5d1950f402" providerId="LiveId" clId="{97F4DC58-4984-41A3-985E-67067AFD3860}" dt="2019-11-29T13:31:48.684" v="89" actId="6549"/>
-        <pc:sldMkLst>
-          <pc:docMk/>
-          <pc:sldMk cId="618333178" sldId="517"/>
-        </pc:sldMkLst>
-        <pc:spChg chg="mod">
-          <ac:chgData name="Fabricio Kassardjian" userId="912a6e5d1950f402" providerId="LiveId" clId="{97F4DC58-4984-41A3-985E-67067AFD3860}" dt="2019-11-29T13:30:48.206" v="62" actId="20577"/>
-          <ac:spMkLst>
-            <pc:docMk/>
-            <pc:sldMk cId="618333178" sldId="517"/>
-            <ac:spMk id="7" creationId="{31BA2962-6695-42DE-A7C7-0C60819DCA59}"/>
-          </ac:spMkLst>
-        </pc:spChg>
-        <pc:spChg chg="mod">
-          <ac:chgData name="Fabricio Kassardjian" userId="912a6e5d1950f402" providerId="LiveId" clId="{97F4DC58-4984-41A3-985E-67067AFD3860}" dt="2019-11-29T13:31:48.684" v="89" actId="6549"/>
-          <ac:spMkLst>
-            <pc:docMk/>
-            <pc:sldMk cId="618333178" sldId="517"/>
-            <ac:spMk id="11" creationId="{90138455-4687-4F61-B307-C43EDB3F578F}"/>
-          </ac:spMkLst>
-        </pc:spChg>
-      </pc:sldChg>
-      <pc:sldChg chg="del">
-        <pc:chgData name="Fabricio Kassardjian" userId="912a6e5d1950f402" providerId="LiveId" clId="{97F4DC58-4984-41A3-985E-67067AFD3860}" dt="2019-11-29T13:35:38.588" v="333" actId="2696"/>
-        <pc:sldMkLst>
-          <pc:docMk/>
-          <pc:sldMk cId="2922097082" sldId="518"/>
-        </pc:sldMkLst>
-      </pc:sldChg>
-      <pc:sldChg chg="del">
-        <pc:chgData name="Fabricio Kassardjian" userId="912a6e5d1950f402" providerId="LiveId" clId="{97F4DC58-4984-41A3-985E-67067AFD3860}" dt="2019-11-29T13:34:14.585" v="179" actId="2696"/>
-        <pc:sldMkLst>
-          <pc:docMk/>
-          <pc:sldMk cId="3333326940" sldId="519"/>
-        </pc:sldMkLst>
-      </pc:sldChg>
-      <pc:sldChg chg="del">
-        <pc:chgData name="Fabricio Kassardjian" userId="912a6e5d1950f402" providerId="LiveId" clId="{97F4DC58-4984-41A3-985E-67067AFD3860}" dt="2019-11-29T13:35:40.419" v="334" actId="2696"/>
-        <pc:sldMkLst>
-          <pc:docMk/>
-          <pc:sldMk cId="1832481542" sldId="520"/>
-        </pc:sldMkLst>
-      </pc:sldChg>
-      <pc:sldChg chg="del">
-        <pc:chgData name="Fabricio Kassardjian" userId="912a6e5d1950f402" providerId="LiveId" clId="{97F4DC58-4984-41A3-985E-67067AFD3860}" dt="2019-11-29T13:35:46.965" v="335" actId="2696"/>
-        <pc:sldMkLst>
-          <pc:docMk/>
-          <pc:sldMk cId="2906388585" sldId="540"/>
-        </pc:sldMkLst>
-      </pc:sldChg>
-      <pc:sldChg chg="modSp">
-        <pc:chgData name="Fabricio Kassardjian" userId="912a6e5d1950f402" providerId="LiveId" clId="{97F4DC58-4984-41A3-985E-67067AFD3860}" dt="2019-11-29T13:36:51.983" v="402" actId="20577"/>
-        <pc:sldMkLst>
-          <pc:docMk/>
-          <pc:sldMk cId="763771652" sldId="542"/>
-        </pc:sldMkLst>
-        <pc:spChg chg="mod">
-          <ac:chgData name="Fabricio Kassardjian" userId="912a6e5d1950f402" providerId="LiveId" clId="{97F4DC58-4984-41A3-985E-67067AFD3860}" dt="2019-11-29T13:36:51.983" v="402" actId="20577"/>
-          <ac:spMkLst>
-            <pc:docMk/>
-            <pc:sldMk cId="763771652" sldId="542"/>
-            <ac:spMk id="7" creationId="{F73E018D-5587-40E7-9F2A-A5E1AA30FD59}"/>
-          </ac:spMkLst>
-        </pc:spChg>
-      </pc:sldChg>
-      <pc:sldChg chg="delSp modSp">
-        <pc:chgData name="Fabricio Kassardjian" userId="912a6e5d1950f402" providerId="LiveId" clId="{97F4DC58-4984-41A3-985E-67067AFD3860}" dt="2019-11-29T13:36:15.030" v="352" actId="478"/>
-        <pc:sldMkLst>
-          <pc:docMk/>
-          <pc:sldMk cId="975161573" sldId="544"/>
-        </pc:sldMkLst>
-        <pc:spChg chg="mod">
-          <ac:chgData name="Fabricio Kassardjian" userId="912a6e5d1950f402" providerId="LiveId" clId="{97F4DC58-4984-41A3-985E-67067AFD3860}" dt="2019-11-29T13:36:12.324" v="351" actId="20577"/>
-          <ac:spMkLst>
-            <pc:docMk/>
-            <pc:sldMk cId="975161573" sldId="544"/>
-            <ac:spMk id="5" creationId="{57E1EA3A-ACCA-4ED2-BB2A-96BC1613917E}"/>
-          </ac:spMkLst>
-        </pc:spChg>
-        <pc:spChg chg="mod">
-          <ac:chgData name="Fabricio Kassardjian" userId="912a6e5d1950f402" providerId="LiveId" clId="{97F4DC58-4984-41A3-985E-67067AFD3860}" dt="2019-11-29T13:35:55.545" v="339" actId="20577"/>
-          <ac:spMkLst>
-            <pc:docMk/>
-            <pc:sldMk cId="975161573" sldId="544"/>
-            <ac:spMk id="7" creationId="{F73E018D-5587-40E7-9F2A-A5E1AA30FD59}"/>
-          </ac:spMkLst>
-        </pc:spChg>
-        <pc:picChg chg="del">
-          <ac:chgData name="Fabricio Kassardjian" userId="912a6e5d1950f402" providerId="LiveId" clId="{97F4DC58-4984-41A3-985E-67067AFD3860}" dt="2019-11-29T13:36:15.030" v="352" actId="478"/>
-          <ac:picMkLst>
-            <pc:docMk/>
-            <pc:sldMk cId="975161573" sldId="544"/>
-            <ac:picMk id="3" creationId="{4E4BFE32-A7CE-4448-916B-F77A1CB747A9}"/>
-          </ac:picMkLst>
-        </pc:picChg>
-      </pc:sldChg>
-      <pc:sldChg chg="addSp modSp add">
-        <pc:chgData name="Fabricio Kassardjian" userId="912a6e5d1950f402" providerId="LiveId" clId="{97F4DC58-4984-41A3-985E-67067AFD3860}" dt="2019-11-29T13:34:58.604" v="254" actId="20577"/>
-        <pc:sldMkLst>
-          <pc:docMk/>
-          <pc:sldMk cId="3834853037" sldId="547"/>
-        </pc:sldMkLst>
-        <pc:spChg chg="mod">
-          <ac:chgData name="Fabricio Kassardjian" userId="912a6e5d1950f402" providerId="LiveId" clId="{97F4DC58-4984-41A3-985E-67067AFD3860}" dt="2019-11-29T13:34:58.604" v="254" actId="20577"/>
-          <ac:spMkLst>
-            <pc:docMk/>
-            <pc:sldMk cId="3834853037" sldId="547"/>
-            <ac:spMk id="5" creationId="{E4C27882-E319-405B-A0FC-24C99A3B60B5}"/>
-          </ac:spMkLst>
-        </pc:spChg>
-        <pc:spChg chg="add ord">
-          <ac:chgData name="Fabricio Kassardjian" userId="912a6e5d1950f402" providerId="LiveId" clId="{97F4DC58-4984-41A3-985E-67067AFD3860}" dt="2019-11-29T13:34:09.012" v="178" actId="167"/>
-          <ac:spMkLst>
-            <pc:docMk/>
-            <pc:sldMk cId="3834853037" sldId="547"/>
-            <ac:spMk id="6" creationId="{F70BB2AE-D17C-4909-A257-36E063E54DB1}"/>
-          </ac:spMkLst>
-        </pc:spChg>
-      </pc:sldChg>
-      <pc:sldChg chg="modSp add">
-        <pc:chgData name="Fabricio Kassardjian" userId="912a6e5d1950f402" providerId="LiveId" clId="{97F4DC58-4984-41A3-985E-67067AFD3860}" dt="2019-11-29T13:35:07.480" v="276" actId="20577"/>
-        <pc:sldMkLst>
-          <pc:docMk/>
-          <pc:sldMk cId="1488619366" sldId="548"/>
-        </pc:sldMkLst>
-        <pc:spChg chg="mod">
-          <ac:chgData name="Fabricio Kassardjian" userId="912a6e5d1950f402" providerId="LiveId" clId="{97F4DC58-4984-41A3-985E-67067AFD3860}" dt="2019-11-29T13:35:07.480" v="276" actId="20577"/>
-          <ac:spMkLst>
-            <pc:docMk/>
-            <pc:sldMk cId="1488619366" sldId="548"/>
-            <ac:spMk id="5" creationId="{E4C27882-E319-405B-A0FC-24C99A3B60B5}"/>
-          </ac:spMkLst>
-        </pc:spChg>
-        <pc:spChg chg="mod">
-          <ac:chgData name="Fabricio Kassardjian" userId="912a6e5d1950f402" providerId="LiveId" clId="{97F4DC58-4984-41A3-985E-67067AFD3860}" dt="2019-11-29T13:34:32.075" v="206" actId="1035"/>
-          <ac:spMkLst>
-            <pc:docMk/>
-            <pc:sldMk cId="1488619366" sldId="548"/>
-            <ac:spMk id="6" creationId="{F70BB2AE-D17C-4909-A257-36E063E54DB1}"/>
-          </ac:spMkLst>
-        </pc:spChg>
-      </pc:sldChg>
-      <pc:sldChg chg="modSp add">
-        <pc:chgData name="Fabricio Kassardjian" userId="912a6e5d1950f402" providerId="LiveId" clId="{97F4DC58-4984-41A3-985E-67067AFD3860}" dt="2019-11-29T13:35:18.934" v="296" actId="20577"/>
-        <pc:sldMkLst>
-          <pc:docMk/>
-          <pc:sldMk cId="611014377" sldId="549"/>
-        </pc:sldMkLst>
-        <pc:spChg chg="mod">
-          <ac:chgData name="Fabricio Kassardjian" userId="912a6e5d1950f402" providerId="LiveId" clId="{97F4DC58-4984-41A3-985E-67067AFD3860}" dt="2019-11-29T13:35:18.934" v="296" actId="20577"/>
-          <ac:spMkLst>
-            <pc:docMk/>
-            <pc:sldMk cId="611014377" sldId="549"/>
-            <ac:spMk id="5" creationId="{E4C27882-E319-405B-A0FC-24C99A3B60B5}"/>
-          </ac:spMkLst>
-        </pc:spChg>
-        <pc:spChg chg="mod">
-          <ac:chgData name="Fabricio Kassardjian" userId="912a6e5d1950f402" providerId="LiveId" clId="{97F4DC58-4984-41A3-985E-67067AFD3860}" dt="2019-11-29T13:34:42.450" v="234" actId="1035"/>
-          <ac:spMkLst>
-            <pc:docMk/>
-            <pc:sldMk cId="611014377" sldId="549"/>
-            <ac:spMk id="6" creationId="{F70BB2AE-D17C-4909-A257-36E063E54DB1}"/>
-          </ac:spMkLst>
-        </pc:spChg>
-      </pc:sldChg>
-      <pc:sldChg chg="modSp add ord">
-        <pc:chgData name="Fabricio Kassardjian" userId="912a6e5d1950f402" providerId="LiveId" clId="{97F4DC58-4984-41A3-985E-67067AFD3860}" dt="2019-11-29T13:35:50.075" v="337"/>
-        <pc:sldMkLst>
-          <pc:docMk/>
-          <pc:sldMk cId="1545497083" sldId="550"/>
-        </pc:sldMkLst>
-        <pc:spChg chg="mod">
-          <ac:chgData name="Fabricio Kassardjian" userId="912a6e5d1950f402" providerId="LiveId" clId="{97F4DC58-4984-41A3-985E-67067AFD3860}" dt="2019-11-29T13:35:33.953" v="332" actId="1036"/>
-          <ac:spMkLst>
-            <pc:docMk/>
-            <pc:sldMk cId="1545497083" sldId="550"/>
-            <ac:spMk id="6" creationId="{F70BB2AE-D17C-4909-A257-36E063E54DB1}"/>
-          </ac:spMkLst>
-        </pc:spChg>
-      </pc:sldChg>
-    </pc:docChg>
-  </pc:docChgLst>
-  <pc:docChgLst>
     <pc:chgData name="Fabricio Kassardjian" userId="912a6e5d1950f402" providerId="LiveId" clId="{4617EFB1-FD4B-4777-BEAF-2C28463F5118}"/>
     <pc:docChg chg="undo custSel addSld delSld modSld modMainMaster">
-      <pc:chgData name="Fabricio Kassardjian" userId="912a6e5d1950f402" providerId="LiveId" clId="{4617EFB1-FD4B-4777-BEAF-2C28463F5118}" dt="2019-12-04T04:39:59.102" v="12630" actId="1036"/>
+      <pc:chgData name="Fabricio Kassardjian" userId="912a6e5d1950f402" providerId="LiveId" clId="{4617EFB1-FD4B-4777-BEAF-2C28463F5118}" dt="2019-12-05T04:16:11.161" v="12770" actId="20577"/>
       <pc:docMkLst>
         <pc:docMk/>
       </pc:docMkLst>
@@ -2479,6 +2275,186 @@
           </ac:picMkLst>
         </pc:picChg>
       </pc:sldChg>
+      <pc:sldChg chg="addSp delSp modSp">
+        <pc:chgData name="Fabricio Kassardjian" userId="912a6e5d1950f402" providerId="LiveId" clId="{4617EFB1-FD4B-4777-BEAF-2C28463F5118}" dt="2019-12-05T03:20:02.812" v="12767" actId="1076"/>
+        <pc:sldMkLst>
+          <pc:docMk/>
+          <pc:sldMk cId="1364355218" sldId="593"/>
+        </pc:sldMkLst>
+        <pc:spChg chg="mod">
+          <ac:chgData name="Fabricio Kassardjian" userId="912a6e5d1950f402" providerId="LiveId" clId="{4617EFB1-FD4B-4777-BEAF-2C28463F5118}" dt="2019-12-05T03:19:57.284" v="12766" actId="20577"/>
+          <ac:spMkLst>
+            <pc:docMk/>
+            <pc:sldMk cId="1364355218" sldId="593"/>
+            <ac:spMk id="2" creationId="{9DB2F473-C27D-46A6-90B3-E09A44F9D0C8}"/>
+          </ac:spMkLst>
+        </pc:spChg>
+        <pc:picChg chg="mod">
+          <ac:chgData name="Fabricio Kassardjian" userId="912a6e5d1950f402" providerId="LiveId" clId="{4617EFB1-FD4B-4777-BEAF-2C28463F5118}" dt="2019-12-05T02:45:44.094" v="12669" actId="1036"/>
+          <ac:picMkLst>
+            <pc:docMk/>
+            <pc:sldMk cId="1364355218" sldId="593"/>
+            <ac:picMk id="6" creationId="{B4197F7D-5945-46B0-9BCD-BC493474D5F7}"/>
+          </ac:picMkLst>
+        </pc:picChg>
+        <pc:picChg chg="del">
+          <ac:chgData name="Fabricio Kassardjian" userId="912a6e5d1950f402" providerId="LiveId" clId="{4617EFB1-FD4B-4777-BEAF-2C28463F5118}" dt="2019-12-05T02:41:29.831" v="12631" actId="478"/>
+          <ac:picMkLst>
+            <pc:docMk/>
+            <pc:sldMk cId="1364355218" sldId="593"/>
+            <ac:picMk id="7" creationId="{35C7FAAB-4EFC-4D2A-AC1A-5253AB627212}"/>
+          </ac:picMkLst>
+        </pc:picChg>
+        <pc:picChg chg="del">
+          <ac:chgData name="Fabricio Kassardjian" userId="912a6e5d1950f402" providerId="LiveId" clId="{4617EFB1-FD4B-4777-BEAF-2C28463F5118}" dt="2019-12-05T03:19:51.229" v="12764" actId="478"/>
+          <ac:picMkLst>
+            <pc:docMk/>
+            <pc:sldMk cId="1364355218" sldId="593"/>
+            <ac:picMk id="8" creationId="{E5B3959C-6874-4444-A18E-7F8B10558258}"/>
+          </ac:picMkLst>
+        </pc:picChg>
+        <pc:picChg chg="add del mod">
+          <ac:chgData name="Fabricio Kassardjian" userId="912a6e5d1950f402" providerId="LiveId" clId="{4617EFB1-FD4B-4777-BEAF-2C28463F5118}" dt="2019-12-05T02:42:13.510" v="12634" actId="478"/>
+          <ac:picMkLst>
+            <pc:docMk/>
+            <pc:sldMk cId="1364355218" sldId="593"/>
+            <ac:picMk id="9" creationId="{C476C7FF-064A-4914-AA97-7E8022B31F44}"/>
+          </ac:picMkLst>
+        </pc:picChg>
+        <pc:picChg chg="add del mod">
+          <ac:chgData name="Fabricio Kassardjian" userId="912a6e5d1950f402" providerId="LiveId" clId="{4617EFB1-FD4B-4777-BEAF-2C28463F5118}" dt="2019-12-05T02:43:27.578" v="12637" actId="478"/>
+          <ac:picMkLst>
+            <pc:docMk/>
+            <pc:sldMk cId="1364355218" sldId="593"/>
+            <ac:picMk id="10" creationId="{93336552-0D5C-409B-9B2C-36001EE02429}"/>
+          </ac:picMkLst>
+        </pc:picChg>
+        <pc:picChg chg="add del mod">
+          <ac:chgData name="Fabricio Kassardjian" userId="912a6e5d1950f402" providerId="LiveId" clId="{4617EFB1-FD4B-4777-BEAF-2C28463F5118}" dt="2019-12-05T02:52:04.837" v="12745" actId="478"/>
+          <ac:picMkLst>
+            <pc:docMk/>
+            <pc:sldMk cId="1364355218" sldId="593"/>
+            <ac:picMk id="11" creationId="{06EF8647-3FE1-456D-BE93-F177D0839898}"/>
+          </ac:picMkLst>
+        </pc:picChg>
+        <pc:picChg chg="add mod">
+          <ac:chgData name="Fabricio Kassardjian" userId="912a6e5d1950f402" providerId="LiveId" clId="{4617EFB1-FD4B-4777-BEAF-2C28463F5118}" dt="2019-12-05T02:48:56.971" v="12738" actId="1036"/>
+          <ac:picMkLst>
+            <pc:docMk/>
+            <pc:sldMk cId="1364355218" sldId="593"/>
+            <ac:picMk id="12" creationId="{F990910F-B17E-466E-BDF0-011C6D8EF831}"/>
+          </ac:picMkLst>
+        </pc:picChg>
+        <pc:picChg chg="add del mod">
+          <ac:chgData name="Fabricio Kassardjian" userId="912a6e5d1950f402" providerId="LiveId" clId="{4617EFB1-FD4B-4777-BEAF-2C28463F5118}" dt="2019-12-05T02:51:38.365" v="12742" actId="478"/>
+          <ac:picMkLst>
+            <pc:docMk/>
+            <pc:sldMk cId="1364355218" sldId="593"/>
+            <ac:picMk id="13" creationId="{1C712AB5-5330-4D71-BD6C-4ADB4C0BC28A}"/>
+          </ac:picMkLst>
+        </pc:picChg>
+        <pc:picChg chg="add mod">
+          <ac:chgData name="Fabricio Kassardjian" userId="912a6e5d1950f402" providerId="LiveId" clId="{4617EFB1-FD4B-4777-BEAF-2C28463F5118}" dt="2019-12-05T02:51:44.843" v="12744" actId="1076"/>
+          <ac:picMkLst>
+            <pc:docMk/>
+            <pc:sldMk cId="1364355218" sldId="593"/>
+            <ac:picMk id="14" creationId="{A0DC37B5-CEDA-4EC1-897F-6569C196D002}"/>
+          </ac:picMkLst>
+        </pc:picChg>
+        <pc:picChg chg="add del mod">
+          <ac:chgData name="Fabricio Kassardjian" userId="912a6e5d1950f402" providerId="LiveId" clId="{4617EFB1-FD4B-4777-BEAF-2C28463F5118}" dt="2019-12-05T03:19:07.070" v="12762" actId="478"/>
+          <ac:picMkLst>
+            <pc:docMk/>
+            <pc:sldMk cId="1364355218" sldId="593"/>
+            <ac:picMk id="15" creationId="{6086A6D8-6EE3-49C3-A8B0-9F07F678112E}"/>
+          </ac:picMkLst>
+        </pc:picChg>
+        <pc:picChg chg="add mod">
+          <ac:chgData name="Fabricio Kassardjian" userId="912a6e5d1950f402" providerId="LiveId" clId="{4617EFB1-FD4B-4777-BEAF-2C28463F5118}" dt="2019-12-05T03:20:02.812" v="12767" actId="1076"/>
+          <ac:picMkLst>
+            <pc:docMk/>
+            <pc:sldMk cId="1364355218" sldId="593"/>
+            <ac:picMk id="16" creationId="{BDD3D6B3-837E-4EC6-A0E6-E6ECE98DFF32}"/>
+          </ac:picMkLst>
+        </pc:picChg>
+      </pc:sldChg>
+      <pc:sldChg chg="delSp">
+        <pc:chgData name="Fabricio Kassardjian" userId="912a6e5d1950f402" providerId="LiveId" clId="{4617EFB1-FD4B-4777-BEAF-2C28463F5118}" dt="2019-12-05T03:18:38.589" v="12758" actId="478"/>
+        <pc:sldMkLst>
+          <pc:docMk/>
+          <pc:sldMk cId="313730423" sldId="594"/>
+        </pc:sldMkLst>
+        <pc:picChg chg="del">
+          <ac:chgData name="Fabricio Kassardjian" userId="912a6e5d1950f402" providerId="LiveId" clId="{4617EFB1-FD4B-4777-BEAF-2C28463F5118}" dt="2019-12-05T03:18:36.116" v="12757" actId="478"/>
+          <ac:picMkLst>
+            <pc:docMk/>
+            <pc:sldMk cId="313730423" sldId="594"/>
+            <ac:picMk id="7" creationId="{7C3B2D85-23E6-40BC-8E8E-FEDDF5F1ED07}"/>
+          </ac:picMkLst>
+        </pc:picChg>
+        <pc:picChg chg="del">
+          <ac:chgData name="Fabricio Kassardjian" userId="912a6e5d1950f402" providerId="LiveId" clId="{4617EFB1-FD4B-4777-BEAF-2C28463F5118}" dt="2019-12-05T03:18:38.589" v="12758" actId="478"/>
+          <ac:picMkLst>
+            <pc:docMk/>
+            <pc:sldMk cId="313730423" sldId="594"/>
+            <ac:picMk id="8" creationId="{34D8A52B-B7FE-40FB-9B14-8BA278687B53}"/>
+          </ac:picMkLst>
+        </pc:picChg>
+      </pc:sldChg>
+      <pc:sldChg chg="modSp">
+        <pc:chgData name="Fabricio Kassardjian" userId="912a6e5d1950f402" providerId="LiveId" clId="{4617EFB1-FD4B-4777-BEAF-2C28463F5118}" dt="2019-12-05T04:16:11.161" v="12770" actId="20577"/>
+        <pc:sldMkLst>
+          <pc:docMk/>
+          <pc:sldMk cId="332057529" sldId="599"/>
+        </pc:sldMkLst>
+        <pc:graphicFrameChg chg="modGraphic">
+          <ac:chgData name="Fabricio Kassardjian" userId="912a6e5d1950f402" providerId="LiveId" clId="{4617EFB1-FD4B-4777-BEAF-2C28463F5118}" dt="2019-12-05T04:16:11.161" v="12770" actId="20577"/>
+          <ac:graphicFrameMkLst>
+            <pc:docMk/>
+            <pc:sldMk cId="332057529" sldId="599"/>
+            <ac:graphicFrameMk id="11" creationId="{C0DF9601-8ABC-46D4-9217-0D964DAFA0FE}"/>
+          </ac:graphicFrameMkLst>
+        </pc:graphicFrameChg>
+      </pc:sldChg>
+      <pc:sldChg chg="addSp modSp add">
+        <pc:chgData name="Fabricio Kassardjian" userId="912a6e5d1950f402" providerId="LiveId" clId="{4617EFB1-FD4B-4777-BEAF-2C28463F5118}" dt="2019-12-05T03:18:55.280" v="12761" actId="1076"/>
+        <pc:sldMkLst>
+          <pc:docMk/>
+          <pc:sldMk cId="3678114660" sldId="614"/>
+        </pc:sldMkLst>
+        <pc:spChg chg="mod">
+          <ac:chgData name="Fabricio Kassardjian" userId="912a6e5d1950f402" providerId="LiveId" clId="{4617EFB1-FD4B-4777-BEAF-2C28463F5118}" dt="2019-12-05T03:18:48.951" v="12759" actId="20577"/>
+          <ac:spMkLst>
+            <pc:docMk/>
+            <pc:sldMk cId="3678114660" sldId="614"/>
+            <ac:spMk id="2" creationId="{F03C2F21-D338-4655-BD72-C4C896381CC5}"/>
+          </ac:spMkLst>
+        </pc:spChg>
+        <pc:spChg chg="mod">
+          <ac:chgData name="Fabricio Kassardjian" userId="912a6e5d1950f402" providerId="LiveId" clId="{4617EFB1-FD4B-4777-BEAF-2C28463F5118}" dt="2019-12-05T03:17:53.214" v="12750"/>
+          <ac:spMkLst>
+            <pc:docMk/>
+            <pc:sldMk cId="3678114660" sldId="614"/>
+            <ac:spMk id="3" creationId="{DA1328C1-BFB6-4BEB-9D4A-88BBD69047A2}"/>
+          </ac:spMkLst>
+        </pc:spChg>
+        <pc:spChg chg="add">
+          <ac:chgData name="Fabricio Kassardjian" userId="912a6e5d1950f402" providerId="LiveId" clId="{4617EFB1-FD4B-4777-BEAF-2C28463F5118}" dt="2019-12-05T03:17:47.127" v="12749"/>
+          <ac:spMkLst>
+            <pc:docMk/>
+            <pc:sldMk cId="3678114660" sldId="614"/>
+            <ac:spMk id="4" creationId="{B35E30AF-37BE-46C2-8DEB-1C145144E7B6}"/>
+          </ac:spMkLst>
+        </pc:spChg>
+        <pc:picChg chg="add mod">
+          <ac:chgData name="Fabricio Kassardjian" userId="912a6e5d1950f402" providerId="LiveId" clId="{4617EFB1-FD4B-4777-BEAF-2C28463F5118}" dt="2019-12-05T03:18:55.280" v="12761" actId="1076"/>
+          <ac:picMkLst>
+            <pc:docMk/>
+            <pc:sldMk cId="3678114660" sldId="614"/>
+            <ac:picMk id="5" creationId="{B571BD29-8E43-4ABA-A972-1180B133E075}"/>
+          </ac:picMkLst>
+        </pc:picChg>
+      </pc:sldChg>
       <pc:sldMasterChg chg="addSp delSp modSp modSldLayout">
         <pc:chgData name="Fabricio Kassardjian" userId="912a6e5d1950f402" providerId="LiveId" clId="{4617EFB1-FD4B-4777-BEAF-2C28463F5118}" dt="2019-12-02T01:57:13.351" v="692" actId="404"/>
         <pc:sldMasterMkLst>
@@ -2807,6 +2783,211 @@
       </pc:sldMasterChg>
     </pc:docChg>
   </pc:docChgLst>
+  <pc:docChgLst>
+    <pc:chgData name="Fabricio Kassardjian" userId="912a6e5d1950f402" providerId="LiveId" clId="{97F4DC58-4984-41A3-985E-67067AFD3860}"/>
+    <pc:docChg chg="custSel addSld delSld modSld sldOrd">
+      <pc:chgData name="Fabricio Kassardjian" userId="912a6e5d1950f402" providerId="LiveId" clId="{97F4DC58-4984-41A3-985E-67067AFD3860}" dt="2019-11-29T13:37:15.342" v="422" actId="20577"/>
+      <pc:docMkLst>
+        <pc:docMk/>
+      </pc:docMkLst>
+      <pc:sldChg chg="modSp">
+        <pc:chgData name="Fabricio Kassardjian" userId="912a6e5d1950f402" providerId="LiveId" clId="{97F4DC58-4984-41A3-985E-67067AFD3860}" dt="2019-11-29T13:37:15.342" v="422" actId="20577"/>
+        <pc:sldMkLst>
+          <pc:docMk/>
+          <pc:sldMk cId="2452686853" sldId="504"/>
+        </pc:sldMkLst>
+        <pc:spChg chg="mod">
+          <ac:chgData name="Fabricio Kassardjian" userId="912a6e5d1950f402" providerId="LiveId" clId="{97F4DC58-4984-41A3-985E-67067AFD3860}" dt="2019-11-29T13:37:15.342" v="422" actId="20577"/>
+          <ac:spMkLst>
+            <pc:docMk/>
+            <pc:sldMk cId="2452686853" sldId="504"/>
+            <ac:spMk id="5" creationId="{E4C27882-E319-405B-A0FC-24C99A3B60B5}"/>
+          </ac:spMkLst>
+        </pc:spChg>
+      </pc:sldChg>
+      <pc:sldChg chg="modSp">
+        <pc:chgData name="Fabricio Kassardjian" userId="912a6e5d1950f402" providerId="LiveId" clId="{97F4DC58-4984-41A3-985E-67067AFD3860}" dt="2019-11-29T13:31:48.684" v="89" actId="6549"/>
+        <pc:sldMkLst>
+          <pc:docMk/>
+          <pc:sldMk cId="618333178" sldId="517"/>
+        </pc:sldMkLst>
+        <pc:spChg chg="mod">
+          <ac:chgData name="Fabricio Kassardjian" userId="912a6e5d1950f402" providerId="LiveId" clId="{97F4DC58-4984-41A3-985E-67067AFD3860}" dt="2019-11-29T13:30:48.206" v="62" actId="20577"/>
+          <ac:spMkLst>
+            <pc:docMk/>
+            <pc:sldMk cId="618333178" sldId="517"/>
+            <ac:spMk id="7" creationId="{31BA2962-6695-42DE-A7C7-0C60819DCA59}"/>
+          </ac:spMkLst>
+        </pc:spChg>
+        <pc:spChg chg="mod">
+          <ac:chgData name="Fabricio Kassardjian" userId="912a6e5d1950f402" providerId="LiveId" clId="{97F4DC58-4984-41A3-985E-67067AFD3860}" dt="2019-11-29T13:31:48.684" v="89" actId="6549"/>
+          <ac:spMkLst>
+            <pc:docMk/>
+            <pc:sldMk cId="618333178" sldId="517"/>
+            <ac:spMk id="11" creationId="{90138455-4687-4F61-B307-C43EDB3F578F}"/>
+          </ac:spMkLst>
+        </pc:spChg>
+      </pc:sldChg>
+      <pc:sldChg chg="del">
+        <pc:chgData name="Fabricio Kassardjian" userId="912a6e5d1950f402" providerId="LiveId" clId="{97F4DC58-4984-41A3-985E-67067AFD3860}" dt="2019-11-29T13:35:38.588" v="333" actId="2696"/>
+        <pc:sldMkLst>
+          <pc:docMk/>
+          <pc:sldMk cId="2922097082" sldId="518"/>
+        </pc:sldMkLst>
+      </pc:sldChg>
+      <pc:sldChg chg="del">
+        <pc:chgData name="Fabricio Kassardjian" userId="912a6e5d1950f402" providerId="LiveId" clId="{97F4DC58-4984-41A3-985E-67067AFD3860}" dt="2019-11-29T13:34:14.585" v="179" actId="2696"/>
+        <pc:sldMkLst>
+          <pc:docMk/>
+          <pc:sldMk cId="3333326940" sldId="519"/>
+        </pc:sldMkLst>
+      </pc:sldChg>
+      <pc:sldChg chg="del">
+        <pc:chgData name="Fabricio Kassardjian" userId="912a6e5d1950f402" providerId="LiveId" clId="{97F4DC58-4984-41A3-985E-67067AFD3860}" dt="2019-11-29T13:35:40.419" v="334" actId="2696"/>
+        <pc:sldMkLst>
+          <pc:docMk/>
+          <pc:sldMk cId="1832481542" sldId="520"/>
+        </pc:sldMkLst>
+      </pc:sldChg>
+      <pc:sldChg chg="del">
+        <pc:chgData name="Fabricio Kassardjian" userId="912a6e5d1950f402" providerId="LiveId" clId="{97F4DC58-4984-41A3-985E-67067AFD3860}" dt="2019-11-29T13:35:46.965" v="335" actId="2696"/>
+        <pc:sldMkLst>
+          <pc:docMk/>
+          <pc:sldMk cId="2906388585" sldId="540"/>
+        </pc:sldMkLst>
+      </pc:sldChg>
+      <pc:sldChg chg="modSp">
+        <pc:chgData name="Fabricio Kassardjian" userId="912a6e5d1950f402" providerId="LiveId" clId="{97F4DC58-4984-41A3-985E-67067AFD3860}" dt="2019-11-29T13:36:51.983" v="402" actId="20577"/>
+        <pc:sldMkLst>
+          <pc:docMk/>
+          <pc:sldMk cId="763771652" sldId="542"/>
+        </pc:sldMkLst>
+        <pc:spChg chg="mod">
+          <ac:chgData name="Fabricio Kassardjian" userId="912a6e5d1950f402" providerId="LiveId" clId="{97F4DC58-4984-41A3-985E-67067AFD3860}" dt="2019-11-29T13:36:51.983" v="402" actId="20577"/>
+          <ac:spMkLst>
+            <pc:docMk/>
+            <pc:sldMk cId="763771652" sldId="542"/>
+            <ac:spMk id="7" creationId="{F73E018D-5587-40E7-9F2A-A5E1AA30FD59}"/>
+          </ac:spMkLst>
+        </pc:spChg>
+      </pc:sldChg>
+      <pc:sldChg chg="delSp modSp">
+        <pc:chgData name="Fabricio Kassardjian" userId="912a6e5d1950f402" providerId="LiveId" clId="{97F4DC58-4984-41A3-985E-67067AFD3860}" dt="2019-11-29T13:36:15.030" v="352" actId="478"/>
+        <pc:sldMkLst>
+          <pc:docMk/>
+          <pc:sldMk cId="975161573" sldId="544"/>
+        </pc:sldMkLst>
+        <pc:spChg chg="mod">
+          <ac:chgData name="Fabricio Kassardjian" userId="912a6e5d1950f402" providerId="LiveId" clId="{97F4DC58-4984-41A3-985E-67067AFD3860}" dt="2019-11-29T13:36:12.324" v="351" actId="20577"/>
+          <ac:spMkLst>
+            <pc:docMk/>
+            <pc:sldMk cId="975161573" sldId="544"/>
+            <ac:spMk id="5" creationId="{57E1EA3A-ACCA-4ED2-BB2A-96BC1613917E}"/>
+          </ac:spMkLst>
+        </pc:spChg>
+        <pc:spChg chg="mod">
+          <ac:chgData name="Fabricio Kassardjian" userId="912a6e5d1950f402" providerId="LiveId" clId="{97F4DC58-4984-41A3-985E-67067AFD3860}" dt="2019-11-29T13:35:55.545" v="339" actId="20577"/>
+          <ac:spMkLst>
+            <pc:docMk/>
+            <pc:sldMk cId="975161573" sldId="544"/>
+            <ac:spMk id="7" creationId="{F73E018D-5587-40E7-9F2A-A5E1AA30FD59}"/>
+          </ac:spMkLst>
+        </pc:spChg>
+        <pc:picChg chg="del">
+          <ac:chgData name="Fabricio Kassardjian" userId="912a6e5d1950f402" providerId="LiveId" clId="{97F4DC58-4984-41A3-985E-67067AFD3860}" dt="2019-11-29T13:36:15.030" v="352" actId="478"/>
+          <ac:picMkLst>
+            <pc:docMk/>
+            <pc:sldMk cId="975161573" sldId="544"/>
+            <ac:picMk id="3" creationId="{4E4BFE32-A7CE-4448-916B-F77A1CB747A9}"/>
+          </ac:picMkLst>
+        </pc:picChg>
+      </pc:sldChg>
+      <pc:sldChg chg="addSp modSp add">
+        <pc:chgData name="Fabricio Kassardjian" userId="912a6e5d1950f402" providerId="LiveId" clId="{97F4DC58-4984-41A3-985E-67067AFD3860}" dt="2019-11-29T13:34:58.604" v="254" actId="20577"/>
+        <pc:sldMkLst>
+          <pc:docMk/>
+          <pc:sldMk cId="3834853037" sldId="547"/>
+        </pc:sldMkLst>
+        <pc:spChg chg="mod">
+          <ac:chgData name="Fabricio Kassardjian" userId="912a6e5d1950f402" providerId="LiveId" clId="{97F4DC58-4984-41A3-985E-67067AFD3860}" dt="2019-11-29T13:34:58.604" v="254" actId="20577"/>
+          <ac:spMkLst>
+            <pc:docMk/>
+            <pc:sldMk cId="3834853037" sldId="547"/>
+            <ac:spMk id="5" creationId="{E4C27882-E319-405B-A0FC-24C99A3B60B5}"/>
+          </ac:spMkLst>
+        </pc:spChg>
+        <pc:spChg chg="add ord">
+          <ac:chgData name="Fabricio Kassardjian" userId="912a6e5d1950f402" providerId="LiveId" clId="{97F4DC58-4984-41A3-985E-67067AFD3860}" dt="2019-11-29T13:34:09.012" v="178" actId="167"/>
+          <ac:spMkLst>
+            <pc:docMk/>
+            <pc:sldMk cId="3834853037" sldId="547"/>
+            <ac:spMk id="6" creationId="{F70BB2AE-D17C-4909-A257-36E063E54DB1}"/>
+          </ac:spMkLst>
+        </pc:spChg>
+      </pc:sldChg>
+      <pc:sldChg chg="modSp add">
+        <pc:chgData name="Fabricio Kassardjian" userId="912a6e5d1950f402" providerId="LiveId" clId="{97F4DC58-4984-41A3-985E-67067AFD3860}" dt="2019-11-29T13:35:07.480" v="276" actId="20577"/>
+        <pc:sldMkLst>
+          <pc:docMk/>
+          <pc:sldMk cId="1488619366" sldId="548"/>
+        </pc:sldMkLst>
+        <pc:spChg chg="mod">
+          <ac:chgData name="Fabricio Kassardjian" userId="912a6e5d1950f402" providerId="LiveId" clId="{97F4DC58-4984-41A3-985E-67067AFD3860}" dt="2019-11-29T13:35:07.480" v="276" actId="20577"/>
+          <ac:spMkLst>
+            <pc:docMk/>
+            <pc:sldMk cId="1488619366" sldId="548"/>
+            <ac:spMk id="5" creationId="{E4C27882-E319-405B-A0FC-24C99A3B60B5}"/>
+          </ac:spMkLst>
+        </pc:spChg>
+        <pc:spChg chg="mod">
+          <ac:chgData name="Fabricio Kassardjian" userId="912a6e5d1950f402" providerId="LiveId" clId="{97F4DC58-4984-41A3-985E-67067AFD3860}" dt="2019-11-29T13:34:32.075" v="206" actId="1035"/>
+          <ac:spMkLst>
+            <pc:docMk/>
+            <pc:sldMk cId="1488619366" sldId="548"/>
+            <ac:spMk id="6" creationId="{F70BB2AE-D17C-4909-A257-36E063E54DB1}"/>
+          </ac:spMkLst>
+        </pc:spChg>
+      </pc:sldChg>
+      <pc:sldChg chg="modSp add">
+        <pc:chgData name="Fabricio Kassardjian" userId="912a6e5d1950f402" providerId="LiveId" clId="{97F4DC58-4984-41A3-985E-67067AFD3860}" dt="2019-11-29T13:35:18.934" v="296" actId="20577"/>
+        <pc:sldMkLst>
+          <pc:docMk/>
+          <pc:sldMk cId="611014377" sldId="549"/>
+        </pc:sldMkLst>
+        <pc:spChg chg="mod">
+          <ac:chgData name="Fabricio Kassardjian" userId="912a6e5d1950f402" providerId="LiveId" clId="{97F4DC58-4984-41A3-985E-67067AFD3860}" dt="2019-11-29T13:35:18.934" v="296" actId="20577"/>
+          <ac:spMkLst>
+            <pc:docMk/>
+            <pc:sldMk cId="611014377" sldId="549"/>
+            <ac:spMk id="5" creationId="{E4C27882-E319-405B-A0FC-24C99A3B60B5}"/>
+          </ac:spMkLst>
+        </pc:spChg>
+        <pc:spChg chg="mod">
+          <ac:chgData name="Fabricio Kassardjian" userId="912a6e5d1950f402" providerId="LiveId" clId="{97F4DC58-4984-41A3-985E-67067AFD3860}" dt="2019-11-29T13:34:42.450" v="234" actId="1035"/>
+          <ac:spMkLst>
+            <pc:docMk/>
+            <pc:sldMk cId="611014377" sldId="549"/>
+            <ac:spMk id="6" creationId="{F70BB2AE-D17C-4909-A257-36E063E54DB1}"/>
+          </ac:spMkLst>
+        </pc:spChg>
+      </pc:sldChg>
+      <pc:sldChg chg="modSp add ord">
+        <pc:chgData name="Fabricio Kassardjian" userId="912a6e5d1950f402" providerId="LiveId" clId="{97F4DC58-4984-41A3-985E-67067AFD3860}" dt="2019-11-29T13:35:50.075" v="337"/>
+        <pc:sldMkLst>
+          <pc:docMk/>
+          <pc:sldMk cId="1545497083" sldId="550"/>
+        </pc:sldMkLst>
+        <pc:spChg chg="mod">
+          <ac:chgData name="Fabricio Kassardjian" userId="912a6e5d1950f402" providerId="LiveId" clId="{97F4DC58-4984-41A3-985E-67067AFD3860}" dt="2019-11-29T13:35:33.953" v="332" actId="1036"/>
+          <ac:spMkLst>
+            <pc:docMk/>
+            <pc:sldMk cId="1545497083" sldId="550"/>
+            <ac:spMk id="6" creationId="{F70BB2AE-D17C-4909-A257-36E063E54DB1}"/>
+          </ac:spMkLst>
+        </pc:spChg>
+      </pc:sldChg>
+    </pc:docChg>
+  </pc:docChgLst>
 </pc:chgInfo>
 </file>
 
@@ -4146,7 +4327,7 @@
           <a:p>
             <a:fld id="{977A75FF-2340-4E7B-BCCB-4FA6BE567DBF}" type="slidenum">
               <a:rPr lang="pt-BR" smtClean="0"/>
-              <a:t>44</a:t>
+              <a:t>45</a:t>
             </a:fld>
             <a:endParaRPr lang="pt-BR"/>
           </a:p>
@@ -4233,7 +4414,7 @@
           <a:p>
             <a:fld id="{977A75FF-2340-4E7B-BCCB-4FA6BE567DBF}" type="slidenum">
               <a:rPr lang="pt-BR" smtClean="0"/>
-              <a:t>45</a:t>
+              <a:t>46</a:t>
             </a:fld>
             <a:endParaRPr lang="pt-BR"/>
           </a:p>
@@ -4461,7 +4642,7 @@
           <a:p>
             <a:fld id="{977A75FF-2340-4E7B-BCCB-4FA6BE567DBF}" type="slidenum">
               <a:rPr lang="pt-BR" smtClean="0"/>
-              <a:t>46</a:t>
+              <a:t>47</a:t>
             </a:fld>
             <a:endParaRPr lang="pt-BR"/>
           </a:p>
@@ -4548,7 +4729,7 @@
           <a:p>
             <a:fld id="{977A75FF-2340-4E7B-BCCB-4FA6BE567DBF}" type="slidenum">
               <a:rPr lang="pt-BR" smtClean="0"/>
-              <a:t>47</a:t>
+              <a:t>48</a:t>
             </a:fld>
             <a:endParaRPr lang="pt-BR"/>
           </a:p>
@@ -4648,7 +4829,7 @@
           <a:p>
             <a:fld id="{977A75FF-2340-4E7B-BCCB-4FA6BE567DBF}" type="slidenum">
               <a:rPr lang="pt-BR" smtClean="0"/>
-              <a:t>48</a:t>
+              <a:t>49</a:t>
             </a:fld>
             <a:endParaRPr lang="pt-BR"/>
           </a:p>
@@ -4735,7 +4916,7 @@
           <a:p>
             <a:fld id="{977A75FF-2340-4E7B-BCCB-4FA6BE567DBF}" type="slidenum">
               <a:rPr lang="pt-BR" smtClean="0"/>
-              <a:t>53</a:t>
+              <a:t>54</a:t>
             </a:fld>
             <a:endParaRPr lang="pt-BR"/>
           </a:p>
@@ -4822,7 +5003,7 @@
           <a:p>
             <a:fld id="{977A75FF-2340-4E7B-BCCB-4FA6BE567DBF}" type="slidenum">
               <a:rPr lang="pt-BR" smtClean="0"/>
-              <a:t>56</a:t>
+              <a:t>57</a:t>
             </a:fld>
             <a:endParaRPr lang="pt-BR"/>
           </a:p>
@@ -4909,7 +5090,7 @@
           <a:p>
             <a:fld id="{977A75FF-2340-4E7B-BCCB-4FA6BE567DBF}" type="slidenum">
               <a:rPr lang="pt-BR" smtClean="0"/>
-              <a:t>61</a:t>
+              <a:t>62</a:t>
             </a:fld>
             <a:endParaRPr lang="pt-BR"/>
           </a:p>
@@ -5042,7 +5223,7 @@
                 <a:tabLst/>
                 <a:defRPr/>
               </a:pPr>
-              <a:t>62</a:t>
+              <a:t>63</a:t>
             </a:fld>
             <a:endParaRPr kumimoji="0" lang="en-US" sz="1200" b="0" i="0" u="none" strike="noStrike" kern="1200" cap="none" spc="0" normalizeH="0" baseline="0" noProof="0" dirty="0">
               <a:ln>
@@ -5188,7 +5369,7 @@
                 <a:tabLst/>
                 <a:defRPr/>
               </a:pPr>
-              <a:t>63</a:t>
+              <a:t>64</a:t>
             </a:fld>
             <a:endParaRPr kumimoji="0" lang="en-US" sz="1200" b="0" i="0" u="none" strike="noStrike" kern="1200" cap="none" spc="0" normalizeH="0" baseline="0" noProof="0" dirty="0">
               <a:ln>
@@ -14618,7 +14799,7 @@
           <a:graphicData uri="http://schemas.openxmlformats.org/presentationml/2006/ole">
             <mc:AlternateContent xmlns:mc="http://schemas.openxmlformats.org/markup-compatibility/2006">
               <mc:Choice xmlns:v="urn:schemas-microsoft-com:vml" Requires="v">
-                <p:oleObj spid="_x0000_s1038" name="Acrobat Document" r:id="rId3" imgW="8039065" imgH="3467092" progId="AcroExch.Document.DC">
+                <p:oleObj spid="_x0000_s1026" name="Acrobat Document" r:id="rId3" imgW="8039065" imgH="3467092" progId="AcroExch.Document.DC">
                   <p:embed/>
                 </p:oleObj>
               </mc:Choice>
@@ -27447,7 +27628,36 @@
           <a:p>
             <a:r>
               <a:rPr lang="pt-BR" dirty="0"/>
-              <a:t> 	</a:t>
+              <a:t> 	          para </a:t>
+            </a:r>
+            <a:r>
+              <a:rPr lang="pt-BR" i="1" dirty="0">
+                <a:latin typeface="Times New Roman" panose="02020603050405020304" pitchFamily="18" charset="0"/>
+                <a:cs typeface="Times New Roman" panose="02020603050405020304" pitchFamily="18" charset="0"/>
+              </a:rPr>
+              <a:t>s</a:t>
+            </a:r>
+            <a:r>
+              <a:rPr lang="pt-BR" dirty="0"/>
+              <a:t> e </a:t>
+            </a:r>
+            <a:r>
+              <a:rPr lang="pt-BR" i="1" dirty="0">
+                <a:latin typeface="Times New Roman" panose="02020603050405020304" pitchFamily="18" charset="0"/>
+                <a:cs typeface="Times New Roman" panose="02020603050405020304" pitchFamily="18" charset="0"/>
+              </a:rPr>
+              <a:t>s’</a:t>
+            </a:r>
+            <a:r>
+              <a:rPr lang="pt-BR" dirty="0"/>
+              <a:t> vizinhos, 0 caso contrário e   </a:t>
+            </a:r>
+            <a:r>
+              <a:rPr lang="pt-BR" i="1" dirty="0">
+                <a:latin typeface="Times New Roman" panose="02020603050405020304" pitchFamily="18" charset="0"/>
+                <a:cs typeface="Times New Roman" panose="02020603050405020304" pitchFamily="18" charset="0"/>
+              </a:rPr>
+              <a:t>h = 0</a:t>
             </a:r>
           </a:p>
           <a:p>
@@ -27464,23 +27674,6 @@
           </a:p>
           <a:p>
             <a:endParaRPr lang="pt-BR" sz="500" dirty="0"/>
-          </a:p>
-          <a:p>
-            <a:pPr marL="0" indent="0">
-              <a:buNone/>
-            </a:pPr>
-            <a:r>
-              <a:rPr lang="pt-BR" b="1" dirty="0">
-                <a:solidFill>
-                  <a:srgbClr val="7030A0"/>
-                </a:solidFill>
-              </a:rPr>
-              <a:t>cromossomo</a:t>
-            </a:r>
-            <a:r>
-              <a:rPr lang="pt-BR" dirty="0"/>
-              <a:t>: vetor de inteiros com linhas da matriz concatenadas. Exemplo:</a:t>
-            </a:r>
           </a:p>
         </p:txBody>
       </p:sp>
@@ -27664,7 +27857,7 @@
         </p:blipFill>
         <p:spPr>
           <a:xfrm>
-            <a:off x="853382" y="1684994"/>
+            <a:off x="853382" y="1731174"/>
             <a:ext cx="1295512" cy="403895"/>
           </a:xfrm>
           <a:prstGeom prst="rect">
@@ -27674,10 +27867,10 @@
       </p:pic>
       <p:pic>
         <p:nvPicPr>
-          <p:cNvPr id="7" name="Imagem 6">
+          <p:cNvPr id="12" name="Imagem 11">
             <a:extLst>
               <a:ext uri="{FF2B5EF4-FFF2-40B4-BE49-F238E27FC236}">
-                <a16:creationId xmlns:a16="http://schemas.microsoft.com/office/drawing/2014/main" id="{35C7FAAB-4EFC-4D2A-AC1A-5253AB627212}"/>
+                <a16:creationId xmlns:a16="http://schemas.microsoft.com/office/drawing/2014/main" id="{F990910F-B17E-466E-BDF0-011C6D8EF831}"/>
               </a:ext>
             </a:extLst>
           </p:cNvPr>
@@ -27694,8 +27887,8 @@
         </p:blipFill>
         <p:spPr>
           <a:xfrm>
-            <a:off x="1950492" y="2525631"/>
-            <a:ext cx="5243014" cy="944962"/>
+            <a:off x="2777482" y="1773086"/>
+            <a:ext cx="175275" cy="335309"/>
           </a:xfrm>
           <a:prstGeom prst="rect">
             <a:avLst/>
@@ -27704,10 +27897,10 @@
       </p:pic>
       <p:pic>
         <p:nvPicPr>
-          <p:cNvPr id="8" name="Imagem 7">
+          <p:cNvPr id="14" name="Imagem 13">
             <a:extLst>
               <a:ext uri="{FF2B5EF4-FFF2-40B4-BE49-F238E27FC236}">
-                <a16:creationId xmlns:a16="http://schemas.microsoft.com/office/drawing/2014/main" id="{E5B3959C-6874-4444-A18E-7F8B10558258}"/>
+                <a16:creationId xmlns:a16="http://schemas.microsoft.com/office/drawing/2014/main" id="{A0DC37B5-CEDA-4EC1-897F-6569C196D002}"/>
               </a:ext>
             </a:extLst>
           </p:cNvPr>
@@ -27724,8 +27917,38 @@
         </p:blipFill>
         <p:spPr>
           <a:xfrm>
-            <a:off x="2074341" y="4102845"/>
-            <a:ext cx="4709568" cy="1775614"/>
+            <a:off x="3135621" y="1769277"/>
+            <a:ext cx="198137" cy="327688"/>
+          </a:xfrm>
+          <a:prstGeom prst="rect">
+            <a:avLst/>
+          </a:prstGeom>
+        </p:spPr>
+      </p:pic>
+      <p:pic>
+        <p:nvPicPr>
+          <p:cNvPr id="16" name="Imagem 15">
+            <a:extLst>
+              <a:ext uri="{FF2B5EF4-FFF2-40B4-BE49-F238E27FC236}">
+                <a16:creationId xmlns:a16="http://schemas.microsoft.com/office/drawing/2014/main" id="{BDD3D6B3-837E-4EC6-A0E6-E6ECE98DFF32}"/>
+              </a:ext>
+            </a:extLst>
+          </p:cNvPr>
+          <p:cNvPicPr>
+            <a:picLocks noChangeAspect="1"/>
+          </p:cNvPicPr>
+          <p:nvPr/>
+        </p:nvPicPr>
+        <p:blipFill>
+          <a:blip r:embed="rId6"/>
+          <a:stretch>
+            <a:fillRect/>
+          </a:stretch>
+        </p:blipFill>
+        <p:spPr>
+          <a:xfrm>
+            <a:off x="515371" y="2706285"/>
+            <a:ext cx="8390347" cy="2080440"/>
           </a:xfrm>
           <a:prstGeom prst="rect">
             <a:avLst/>
@@ -27746,6 +27969,235 @@
 </file>
 
 <file path=ppt/slides/slide43.xml><?xml version="1.0" encoding="utf-8"?>
+<p:sld xmlns:a="http://schemas.openxmlformats.org/drawingml/2006/main" xmlns:r="http://schemas.openxmlformats.org/officeDocument/2006/relationships" xmlns:p="http://schemas.openxmlformats.org/presentationml/2006/main">
+  <p:cSld>
+    <p:spTree>
+      <p:nvGrpSpPr>
+        <p:cNvPr id="1" name=""/>
+        <p:cNvGrpSpPr/>
+        <p:nvPr/>
+      </p:nvGrpSpPr>
+      <p:grpSpPr>
+        <a:xfrm>
+          <a:off x="0" y="0"/>
+          <a:ext cx="0" cy="0"/>
+          <a:chOff x="0" y="0"/>
+          <a:chExt cx="0" cy="0"/>
+        </a:xfrm>
+      </p:grpSpPr>
+      <p:sp>
+        <p:nvSpPr>
+          <p:cNvPr id="2" name="Espaço Reservado para Conteúdo 1">
+            <a:extLst>
+              <a:ext uri="{FF2B5EF4-FFF2-40B4-BE49-F238E27FC236}">
+                <a16:creationId xmlns:a16="http://schemas.microsoft.com/office/drawing/2014/main" id="{F03C2F21-D338-4655-BD72-C4C896381CC5}"/>
+              </a:ext>
+            </a:extLst>
+          </p:cNvPr>
+          <p:cNvSpPr>
+            <a:spLocks noGrp="1"/>
+          </p:cNvSpPr>
+          <p:nvPr>
+            <p:ph idx="1"/>
+          </p:nvPr>
+        </p:nvSpPr>
+        <p:spPr/>
+        <p:txBody>
+          <a:bodyPr/>
+          <a:lstStyle/>
+          <a:p>
+            <a:endParaRPr lang="pt-BR" b="1" dirty="0">
+              <a:solidFill>
+                <a:srgbClr val="7030A0"/>
+              </a:solidFill>
+            </a:endParaRPr>
+          </a:p>
+          <a:p>
+            <a:r>
+              <a:rPr lang="pt-BR" b="1" dirty="0">
+                <a:solidFill>
+                  <a:srgbClr val="7030A0"/>
+                </a:solidFill>
+              </a:rPr>
+              <a:t>cromossomo</a:t>
+            </a:r>
+            <a:r>
+              <a:rPr lang="pt-BR" dirty="0"/>
+              <a:t>: vetor de inteiros com linhas da matriz concatenadas. </a:t>
+            </a:r>
+          </a:p>
+          <a:p>
+            <a:r>
+              <a:rPr lang="pt-BR" dirty="0"/>
+              <a:t>Exemplo:</a:t>
+            </a:r>
+          </a:p>
+          <a:p>
+            <a:endParaRPr lang="pt-BR" dirty="0"/>
+          </a:p>
+        </p:txBody>
+      </p:sp>
+      <p:sp>
+        <p:nvSpPr>
+          <p:cNvPr id="3" name="Título 2">
+            <a:extLst>
+              <a:ext uri="{FF2B5EF4-FFF2-40B4-BE49-F238E27FC236}">
+                <a16:creationId xmlns:a16="http://schemas.microsoft.com/office/drawing/2014/main" id="{DA1328C1-BFB6-4BEB-9D4A-88BBD69047A2}"/>
+              </a:ext>
+            </a:extLst>
+          </p:cNvPr>
+          <p:cNvSpPr>
+            <a:spLocks noGrp="1"/>
+          </p:cNvSpPr>
+          <p:nvPr>
+            <p:ph type="title"/>
+          </p:nvPr>
+        </p:nvSpPr>
+        <p:spPr/>
+        <p:txBody>
+          <a:bodyPr/>
+          <a:lstStyle/>
+          <a:p>
+            <a:r>
+              <a:rPr lang="pt-BR" dirty="0"/>
+              <a:t>Definições para os testes</a:t>
+            </a:r>
+          </a:p>
+        </p:txBody>
+      </p:sp>
+      <p:sp>
+        <p:nvSpPr>
+          <p:cNvPr id="4" name="CaixaDeTexto 10">
+            <a:extLst>
+              <a:ext uri="{FF2B5EF4-FFF2-40B4-BE49-F238E27FC236}">
+                <a16:creationId xmlns:a16="http://schemas.microsoft.com/office/drawing/2014/main" id="{B35E30AF-37BE-46C2-8DEB-1C145144E7B6}"/>
+              </a:ext>
+            </a:extLst>
+          </p:cNvPr>
+          <p:cNvSpPr txBox="1"/>
+          <p:nvPr/>
+        </p:nvSpPr>
+        <p:spPr>
+          <a:xfrm>
+            <a:off x="692728" y="12620"/>
+            <a:ext cx="2347073" cy="511818"/>
+          </a:xfrm>
+          <a:prstGeom prst="rect">
+            <a:avLst/>
+          </a:prstGeom>
+          <a:noFill/>
+        </p:spPr>
+        <p:txBody>
+          <a:bodyPr wrap="none" lIns="80147" tIns="40074" rIns="80147" bIns="40074">
+            <a:spAutoFit/>
+          </a:bodyPr>
+          <a:lstStyle/>
+          <a:p>
+            <a:pPr algn="l" defTabSz="914239" fontAlgn="auto">
+              <a:spcBef>
+                <a:spcPts val="0"/>
+              </a:spcBef>
+              <a:spcAft>
+                <a:spcPts val="0"/>
+              </a:spcAft>
+              <a:defRPr/>
+            </a:pPr>
+            <a:r>
+              <a:rPr lang="pt-BR" sz="1400" b="1" cap="small" dirty="0">
+                <a:solidFill>
+                  <a:srgbClr val="002060"/>
+                </a:solidFill>
+                <a:latin typeface="+mn-lt"/>
+              </a:rPr>
+              <a:t>3. </a:t>
+            </a:r>
+            <a:r>
+              <a:rPr lang="pt-BR" sz="1400" b="1" cap="small" dirty="0">
+                <a:solidFill>
+                  <a:srgbClr val="002060"/>
+                </a:solidFill>
+              </a:rPr>
+              <a:t>Implementação e Resultados</a:t>
+            </a:r>
+            <a:endParaRPr lang="pt-BR" sz="1400" b="1" cap="small" dirty="0">
+              <a:solidFill>
+                <a:srgbClr val="002060"/>
+              </a:solidFill>
+              <a:latin typeface="+mn-lt"/>
+            </a:endParaRPr>
+          </a:p>
+          <a:p>
+            <a:pPr defTabSz="914239">
+              <a:defRPr/>
+            </a:pPr>
+            <a:r>
+              <a:rPr lang="pt-BR" sz="1400" b="1" cap="small" dirty="0">
+                <a:solidFill>
+                  <a:srgbClr val="002060"/>
+                </a:solidFill>
+              </a:rPr>
+              <a:t>3b. Modelo de </a:t>
+            </a:r>
+            <a:r>
+              <a:rPr lang="pt-BR" sz="1400" b="1" cap="small" dirty="0" err="1">
+                <a:solidFill>
+                  <a:srgbClr val="002060"/>
+                </a:solidFill>
+              </a:rPr>
+              <a:t>Ising</a:t>
+            </a:r>
+            <a:endParaRPr lang="pt-BR" sz="1400" b="1" cap="small" dirty="0">
+              <a:solidFill>
+                <a:srgbClr val="002060"/>
+              </a:solidFill>
+            </a:endParaRPr>
+          </a:p>
+        </p:txBody>
+      </p:sp>
+      <p:pic>
+        <p:nvPicPr>
+          <p:cNvPr id="5" name="Imagem 4">
+            <a:extLst>
+              <a:ext uri="{FF2B5EF4-FFF2-40B4-BE49-F238E27FC236}">
+                <a16:creationId xmlns:a16="http://schemas.microsoft.com/office/drawing/2014/main" id="{B571BD29-8E43-4ABA-A972-1180B133E075}"/>
+              </a:ext>
+            </a:extLst>
+          </p:cNvPr>
+          <p:cNvPicPr>
+            <a:picLocks noChangeAspect="1"/>
+          </p:cNvPicPr>
+          <p:nvPr/>
+        </p:nvPicPr>
+        <p:blipFill>
+          <a:blip r:embed="rId2"/>
+          <a:stretch>
+            <a:fillRect/>
+          </a:stretch>
+        </p:blipFill>
+        <p:spPr>
+          <a:xfrm>
+            <a:off x="1681160" y="2753630"/>
+            <a:ext cx="5827400" cy="2197062"/>
+          </a:xfrm>
+          <a:prstGeom prst="rect">
+            <a:avLst/>
+          </a:prstGeom>
+        </p:spPr>
+      </p:pic>
+    </p:spTree>
+    <p:extLst>
+      <p:ext uri="{BB962C8B-B14F-4D97-AF65-F5344CB8AC3E}">
+        <p14:creationId xmlns:p14="http://schemas.microsoft.com/office/powerpoint/2010/main" val="3678114660"/>
+      </p:ext>
+    </p:extLst>
+  </p:cSld>
+  <p:clrMapOvr>
+    <a:masterClrMapping/>
+  </p:clrMapOvr>
+</p:sld>
+</file>
+
+<file path=ppt/slides/slide44.xml><?xml version="1.0" encoding="utf-8"?>
 <p:sld xmlns:a="http://schemas.openxmlformats.org/drawingml/2006/main" xmlns:r="http://schemas.openxmlformats.org/officeDocument/2006/relationships" xmlns:p="http://schemas.openxmlformats.org/presentationml/2006/main">
   <p:cSld>
     <p:spTree>
@@ -27991,47 +28443,6 @@
           </a:p>
         </p:txBody>
       </p:sp>
-      <p:pic>
-        <p:nvPicPr>
-          <p:cNvPr id="7" name="Imagem 6">
-            <a:extLst>
-              <a:ext uri="{FF2B5EF4-FFF2-40B4-BE49-F238E27FC236}">
-                <a16:creationId xmlns:a16="http://schemas.microsoft.com/office/drawing/2014/main" id="{7C3B2D85-23E6-40BC-8E8E-FEDDF5F1ED07}"/>
-              </a:ext>
-            </a:extLst>
-          </p:cNvPr>
-          <p:cNvPicPr>
-            <a:picLocks noChangeAspect="1"/>
-          </p:cNvPicPr>
-          <p:nvPr/>
-        </p:nvPicPr>
-        <p:blipFill>
-          <a:blip r:embed="rId2">
-            <a:clrChange>
-              <a:clrFrom>
-                <a:srgbClr val="FFFFFF"/>
-              </a:clrFrom>
-              <a:clrTo>
-                <a:srgbClr val="FFFFFF">
-                  <a:alpha val="0"/>
-                </a:srgbClr>
-              </a:clrTo>
-            </a:clrChange>
-          </a:blip>
-          <a:stretch>
-            <a:fillRect/>
-          </a:stretch>
-        </p:blipFill>
-        <p:spPr>
-          <a:xfrm>
-            <a:off x="3272619" y="1262931"/>
-            <a:ext cx="3932261" cy="602032"/>
-          </a:xfrm>
-          <a:prstGeom prst="rect">
-            <a:avLst/>
-          </a:prstGeom>
-        </p:spPr>
-      </p:pic>
       <p:sp>
         <p:nvSpPr>
           <p:cNvPr id="3" name="Título 2">
@@ -28149,36 +28560,6 @@
           </a:p>
         </p:txBody>
       </p:sp>
-      <p:pic>
-        <p:nvPicPr>
-          <p:cNvPr id="8" name="Imagem 7">
-            <a:extLst>
-              <a:ext uri="{FF2B5EF4-FFF2-40B4-BE49-F238E27FC236}">
-                <a16:creationId xmlns:a16="http://schemas.microsoft.com/office/drawing/2014/main" id="{34D8A52B-B7FE-40FB-9B14-8BA278687B53}"/>
-              </a:ext>
-            </a:extLst>
-          </p:cNvPr>
-          <p:cNvPicPr>
-            <a:picLocks noChangeAspect="1"/>
-          </p:cNvPicPr>
-          <p:nvPr/>
-        </p:nvPicPr>
-        <p:blipFill>
-          <a:blip r:embed="rId3"/>
-          <a:stretch>
-            <a:fillRect/>
-          </a:stretch>
-        </p:blipFill>
-        <p:spPr>
-          <a:xfrm>
-            <a:off x="7854303" y="1343951"/>
-            <a:ext cx="274344" cy="342930"/>
-          </a:xfrm>
-          <a:prstGeom prst="rect">
-            <a:avLst/>
-          </a:prstGeom>
-        </p:spPr>
-      </p:pic>
     </p:spTree>
     <p:extLst>
       <p:ext uri="{BB962C8B-B14F-4D97-AF65-F5344CB8AC3E}">
@@ -28192,7 +28573,7 @@
 </p:sld>
 </file>
 
-<file path=ppt/slides/slide44.xml><?xml version="1.0" encoding="utf-8"?>
+<file path=ppt/slides/slide45.xml><?xml version="1.0" encoding="utf-8"?>
 <p:sld xmlns:a="http://schemas.openxmlformats.org/drawingml/2006/main" xmlns:r="http://schemas.openxmlformats.org/officeDocument/2006/relationships" xmlns:p="http://schemas.openxmlformats.org/presentationml/2006/main">
   <p:cSld>
     <p:spTree>
@@ -28556,7 +28937,7 @@
 </p:sld>
 </file>
 
-<file path=ppt/slides/slide45.xml><?xml version="1.0" encoding="utf-8"?>
+<file path=ppt/slides/slide46.xml><?xml version="1.0" encoding="utf-8"?>
 <p:sld xmlns:a="http://schemas.openxmlformats.org/drawingml/2006/main" xmlns:r="http://schemas.openxmlformats.org/officeDocument/2006/relationships" xmlns:p="http://schemas.openxmlformats.org/presentationml/2006/main">
   <p:cSld>
     <p:spTree>
@@ -32665,7 +33046,7 @@
 </p:sld>
 </file>
 
-<file path=ppt/slides/slide46.xml><?xml version="1.0" encoding="utf-8"?>
+<file path=ppt/slides/slide47.xml><?xml version="1.0" encoding="utf-8"?>
 <p:sld xmlns:a="http://schemas.openxmlformats.org/drawingml/2006/main" xmlns:r="http://schemas.openxmlformats.org/officeDocument/2006/relationships" xmlns:p="http://schemas.openxmlformats.org/presentationml/2006/main">
   <p:cSld>
     <p:spTree>
@@ -32847,7 +33228,7 @@
 </p:sld>
 </file>
 
-<file path=ppt/slides/slide47.xml><?xml version="1.0" encoding="utf-8"?>
+<file path=ppt/slides/slide48.xml><?xml version="1.0" encoding="utf-8"?>
 <p:sld xmlns:a="http://schemas.openxmlformats.org/drawingml/2006/main" xmlns:r="http://schemas.openxmlformats.org/officeDocument/2006/relationships" xmlns:p="http://schemas.openxmlformats.org/presentationml/2006/main">
   <p:cSld>
     <p:spTree>
@@ -38380,7 +38761,7 @@
 </p:sld>
 </file>
 
-<file path=ppt/slides/slide48.xml><?xml version="1.0" encoding="utf-8"?>
+<file path=ppt/slides/slide49.xml><?xml version="1.0" encoding="utf-8"?>
 <p:sld xmlns:a="http://schemas.openxmlformats.org/drawingml/2006/main" xmlns:r="http://schemas.openxmlformats.org/officeDocument/2006/relationships" xmlns:p="http://schemas.openxmlformats.org/presentationml/2006/main">
   <p:cSld>
     <p:spTree>
@@ -38441,7 +38822,7 @@
             <p:ph idx="1"/>
             <p:extLst>
               <p:ext uri="{D42A27DB-BD31-4B8C-83A1-F6EECF244321}">
-                <p14:modId xmlns:p14="http://schemas.microsoft.com/office/powerpoint/2010/main" val="3659527885"/>
+                <p14:modId xmlns:p14="http://schemas.microsoft.com/office/powerpoint/2010/main" val="3413565318"/>
               </p:ext>
             </p:extLst>
           </p:nvPr>
@@ -39729,7 +40110,7 @@
                     <a:p>
                       <a:pPr marL="0" algn="r" defTabSz="914400" rtl="0" eaLnBrk="1" fontAlgn="b" latinLnBrk="0" hangingPunct="1"/>
                       <a:r>
-                        <a:rPr lang="pt-BR" sz="2000" u="none" strike="noStrike" kern="1200">
+                        <a:rPr lang="pt-BR" sz="2000" u="none" strike="noStrike" kern="1200" dirty="0">
                           <a:solidFill>
                             <a:schemeClr val="dk1"/>
                           </a:solidFill>
@@ -39738,7 +40119,7 @@
                           <a:ea typeface="+mn-ea"/>
                           <a:cs typeface="+mn-cs"/>
                         </a:rPr>
-                        <a:t>0,8</a:t>
+                        <a:t>0,95</a:t>
                       </a:r>
                     </a:p>
                   </a:txBody>
@@ -41313,155 +41694,6 @@
     <p:extLst>
       <p:ext uri="{BB962C8B-B14F-4D97-AF65-F5344CB8AC3E}">
         <p14:creationId xmlns:p14="http://schemas.microsoft.com/office/powerpoint/2010/main" val="332057529"/>
-      </p:ext>
-    </p:extLst>
-  </p:cSld>
-  <p:clrMapOvr>
-    <a:masterClrMapping/>
-  </p:clrMapOvr>
-</p:sld>
-</file>
-
-<file path=ppt/slides/slide49.xml><?xml version="1.0" encoding="utf-8"?>
-<p:sld xmlns:a="http://schemas.openxmlformats.org/drawingml/2006/main" xmlns:r="http://schemas.openxmlformats.org/officeDocument/2006/relationships" xmlns:p="http://schemas.openxmlformats.org/presentationml/2006/main">
-  <p:cSld>
-    <p:spTree>
-      <p:nvGrpSpPr>
-        <p:cNvPr id="1" name=""/>
-        <p:cNvGrpSpPr/>
-        <p:nvPr/>
-      </p:nvGrpSpPr>
-      <p:grpSpPr>
-        <a:xfrm>
-          <a:off x="0" y="0"/>
-          <a:ext cx="0" cy="0"/>
-          <a:chOff x="0" y="0"/>
-          <a:chExt cx="0" cy="0"/>
-        </a:xfrm>
-      </p:grpSpPr>
-      <p:pic>
-        <p:nvPicPr>
-          <p:cNvPr id="5" name="Imagem 4">
-            <a:extLst>
-              <a:ext uri="{FF2B5EF4-FFF2-40B4-BE49-F238E27FC236}">
-                <a16:creationId xmlns:a16="http://schemas.microsoft.com/office/drawing/2014/main" id="{4C28BB43-708B-4E88-9171-58ED366BD75C}"/>
-              </a:ext>
-            </a:extLst>
-          </p:cNvPr>
-          <p:cNvPicPr>
-            <a:picLocks/>
-          </p:cNvPicPr>
-          <p:nvPr/>
-        </p:nvPicPr>
-        <p:blipFill>
-          <a:blip r:embed="rId2"/>
-          <a:stretch>
-            <a:fillRect/>
-          </a:stretch>
-        </p:blipFill>
-        <p:spPr>
-          <a:xfrm>
-            <a:off x="768600" y="669600"/>
-            <a:ext cx="7606800" cy="5518800"/>
-          </a:xfrm>
-          <a:prstGeom prst="rect">
-            <a:avLst/>
-          </a:prstGeom>
-        </p:spPr>
-      </p:pic>
-      <p:sp>
-        <p:nvSpPr>
-          <p:cNvPr id="6" name="CaixaDeTexto 10">
-            <a:extLst>
-              <a:ext uri="{FF2B5EF4-FFF2-40B4-BE49-F238E27FC236}">
-                <a16:creationId xmlns:a16="http://schemas.microsoft.com/office/drawing/2014/main" id="{63F69520-B715-4846-B8F3-A004A01DFF11}"/>
-              </a:ext>
-            </a:extLst>
-          </p:cNvPr>
-          <p:cNvSpPr txBox="1"/>
-          <p:nvPr/>
-        </p:nvSpPr>
-        <p:spPr>
-          <a:xfrm>
-            <a:off x="692728" y="12620"/>
-            <a:ext cx="2347073" cy="511818"/>
-          </a:xfrm>
-          <a:prstGeom prst="rect">
-            <a:avLst/>
-          </a:prstGeom>
-          <a:noFill/>
-        </p:spPr>
-        <p:txBody>
-          <a:bodyPr wrap="none" lIns="80147" tIns="40074" rIns="80147" bIns="40074">
-            <a:spAutoFit/>
-          </a:bodyPr>
-          <a:lstStyle/>
-          <a:p>
-            <a:pPr algn="l" defTabSz="914239" fontAlgn="auto">
-              <a:spcBef>
-                <a:spcPts val="0"/>
-              </a:spcBef>
-              <a:spcAft>
-                <a:spcPts val="0"/>
-              </a:spcAft>
-              <a:defRPr/>
-            </a:pPr>
-            <a:r>
-              <a:rPr lang="pt-BR" sz="1400" b="1" cap="small" dirty="0">
-                <a:solidFill>
-                  <a:srgbClr val="002060"/>
-                </a:solidFill>
-                <a:latin typeface="+mn-lt"/>
-              </a:rPr>
-              <a:t>3. </a:t>
-            </a:r>
-            <a:r>
-              <a:rPr lang="pt-BR" sz="1400" b="1" cap="small" dirty="0">
-                <a:solidFill>
-                  <a:srgbClr val="002060"/>
-                </a:solidFill>
-              </a:rPr>
-              <a:t>Implementação e Resultados</a:t>
-            </a:r>
-            <a:endParaRPr lang="pt-BR" sz="1400" b="1" cap="small" dirty="0">
-              <a:solidFill>
-                <a:srgbClr val="002060"/>
-              </a:solidFill>
-              <a:latin typeface="+mn-lt"/>
-            </a:endParaRPr>
-          </a:p>
-          <a:p>
-            <a:pPr defTabSz="914239">
-              <a:defRPr/>
-            </a:pPr>
-            <a:r>
-              <a:rPr lang="pt-BR" sz="1400" b="1" cap="small" dirty="0">
-                <a:solidFill>
-                  <a:srgbClr val="002060"/>
-                </a:solidFill>
-              </a:rPr>
-              <a:t>3b. Modelo de </a:t>
-            </a:r>
-            <a:r>
-              <a:rPr lang="pt-BR" sz="1400" b="1" cap="small" dirty="0" err="1">
-                <a:solidFill>
-                  <a:srgbClr val="002060"/>
-                </a:solidFill>
-              </a:rPr>
-              <a:t>Ising</a:t>
-            </a:r>
-            <a:endParaRPr lang="pt-BR" sz="1400" b="1" cap="small" dirty="0">
-              <a:solidFill>
-                <a:srgbClr val="002060"/>
-              </a:solidFill>
-            </a:endParaRPr>
-          </a:p>
-        </p:txBody>
-      </p:sp>
-    </p:spTree>
-    <p:extLst>
-      <p:ext uri="{BB962C8B-B14F-4D97-AF65-F5344CB8AC3E}">
-        <p14:creationId xmlns:p14="http://schemas.microsoft.com/office/powerpoint/2010/main" val="958099189"/>
       </p:ext>
     </p:extLst>
   </p:cSld>
@@ -41900,6 +42132,36 @@
           <a:chExt cx="0" cy="0"/>
         </a:xfrm>
       </p:grpSpPr>
+      <p:pic>
+        <p:nvPicPr>
+          <p:cNvPr id="5" name="Imagem 4">
+            <a:extLst>
+              <a:ext uri="{FF2B5EF4-FFF2-40B4-BE49-F238E27FC236}">
+                <a16:creationId xmlns:a16="http://schemas.microsoft.com/office/drawing/2014/main" id="{4C28BB43-708B-4E88-9171-58ED366BD75C}"/>
+              </a:ext>
+            </a:extLst>
+          </p:cNvPr>
+          <p:cNvPicPr>
+            <a:picLocks/>
+          </p:cNvPicPr>
+          <p:nvPr/>
+        </p:nvPicPr>
+        <p:blipFill>
+          <a:blip r:embed="rId2"/>
+          <a:stretch>
+            <a:fillRect/>
+          </a:stretch>
+        </p:blipFill>
+        <p:spPr>
+          <a:xfrm>
+            <a:off x="768600" y="669600"/>
+            <a:ext cx="7606800" cy="5518800"/>
+          </a:xfrm>
+          <a:prstGeom prst="rect">
+            <a:avLst/>
+          </a:prstGeom>
+        </p:spPr>
+      </p:pic>
       <p:sp>
         <p:nvSpPr>
           <p:cNvPr id="6" name="CaixaDeTexto 10">
@@ -41989,40 +42251,10 @@
           </a:p>
         </p:txBody>
       </p:sp>
-      <p:pic>
-        <p:nvPicPr>
-          <p:cNvPr id="2" name="Imagem 1">
-            <a:extLst>
-              <a:ext uri="{FF2B5EF4-FFF2-40B4-BE49-F238E27FC236}">
-                <a16:creationId xmlns:a16="http://schemas.microsoft.com/office/drawing/2014/main" id="{31A597D6-2F9B-4DAD-8B62-CD81FD2DA007}"/>
-              </a:ext>
-            </a:extLst>
-          </p:cNvPr>
-          <p:cNvPicPr>
-            <a:picLocks noChangeAspect="1"/>
-          </p:cNvPicPr>
-          <p:nvPr/>
-        </p:nvPicPr>
-        <p:blipFill>
-          <a:blip r:embed="rId2"/>
-          <a:stretch>
-            <a:fillRect/>
-          </a:stretch>
-        </p:blipFill>
-        <p:spPr>
-          <a:xfrm>
-            <a:off x="768853" y="670066"/>
-            <a:ext cx="7606293" cy="5517868"/>
-          </a:xfrm>
-          <a:prstGeom prst="rect">
-            <a:avLst/>
-          </a:prstGeom>
-        </p:spPr>
-      </p:pic>
     </p:spTree>
     <p:extLst>
       <p:ext uri="{BB962C8B-B14F-4D97-AF65-F5344CB8AC3E}">
-        <p14:creationId xmlns:p14="http://schemas.microsoft.com/office/powerpoint/2010/main" val="1344067984"/>
+        <p14:creationId xmlns:p14="http://schemas.microsoft.com/office/powerpoint/2010/main" val="958099189"/>
       </p:ext>
     </p:extLst>
   </p:cSld>
@@ -42140,6 +42372,155 @@
       </p:sp>
       <p:pic>
         <p:nvPicPr>
+          <p:cNvPr id="2" name="Imagem 1">
+            <a:extLst>
+              <a:ext uri="{FF2B5EF4-FFF2-40B4-BE49-F238E27FC236}">
+                <a16:creationId xmlns:a16="http://schemas.microsoft.com/office/drawing/2014/main" id="{31A597D6-2F9B-4DAD-8B62-CD81FD2DA007}"/>
+              </a:ext>
+            </a:extLst>
+          </p:cNvPr>
+          <p:cNvPicPr>
+            <a:picLocks noChangeAspect="1"/>
+          </p:cNvPicPr>
+          <p:nvPr/>
+        </p:nvPicPr>
+        <p:blipFill>
+          <a:blip r:embed="rId2"/>
+          <a:stretch>
+            <a:fillRect/>
+          </a:stretch>
+        </p:blipFill>
+        <p:spPr>
+          <a:xfrm>
+            <a:off x="768853" y="670066"/>
+            <a:ext cx="7606293" cy="5517868"/>
+          </a:xfrm>
+          <a:prstGeom prst="rect">
+            <a:avLst/>
+          </a:prstGeom>
+        </p:spPr>
+      </p:pic>
+    </p:spTree>
+    <p:extLst>
+      <p:ext uri="{BB962C8B-B14F-4D97-AF65-F5344CB8AC3E}">
+        <p14:creationId xmlns:p14="http://schemas.microsoft.com/office/powerpoint/2010/main" val="1344067984"/>
+      </p:ext>
+    </p:extLst>
+  </p:cSld>
+  <p:clrMapOvr>
+    <a:masterClrMapping/>
+  </p:clrMapOvr>
+</p:sld>
+</file>
+
+<file path=ppt/slides/slide52.xml><?xml version="1.0" encoding="utf-8"?>
+<p:sld xmlns:a="http://schemas.openxmlformats.org/drawingml/2006/main" xmlns:r="http://schemas.openxmlformats.org/officeDocument/2006/relationships" xmlns:p="http://schemas.openxmlformats.org/presentationml/2006/main">
+  <p:cSld>
+    <p:spTree>
+      <p:nvGrpSpPr>
+        <p:cNvPr id="1" name=""/>
+        <p:cNvGrpSpPr/>
+        <p:nvPr/>
+      </p:nvGrpSpPr>
+      <p:grpSpPr>
+        <a:xfrm>
+          <a:off x="0" y="0"/>
+          <a:ext cx="0" cy="0"/>
+          <a:chOff x="0" y="0"/>
+          <a:chExt cx="0" cy="0"/>
+        </a:xfrm>
+      </p:grpSpPr>
+      <p:sp>
+        <p:nvSpPr>
+          <p:cNvPr id="6" name="CaixaDeTexto 10">
+            <a:extLst>
+              <a:ext uri="{FF2B5EF4-FFF2-40B4-BE49-F238E27FC236}">
+                <a16:creationId xmlns:a16="http://schemas.microsoft.com/office/drawing/2014/main" id="{63F69520-B715-4846-B8F3-A004A01DFF11}"/>
+              </a:ext>
+            </a:extLst>
+          </p:cNvPr>
+          <p:cNvSpPr txBox="1"/>
+          <p:nvPr/>
+        </p:nvSpPr>
+        <p:spPr>
+          <a:xfrm>
+            <a:off x="692728" y="12620"/>
+            <a:ext cx="2347073" cy="511818"/>
+          </a:xfrm>
+          <a:prstGeom prst="rect">
+            <a:avLst/>
+          </a:prstGeom>
+          <a:noFill/>
+        </p:spPr>
+        <p:txBody>
+          <a:bodyPr wrap="none" lIns="80147" tIns="40074" rIns="80147" bIns="40074">
+            <a:spAutoFit/>
+          </a:bodyPr>
+          <a:lstStyle/>
+          <a:p>
+            <a:pPr algn="l" defTabSz="914239" fontAlgn="auto">
+              <a:spcBef>
+                <a:spcPts val="0"/>
+              </a:spcBef>
+              <a:spcAft>
+                <a:spcPts val="0"/>
+              </a:spcAft>
+              <a:defRPr/>
+            </a:pPr>
+            <a:r>
+              <a:rPr lang="pt-BR" sz="1400" b="1" cap="small" dirty="0">
+                <a:solidFill>
+                  <a:srgbClr val="002060"/>
+                </a:solidFill>
+                <a:latin typeface="+mn-lt"/>
+              </a:rPr>
+              <a:t>3. </a:t>
+            </a:r>
+            <a:r>
+              <a:rPr lang="pt-BR" sz="1400" b="1" cap="small" dirty="0">
+                <a:solidFill>
+                  <a:srgbClr val="002060"/>
+                </a:solidFill>
+              </a:rPr>
+              <a:t>Implementação e Resultados</a:t>
+            </a:r>
+            <a:endParaRPr lang="pt-BR" sz="1400" b="1" cap="small" dirty="0">
+              <a:solidFill>
+                <a:srgbClr val="002060"/>
+              </a:solidFill>
+              <a:latin typeface="+mn-lt"/>
+            </a:endParaRPr>
+          </a:p>
+          <a:p>
+            <a:pPr defTabSz="914239">
+              <a:defRPr/>
+            </a:pPr>
+            <a:r>
+              <a:rPr lang="pt-BR" sz="1400" b="1" cap="small" dirty="0">
+                <a:solidFill>
+                  <a:srgbClr val="002060"/>
+                </a:solidFill>
+              </a:rPr>
+              <a:t>3b. Modelo de </a:t>
+            </a:r>
+            <a:r>
+              <a:rPr lang="pt-BR" sz="1400" b="1" cap="small" dirty="0" err="1">
+                <a:solidFill>
+                  <a:srgbClr val="002060"/>
+                </a:solidFill>
+              </a:rPr>
+              <a:t>Ising</a:t>
+            </a:r>
+            <a:endParaRPr lang="pt-BR" sz="1400" b="1" cap="small" dirty="0">
+              <a:solidFill>
+                <a:srgbClr val="002060"/>
+              </a:solidFill>
+            </a:endParaRPr>
+          </a:p>
+        </p:txBody>
+      </p:sp>
+      <p:pic>
+        <p:nvPicPr>
           <p:cNvPr id="3" name="Imagem 2">
             <a:extLst>
               <a:ext uri="{FF2B5EF4-FFF2-40B4-BE49-F238E27FC236}">
@@ -42181,7 +42562,7 @@
 </p:sld>
 </file>
 
-<file path=ppt/slides/slide52.xml><?xml version="1.0" encoding="utf-8"?>
+<file path=ppt/slides/slide53.xml><?xml version="1.0" encoding="utf-8"?>
 <p:sld xmlns:a="http://schemas.openxmlformats.org/drawingml/2006/main" xmlns:r="http://schemas.openxmlformats.org/officeDocument/2006/relationships" xmlns:p="http://schemas.openxmlformats.org/presentationml/2006/main">
   <p:cSld>
     <p:spTree>
@@ -45064,7 +45445,7 @@
 </p:sld>
 </file>
 
-<file path=ppt/slides/slide53.xml><?xml version="1.0" encoding="utf-8"?>
+<file path=ppt/slides/slide54.xml><?xml version="1.0" encoding="utf-8"?>
 <p:sld xmlns:a="http://schemas.openxmlformats.org/drawingml/2006/main" xmlns:r="http://schemas.openxmlformats.org/officeDocument/2006/relationships" xmlns:p="http://schemas.openxmlformats.org/presentationml/2006/main">
   <p:cSld>
     <p:spTree>
@@ -45243,7 +45624,7 @@
 </p:sld>
 </file>
 
-<file path=ppt/slides/slide54.xml><?xml version="1.0" encoding="utf-8"?>
+<file path=ppt/slides/slide55.xml><?xml version="1.0" encoding="utf-8"?>
 <p:sld xmlns:a="http://schemas.openxmlformats.org/drawingml/2006/main" xmlns:r="http://schemas.openxmlformats.org/officeDocument/2006/relationships" xmlns:p="http://schemas.openxmlformats.org/presentationml/2006/main">
   <p:cSld>
     <p:spTree>
@@ -45422,7 +45803,7 @@
 </p:sld>
 </file>
 
-<file path=ppt/slides/slide55.xml><?xml version="1.0" encoding="utf-8"?>
+<file path=ppt/slides/slide56.xml><?xml version="1.0" encoding="utf-8"?>
 <p:sld xmlns:a="http://schemas.openxmlformats.org/drawingml/2006/main" xmlns:r="http://schemas.openxmlformats.org/officeDocument/2006/relationships" xmlns:p="http://schemas.openxmlformats.org/presentationml/2006/main">
   <p:cSld>
     <p:spTree>
@@ -45599,7 +45980,7 @@
 </p:sld>
 </file>
 
-<file path=ppt/slides/slide56.xml><?xml version="1.0" encoding="utf-8"?>
+<file path=ppt/slides/slide57.xml><?xml version="1.0" encoding="utf-8"?>
 <p:sld xmlns:a="http://schemas.openxmlformats.org/drawingml/2006/main" xmlns:r="http://schemas.openxmlformats.org/officeDocument/2006/relationships" xmlns:p="http://schemas.openxmlformats.org/presentationml/2006/main">
   <p:cSld>
     <p:spTree>
@@ -45924,7 +46305,7 @@
 </p:sld>
 </file>
 
-<file path=ppt/slides/slide57.xml><?xml version="1.0" encoding="utf-8"?>
+<file path=ppt/slides/slide58.xml><?xml version="1.0" encoding="utf-8"?>
 <p:sld xmlns:a="http://schemas.openxmlformats.org/drawingml/2006/main" xmlns:r="http://schemas.openxmlformats.org/officeDocument/2006/relationships" xmlns:p="http://schemas.openxmlformats.org/presentationml/2006/main">
   <p:cSld>
     <p:spTree>
@@ -46160,155 +46541,6 @@
 </p:sld>
 </file>
 
-<file path=ppt/slides/slide58.xml><?xml version="1.0" encoding="utf-8"?>
-<p:sld xmlns:a="http://schemas.openxmlformats.org/drawingml/2006/main" xmlns:r="http://schemas.openxmlformats.org/officeDocument/2006/relationships" xmlns:p="http://schemas.openxmlformats.org/presentationml/2006/main">
-  <p:cSld>
-    <p:spTree>
-      <p:nvGrpSpPr>
-        <p:cNvPr id="1" name=""/>
-        <p:cNvGrpSpPr/>
-        <p:nvPr/>
-      </p:nvGrpSpPr>
-      <p:grpSpPr>
-        <a:xfrm>
-          <a:off x="0" y="0"/>
-          <a:ext cx="0" cy="0"/>
-          <a:chOff x="0" y="0"/>
-          <a:chExt cx="0" cy="0"/>
-        </a:xfrm>
-      </p:grpSpPr>
-      <p:sp>
-        <p:nvSpPr>
-          <p:cNvPr id="3" name="CaixaDeTexto 10">
-            <a:extLst>
-              <a:ext uri="{FF2B5EF4-FFF2-40B4-BE49-F238E27FC236}">
-                <a16:creationId xmlns:a16="http://schemas.microsoft.com/office/drawing/2014/main" id="{41487511-6A80-47B8-A2C9-FE2D1574A153}"/>
-              </a:ext>
-            </a:extLst>
-          </p:cNvPr>
-          <p:cNvSpPr txBox="1"/>
-          <p:nvPr/>
-        </p:nvSpPr>
-        <p:spPr>
-          <a:xfrm>
-            <a:off x="692728" y="12620"/>
-            <a:ext cx="2347073" cy="511818"/>
-          </a:xfrm>
-          <a:prstGeom prst="rect">
-            <a:avLst/>
-          </a:prstGeom>
-          <a:noFill/>
-        </p:spPr>
-        <p:txBody>
-          <a:bodyPr wrap="none" lIns="80147" tIns="40074" rIns="80147" bIns="40074">
-            <a:spAutoFit/>
-          </a:bodyPr>
-          <a:lstStyle/>
-          <a:p>
-            <a:pPr algn="l" defTabSz="914239" fontAlgn="auto">
-              <a:spcBef>
-                <a:spcPts val="0"/>
-              </a:spcBef>
-              <a:spcAft>
-                <a:spcPts val="0"/>
-              </a:spcAft>
-              <a:defRPr/>
-            </a:pPr>
-            <a:r>
-              <a:rPr lang="pt-BR" sz="1400" b="1" cap="small" dirty="0">
-                <a:solidFill>
-                  <a:srgbClr val="002060"/>
-                </a:solidFill>
-                <a:latin typeface="+mn-lt"/>
-              </a:rPr>
-              <a:t>3. </a:t>
-            </a:r>
-            <a:r>
-              <a:rPr lang="pt-BR" sz="1400" b="1" cap="small" dirty="0">
-                <a:solidFill>
-                  <a:srgbClr val="002060"/>
-                </a:solidFill>
-              </a:rPr>
-              <a:t>Implementação e Resultados</a:t>
-            </a:r>
-            <a:endParaRPr lang="pt-BR" sz="1400" b="1" cap="small" dirty="0">
-              <a:solidFill>
-                <a:srgbClr val="002060"/>
-              </a:solidFill>
-              <a:latin typeface="+mn-lt"/>
-            </a:endParaRPr>
-          </a:p>
-          <a:p>
-            <a:pPr defTabSz="914239">
-              <a:defRPr/>
-            </a:pPr>
-            <a:r>
-              <a:rPr lang="pt-BR" sz="1400" b="1" cap="small" dirty="0">
-                <a:solidFill>
-                  <a:srgbClr val="002060"/>
-                </a:solidFill>
-              </a:rPr>
-              <a:t>3b. Modelo de </a:t>
-            </a:r>
-            <a:r>
-              <a:rPr lang="pt-BR" sz="1400" b="1" cap="small" dirty="0" err="1">
-                <a:solidFill>
-                  <a:srgbClr val="002060"/>
-                </a:solidFill>
-              </a:rPr>
-              <a:t>Ising</a:t>
-            </a:r>
-            <a:endParaRPr lang="pt-BR" sz="1400" b="1" cap="small" dirty="0">
-              <a:solidFill>
-                <a:srgbClr val="002060"/>
-              </a:solidFill>
-            </a:endParaRPr>
-          </a:p>
-        </p:txBody>
-      </p:sp>
-      <p:pic>
-        <p:nvPicPr>
-          <p:cNvPr id="4" name="Imagem 3">
-            <a:extLst>
-              <a:ext uri="{FF2B5EF4-FFF2-40B4-BE49-F238E27FC236}">
-                <a16:creationId xmlns:a16="http://schemas.microsoft.com/office/drawing/2014/main" id="{3EEB8A90-2208-4D07-856B-E15AE74A43C8}"/>
-              </a:ext>
-            </a:extLst>
-          </p:cNvPr>
-          <p:cNvPicPr>
-            <a:picLocks noChangeAspect="1"/>
-          </p:cNvPicPr>
-          <p:nvPr/>
-        </p:nvPicPr>
-        <p:blipFill>
-          <a:blip r:embed="rId2"/>
-          <a:stretch>
-            <a:fillRect/>
-          </a:stretch>
-        </p:blipFill>
-        <p:spPr>
-          <a:xfrm>
-            <a:off x="771236" y="671794"/>
-            <a:ext cx="7601527" cy="5514412"/>
-          </a:xfrm>
-          <a:prstGeom prst="rect">
-            <a:avLst/>
-          </a:prstGeom>
-        </p:spPr>
-      </p:pic>
-    </p:spTree>
-    <p:extLst>
-      <p:ext uri="{BB962C8B-B14F-4D97-AF65-F5344CB8AC3E}">
-        <p14:creationId xmlns:p14="http://schemas.microsoft.com/office/powerpoint/2010/main" val="73556571"/>
-      </p:ext>
-    </p:extLst>
-  </p:cSld>
-  <p:clrMapOvr>
-    <a:masterClrMapping/>
-  </p:clrMapOvr>
-</p:sld>
-</file>
-
 <file path=ppt/slides/slide59.xml><?xml version="1.0" encoding="utf-8"?>
 <p:sld xmlns:a="http://schemas.openxmlformats.org/drawingml/2006/main" xmlns:r="http://schemas.openxmlformats.org/officeDocument/2006/relationships" xmlns:p="http://schemas.openxmlformats.org/presentationml/2006/main">
   <p:cSld>
@@ -46417,10 +46649,10 @@
       </p:sp>
       <p:pic>
         <p:nvPicPr>
-          <p:cNvPr id="2" name="Imagem 1">
+          <p:cNvPr id="4" name="Imagem 3">
             <a:extLst>
               <a:ext uri="{FF2B5EF4-FFF2-40B4-BE49-F238E27FC236}">
-                <a16:creationId xmlns:a16="http://schemas.microsoft.com/office/drawing/2014/main" id="{540B6B3E-E5FC-468B-8DCE-96733BCC9D70}"/>
+                <a16:creationId xmlns:a16="http://schemas.microsoft.com/office/drawing/2014/main" id="{3EEB8A90-2208-4D07-856B-E15AE74A43C8}"/>
               </a:ext>
             </a:extLst>
           </p:cNvPr>
@@ -46437,8 +46669,8 @@
         </p:blipFill>
         <p:spPr>
           <a:xfrm>
-            <a:off x="775655" y="675000"/>
-            <a:ext cx="7592690" cy="5508000"/>
+            <a:off x="771236" y="671794"/>
+            <a:ext cx="7601527" cy="5514412"/>
           </a:xfrm>
           <a:prstGeom prst="rect">
             <a:avLst/>
@@ -46448,7 +46680,7 @@
     </p:spTree>
     <p:extLst>
       <p:ext uri="{BB962C8B-B14F-4D97-AF65-F5344CB8AC3E}">
-        <p14:creationId xmlns:p14="http://schemas.microsoft.com/office/powerpoint/2010/main" val="2594964007"/>
+        <p14:creationId xmlns:p14="http://schemas.microsoft.com/office/powerpoint/2010/main" val="73556571"/>
       </p:ext>
     </p:extLst>
   </p:cSld>
@@ -46869,6 +47101,155 @@
       </p:sp>
       <p:pic>
         <p:nvPicPr>
+          <p:cNvPr id="2" name="Imagem 1">
+            <a:extLst>
+              <a:ext uri="{FF2B5EF4-FFF2-40B4-BE49-F238E27FC236}">
+                <a16:creationId xmlns:a16="http://schemas.microsoft.com/office/drawing/2014/main" id="{540B6B3E-E5FC-468B-8DCE-96733BCC9D70}"/>
+              </a:ext>
+            </a:extLst>
+          </p:cNvPr>
+          <p:cNvPicPr>
+            <a:picLocks noChangeAspect="1"/>
+          </p:cNvPicPr>
+          <p:nvPr/>
+        </p:nvPicPr>
+        <p:blipFill>
+          <a:blip r:embed="rId2"/>
+          <a:stretch>
+            <a:fillRect/>
+          </a:stretch>
+        </p:blipFill>
+        <p:spPr>
+          <a:xfrm>
+            <a:off x="775655" y="675000"/>
+            <a:ext cx="7592690" cy="5508000"/>
+          </a:xfrm>
+          <a:prstGeom prst="rect">
+            <a:avLst/>
+          </a:prstGeom>
+        </p:spPr>
+      </p:pic>
+    </p:spTree>
+    <p:extLst>
+      <p:ext uri="{BB962C8B-B14F-4D97-AF65-F5344CB8AC3E}">
+        <p14:creationId xmlns:p14="http://schemas.microsoft.com/office/powerpoint/2010/main" val="2594964007"/>
+      </p:ext>
+    </p:extLst>
+  </p:cSld>
+  <p:clrMapOvr>
+    <a:masterClrMapping/>
+  </p:clrMapOvr>
+</p:sld>
+</file>
+
+<file path=ppt/slides/slide61.xml><?xml version="1.0" encoding="utf-8"?>
+<p:sld xmlns:a="http://schemas.openxmlformats.org/drawingml/2006/main" xmlns:r="http://schemas.openxmlformats.org/officeDocument/2006/relationships" xmlns:p="http://schemas.openxmlformats.org/presentationml/2006/main">
+  <p:cSld>
+    <p:spTree>
+      <p:nvGrpSpPr>
+        <p:cNvPr id="1" name=""/>
+        <p:cNvGrpSpPr/>
+        <p:nvPr/>
+      </p:nvGrpSpPr>
+      <p:grpSpPr>
+        <a:xfrm>
+          <a:off x="0" y="0"/>
+          <a:ext cx="0" cy="0"/>
+          <a:chOff x="0" y="0"/>
+          <a:chExt cx="0" cy="0"/>
+        </a:xfrm>
+      </p:grpSpPr>
+      <p:sp>
+        <p:nvSpPr>
+          <p:cNvPr id="3" name="CaixaDeTexto 10">
+            <a:extLst>
+              <a:ext uri="{FF2B5EF4-FFF2-40B4-BE49-F238E27FC236}">
+                <a16:creationId xmlns:a16="http://schemas.microsoft.com/office/drawing/2014/main" id="{41487511-6A80-47B8-A2C9-FE2D1574A153}"/>
+              </a:ext>
+            </a:extLst>
+          </p:cNvPr>
+          <p:cNvSpPr txBox="1"/>
+          <p:nvPr/>
+        </p:nvSpPr>
+        <p:spPr>
+          <a:xfrm>
+            <a:off x="692728" y="12620"/>
+            <a:ext cx="2347073" cy="511818"/>
+          </a:xfrm>
+          <a:prstGeom prst="rect">
+            <a:avLst/>
+          </a:prstGeom>
+          <a:noFill/>
+        </p:spPr>
+        <p:txBody>
+          <a:bodyPr wrap="none" lIns="80147" tIns="40074" rIns="80147" bIns="40074">
+            <a:spAutoFit/>
+          </a:bodyPr>
+          <a:lstStyle/>
+          <a:p>
+            <a:pPr algn="l" defTabSz="914239" fontAlgn="auto">
+              <a:spcBef>
+                <a:spcPts val="0"/>
+              </a:spcBef>
+              <a:spcAft>
+                <a:spcPts val="0"/>
+              </a:spcAft>
+              <a:defRPr/>
+            </a:pPr>
+            <a:r>
+              <a:rPr lang="pt-BR" sz="1400" b="1" cap="small" dirty="0">
+                <a:solidFill>
+                  <a:srgbClr val="002060"/>
+                </a:solidFill>
+                <a:latin typeface="+mn-lt"/>
+              </a:rPr>
+              <a:t>3. </a:t>
+            </a:r>
+            <a:r>
+              <a:rPr lang="pt-BR" sz="1400" b="1" cap="small" dirty="0">
+                <a:solidFill>
+                  <a:srgbClr val="002060"/>
+                </a:solidFill>
+              </a:rPr>
+              <a:t>Implementação e Resultados</a:t>
+            </a:r>
+            <a:endParaRPr lang="pt-BR" sz="1400" b="1" cap="small" dirty="0">
+              <a:solidFill>
+                <a:srgbClr val="002060"/>
+              </a:solidFill>
+              <a:latin typeface="+mn-lt"/>
+            </a:endParaRPr>
+          </a:p>
+          <a:p>
+            <a:pPr defTabSz="914239">
+              <a:defRPr/>
+            </a:pPr>
+            <a:r>
+              <a:rPr lang="pt-BR" sz="1400" b="1" cap="small" dirty="0">
+                <a:solidFill>
+                  <a:srgbClr val="002060"/>
+                </a:solidFill>
+              </a:rPr>
+              <a:t>3b. Modelo de </a:t>
+            </a:r>
+            <a:r>
+              <a:rPr lang="pt-BR" sz="1400" b="1" cap="small" dirty="0" err="1">
+                <a:solidFill>
+                  <a:srgbClr val="002060"/>
+                </a:solidFill>
+              </a:rPr>
+              <a:t>Ising</a:t>
+            </a:r>
+            <a:endParaRPr lang="pt-BR" sz="1400" b="1" cap="small" dirty="0">
+              <a:solidFill>
+                <a:srgbClr val="002060"/>
+              </a:solidFill>
+            </a:endParaRPr>
+          </a:p>
+        </p:txBody>
+      </p:sp>
+      <p:pic>
+        <p:nvPicPr>
           <p:cNvPr id="4" name="Imagem 3">
             <a:extLst>
               <a:ext uri="{FF2B5EF4-FFF2-40B4-BE49-F238E27FC236}">
@@ -46910,7 +47291,7 @@
 </p:sld>
 </file>
 
-<file path=ppt/slides/slide61.xml><?xml version="1.0" encoding="utf-8"?>
+<file path=ppt/slides/slide62.xml><?xml version="1.0" encoding="utf-8"?>
 <p:sld xmlns:a="http://schemas.openxmlformats.org/drawingml/2006/main" xmlns:r="http://schemas.openxmlformats.org/officeDocument/2006/relationships" xmlns:p="http://schemas.openxmlformats.org/presentationml/2006/main">
   <p:cSld>
     <p:spTree>
@@ -47098,7 +47479,7 @@
 </p:sld>
 </file>
 
-<file path=ppt/slides/slide62.xml><?xml version="1.0" encoding="utf-8"?>
+<file path=ppt/slides/slide63.xml><?xml version="1.0" encoding="utf-8"?>
 <p:sld xmlns:a="http://schemas.openxmlformats.org/drawingml/2006/main" xmlns:r="http://schemas.openxmlformats.org/officeDocument/2006/relationships" xmlns:p="http://schemas.openxmlformats.org/presentationml/2006/main">
   <p:cSld>
     <p:spTree>
@@ -47529,7 +47910,7 @@
 </p:sld>
 </file>
 
-<file path=ppt/slides/slide63.xml><?xml version="1.0" encoding="utf-8"?>
+<file path=ppt/slides/slide64.xml><?xml version="1.0" encoding="utf-8"?>
 <p:sld xmlns:a="http://schemas.openxmlformats.org/drawingml/2006/main" xmlns:r="http://schemas.openxmlformats.org/officeDocument/2006/relationships" xmlns:p="http://schemas.openxmlformats.org/presentationml/2006/main">
   <p:cSld>
     <p:spTree>
